--- a/Online Shoppers Purchasing Intent Final.pptx
+++ b/Online Shoppers Purchasing Intent Final.pptx
@@ -7,13 +7,18 @@
   <p:sldIdLst>
     <p:sldId id="256" r:id="rId2"/>
     <p:sldId id="257" r:id="rId3"/>
-    <p:sldId id="258" r:id="rId4"/>
-    <p:sldId id="259" r:id="rId5"/>
-    <p:sldId id="273" r:id="rId6"/>
-    <p:sldId id="268" r:id="rId7"/>
-    <p:sldId id="275" r:id="rId8"/>
-    <p:sldId id="272" r:id="rId9"/>
-    <p:sldId id="262" r:id="rId10"/>
+    <p:sldId id="276" r:id="rId4"/>
+    <p:sldId id="263" r:id="rId5"/>
+    <p:sldId id="277" r:id="rId6"/>
+    <p:sldId id="266" r:id="rId7"/>
+    <p:sldId id="267" r:id="rId8"/>
+    <p:sldId id="264" r:id="rId9"/>
+    <p:sldId id="259" r:id="rId10"/>
+    <p:sldId id="273" r:id="rId11"/>
+    <p:sldId id="268" r:id="rId12"/>
+    <p:sldId id="275" r:id="rId13"/>
+    <p:sldId id="272" r:id="rId14"/>
+    <p:sldId id="262" r:id="rId15"/>
   </p:sldIdLst>
   <p:sldSz cx="12192000" cy="6858000"/>
   <p:notesSz cx="6858000" cy="9144000"/>
@@ -842,7 +847,7 @@
           <a:p>
             <a:fld id="{2C114463-989A-4F3B-B4B9-60260BFB8F8F}" type="datetimeFigureOut">
               <a:rPr lang="en-US" smtClean="0"/>
-              <a:t>5/5/2022</a:t>
+              <a:t>6/27/2022</a:t>
             </a:fld>
             <a:endParaRPr lang="en-US"/>
           </a:p>
@@ -1093,7 +1098,7 @@
           <a:p>
             <a:fld id="{2C114463-989A-4F3B-B4B9-60260BFB8F8F}" type="datetimeFigureOut">
               <a:rPr lang="en-US" smtClean="0"/>
-              <a:t>5/5/2022</a:t>
+              <a:t>6/27/2022</a:t>
             </a:fld>
             <a:endParaRPr lang="en-US"/>
           </a:p>
@@ -1407,7 +1412,7 @@
           <a:p>
             <a:fld id="{2C114463-989A-4F3B-B4B9-60260BFB8F8F}" type="datetimeFigureOut">
               <a:rPr lang="en-US" smtClean="0"/>
-              <a:t>5/5/2022</a:t>
+              <a:t>6/27/2022</a:t>
             </a:fld>
             <a:endParaRPr lang="en-US"/>
           </a:p>
@@ -1748,7 +1753,7 @@
           <a:p>
             <a:fld id="{2C114463-989A-4F3B-B4B9-60260BFB8F8F}" type="datetimeFigureOut">
               <a:rPr lang="en-US" smtClean="0"/>
-              <a:t>5/5/2022</a:t>
+              <a:t>6/27/2022</a:t>
             </a:fld>
             <a:endParaRPr lang="en-US"/>
           </a:p>
@@ -2062,7 +2067,7 @@
           <a:p>
             <a:fld id="{2C114463-989A-4F3B-B4B9-60260BFB8F8F}" type="datetimeFigureOut">
               <a:rPr lang="en-US" smtClean="0"/>
-              <a:t>5/5/2022</a:t>
+              <a:t>6/27/2022</a:t>
             </a:fld>
             <a:endParaRPr lang="en-US"/>
           </a:p>
@@ -2455,7 +2460,7 @@
           <a:p>
             <a:fld id="{2C114463-989A-4F3B-B4B9-60260BFB8F8F}" type="datetimeFigureOut">
               <a:rPr lang="en-US" smtClean="0"/>
-              <a:t>5/5/2022</a:t>
+              <a:t>6/27/2022</a:t>
             </a:fld>
             <a:endParaRPr lang="en-US"/>
           </a:p>
@@ -2625,7 +2630,7 @@
           <a:p>
             <a:fld id="{2C114463-989A-4F3B-B4B9-60260BFB8F8F}" type="datetimeFigureOut">
               <a:rPr lang="en-US" smtClean="0"/>
-              <a:t>5/5/2022</a:t>
+              <a:t>6/27/2022</a:t>
             </a:fld>
             <a:endParaRPr lang="en-US"/>
           </a:p>
@@ -2805,7 +2810,7 @@
           <a:p>
             <a:fld id="{2C114463-989A-4F3B-B4B9-60260BFB8F8F}" type="datetimeFigureOut">
               <a:rPr lang="en-US" smtClean="0"/>
-              <a:t>5/5/2022</a:t>
+              <a:t>6/27/2022</a:t>
             </a:fld>
             <a:endParaRPr lang="en-US"/>
           </a:p>
@@ -2981,7 +2986,7 @@
           <a:p>
             <a:fld id="{2C114463-989A-4F3B-B4B9-60260BFB8F8F}" type="datetimeFigureOut">
               <a:rPr lang="en-US" smtClean="0"/>
-              <a:t>5/5/2022</a:t>
+              <a:t>6/27/2022</a:t>
             </a:fld>
             <a:endParaRPr lang="en-US"/>
           </a:p>
@@ -3228,7 +3233,7 @@
           <a:p>
             <a:fld id="{2C114463-989A-4F3B-B4B9-60260BFB8F8F}" type="datetimeFigureOut">
               <a:rPr lang="en-US" smtClean="0"/>
-              <a:t>5/5/2022</a:t>
+              <a:t>6/27/2022</a:t>
             </a:fld>
             <a:endParaRPr lang="en-US"/>
           </a:p>
@@ -3460,7 +3465,7 @@
           <a:p>
             <a:fld id="{2C114463-989A-4F3B-B4B9-60260BFB8F8F}" type="datetimeFigureOut">
               <a:rPr lang="en-US" smtClean="0"/>
-              <a:t>5/5/2022</a:t>
+              <a:t>6/27/2022</a:t>
             </a:fld>
             <a:endParaRPr lang="en-US"/>
           </a:p>
@@ -3834,7 +3839,7 @@
           <a:p>
             <a:fld id="{2C114463-989A-4F3B-B4B9-60260BFB8F8F}" type="datetimeFigureOut">
               <a:rPr lang="en-US" smtClean="0"/>
-              <a:t>5/5/2022</a:t>
+              <a:t>6/27/2022</a:t>
             </a:fld>
             <a:endParaRPr lang="en-US"/>
           </a:p>
@@ -3957,7 +3962,7 @@
           <a:p>
             <a:fld id="{2C114463-989A-4F3B-B4B9-60260BFB8F8F}" type="datetimeFigureOut">
               <a:rPr lang="en-US" smtClean="0"/>
-              <a:t>5/5/2022</a:t>
+              <a:t>6/27/2022</a:t>
             </a:fld>
             <a:endParaRPr lang="en-US"/>
           </a:p>
@@ -4052,7 +4057,7 @@
           <a:p>
             <a:fld id="{2C114463-989A-4F3B-B4B9-60260BFB8F8F}" type="datetimeFigureOut">
               <a:rPr lang="en-US" smtClean="0"/>
-              <a:t>5/5/2022</a:t>
+              <a:t>6/27/2022</a:t>
             </a:fld>
             <a:endParaRPr lang="en-US"/>
           </a:p>
@@ -4307,7 +4312,7 @@
           <a:p>
             <a:fld id="{2C114463-989A-4F3B-B4B9-60260BFB8F8F}" type="datetimeFigureOut">
               <a:rPr lang="en-US" smtClean="0"/>
-              <a:t>5/5/2022</a:t>
+              <a:t>6/27/2022</a:t>
             </a:fld>
             <a:endParaRPr lang="en-US"/>
           </a:p>
@@ -4570,7 +4575,7 @@
           <a:p>
             <a:fld id="{2C114463-989A-4F3B-B4B9-60260BFB8F8F}" type="datetimeFigureOut">
               <a:rPr lang="en-US" smtClean="0"/>
-              <a:t>5/5/2022</a:t>
+              <a:t>6/27/2022</a:t>
             </a:fld>
             <a:endParaRPr lang="en-US"/>
           </a:p>
@@ -5313,7 +5318,7 @@
           <a:p>
             <a:fld id="{2C114463-989A-4F3B-B4B9-60260BFB8F8F}" type="datetimeFigureOut">
               <a:rPr lang="en-US" smtClean="0"/>
-              <a:t>5/5/2022</a:t>
+              <a:t>6/27/2022</a:t>
             </a:fld>
             <a:endParaRPr lang="en-US"/>
           </a:p>
@@ -5900,9 +5905,10 @@
           <a:p>
             <a:pPr algn="l"/>
             <a:r>
-              <a:rPr lang="en-US" dirty="0"/>
-              <a:t>05/05/2022</a:t>
-            </a:r>
+              <a:rPr lang="en-US"/>
+              <a:t>05/15/2022</a:t>
+            </a:r>
+            <a:endParaRPr lang="en-US" dirty="0"/>
           </a:p>
         </p:txBody>
       </p:sp>
@@ -6026,1195 +6032,7 @@
 </p:sld>
 </file>
 
-<file path=ppt/slides/slide2.xml><?xml version="1.0" encoding="utf-8"?>
-<p:sld xmlns:a="http://schemas.openxmlformats.org/drawingml/2006/main" xmlns:r="http://schemas.openxmlformats.org/officeDocument/2006/relationships" xmlns:p="http://schemas.openxmlformats.org/presentationml/2006/main">
-  <p:cSld>
-    <p:spTree>
-      <p:nvGrpSpPr>
-        <p:cNvPr id="1" name=""/>
-        <p:cNvGrpSpPr/>
-        <p:nvPr/>
-      </p:nvGrpSpPr>
-      <p:grpSpPr>
-        <a:xfrm>
-          <a:off x="0" y="0"/>
-          <a:ext cx="0" cy="0"/>
-          <a:chOff x="0" y="0"/>
-          <a:chExt cx="0" cy="0"/>
-        </a:xfrm>
-      </p:grpSpPr>
-      <p:sp>
-        <p:nvSpPr>
-          <p:cNvPr id="2" name="Title 1">
-            <a:extLst>
-              <a:ext uri="{FF2B5EF4-FFF2-40B4-BE49-F238E27FC236}">
-                <a16:creationId xmlns:a16="http://schemas.microsoft.com/office/drawing/2014/main" id="{0F4EC5BE-596D-4492-AD79-DDB68CCE3DFB}"/>
-              </a:ext>
-            </a:extLst>
-          </p:cNvPr>
-          <p:cNvSpPr>
-            <a:spLocks noGrp="1"/>
-          </p:cNvSpPr>
-          <p:nvPr>
-            <p:ph type="title"/>
-          </p:nvPr>
-        </p:nvSpPr>
-        <p:spPr>
-          <a:xfrm>
-            <a:off x="677334" y="330862"/>
-            <a:ext cx="8596668" cy="971550"/>
-          </a:xfrm>
-        </p:spPr>
-        <p:txBody>
-          <a:bodyPr>
-            <a:normAutofit/>
-          </a:bodyPr>
-          <a:lstStyle/>
-          <a:p>
-            <a:r>
-              <a:rPr lang="en-US" sz="5400" dirty="0"/>
-              <a:t>Summary</a:t>
-            </a:r>
-          </a:p>
-        </p:txBody>
-      </p:sp>
-      <p:sp>
-        <p:nvSpPr>
-          <p:cNvPr id="3" name="Content Placeholder 2">
-            <a:extLst>
-              <a:ext uri="{FF2B5EF4-FFF2-40B4-BE49-F238E27FC236}">
-                <a16:creationId xmlns:a16="http://schemas.microsoft.com/office/drawing/2014/main" id="{22F8FE9B-137C-41B5-9006-9B2FF497B05A}"/>
-              </a:ext>
-            </a:extLst>
-          </p:cNvPr>
-          <p:cNvSpPr>
-            <a:spLocks noGrp="1"/>
-          </p:cNvSpPr>
-          <p:nvPr>
-            <p:ph idx="1"/>
-          </p:nvPr>
-        </p:nvSpPr>
-        <p:spPr>
-          <a:xfrm>
-            <a:off x="868018" y="1802296"/>
-            <a:ext cx="8246958" cy="4172806"/>
-          </a:xfrm>
-        </p:spPr>
-        <p:txBody>
-          <a:bodyPr>
-            <a:normAutofit/>
-          </a:bodyPr>
-          <a:lstStyle/>
-          <a:p>
-            <a:r>
-              <a:rPr lang="en-US" sz="4000" dirty="0"/>
-              <a:t>About the Data</a:t>
-            </a:r>
-          </a:p>
-          <a:p>
-            <a:r>
-              <a:rPr lang="en-US" sz="4000" dirty="0"/>
-              <a:t>Exploratory Analysis</a:t>
-            </a:r>
-          </a:p>
-          <a:p>
-            <a:r>
-              <a:rPr lang="en-US" sz="4000" dirty="0"/>
-              <a:t>Customer Segmentation</a:t>
-            </a:r>
-          </a:p>
-          <a:p>
-            <a:r>
-              <a:rPr lang="en-US" sz="4000" dirty="0"/>
-              <a:t>Modeling</a:t>
-            </a:r>
-          </a:p>
-        </p:txBody>
-      </p:sp>
-    </p:spTree>
-    <p:extLst>
-      <p:ext uri="{BB962C8B-B14F-4D97-AF65-F5344CB8AC3E}">
-        <p14:creationId xmlns:p14="http://schemas.microsoft.com/office/powerpoint/2010/main" val="3589697247"/>
-      </p:ext>
-    </p:extLst>
-  </p:cSld>
-  <p:clrMapOvr>
-    <a:masterClrMapping/>
-  </p:clrMapOvr>
-</p:sld>
-</file>
-
-<file path=ppt/slides/slide3.xml><?xml version="1.0" encoding="utf-8"?>
-<p:sld xmlns:a="http://schemas.openxmlformats.org/drawingml/2006/main" xmlns:r="http://schemas.openxmlformats.org/officeDocument/2006/relationships" xmlns:p="http://schemas.openxmlformats.org/presentationml/2006/main">
-  <p:cSld>
-    <p:spTree>
-      <p:nvGrpSpPr>
-        <p:cNvPr id="1" name=""/>
-        <p:cNvGrpSpPr/>
-        <p:nvPr/>
-      </p:nvGrpSpPr>
-      <p:grpSpPr>
-        <a:xfrm>
-          <a:off x="0" y="0"/>
-          <a:ext cx="0" cy="0"/>
-          <a:chOff x="0" y="0"/>
-          <a:chExt cx="0" cy="0"/>
-        </a:xfrm>
-      </p:grpSpPr>
-      <p:sp>
-        <p:nvSpPr>
-          <p:cNvPr id="2" name="Title 1">
-            <a:extLst>
-              <a:ext uri="{FF2B5EF4-FFF2-40B4-BE49-F238E27FC236}">
-                <a16:creationId xmlns:a16="http://schemas.microsoft.com/office/drawing/2014/main" id="{50C7FB4E-3934-48B4-B9ED-8FC63598AC32}"/>
-              </a:ext>
-            </a:extLst>
-          </p:cNvPr>
-          <p:cNvSpPr>
-            <a:spLocks noGrp="1"/>
-          </p:cNvSpPr>
-          <p:nvPr>
-            <p:ph type="title"/>
-          </p:nvPr>
-        </p:nvSpPr>
-        <p:spPr>
-          <a:xfrm>
-            <a:off x="631678" y="179792"/>
-            <a:ext cx="8596668" cy="982980"/>
-          </a:xfrm>
-        </p:spPr>
-        <p:txBody>
-          <a:bodyPr>
-            <a:normAutofit/>
-          </a:bodyPr>
-          <a:lstStyle/>
-          <a:p>
-            <a:r>
-              <a:rPr lang="en-US" sz="5400" dirty="0"/>
-              <a:t>About the Data</a:t>
-            </a:r>
-          </a:p>
-        </p:txBody>
-      </p:sp>
-      <p:sp>
-        <p:nvSpPr>
-          <p:cNvPr id="3" name="Content Placeholder 2">
-            <a:extLst>
-              <a:ext uri="{FF2B5EF4-FFF2-40B4-BE49-F238E27FC236}">
-                <a16:creationId xmlns:a16="http://schemas.microsoft.com/office/drawing/2014/main" id="{CBBA2AA0-324C-4229-B225-3C9B0296D714}"/>
-              </a:ext>
-            </a:extLst>
-          </p:cNvPr>
-          <p:cNvSpPr>
-            <a:spLocks noGrp="1"/>
-          </p:cNvSpPr>
-          <p:nvPr>
-            <p:ph idx="1"/>
-          </p:nvPr>
-        </p:nvSpPr>
-        <p:spPr>
-          <a:xfrm>
-            <a:off x="508001" y="1162772"/>
-            <a:ext cx="9431129" cy="5515435"/>
-          </a:xfrm>
-        </p:spPr>
-        <p:txBody>
-          <a:bodyPr>
-            <a:normAutofit lnSpcReduction="10000"/>
-          </a:bodyPr>
-          <a:lstStyle/>
-          <a:p>
-            <a:r>
-              <a:rPr lang="en-US" b="1" dirty="0"/>
-              <a:t>Context</a:t>
-            </a:r>
-          </a:p>
-          <a:p>
-            <a:pPr lvl="1"/>
-            <a:r>
-              <a:rPr lang="en-US" b="1" dirty="0"/>
-              <a:t>Consists of 12,330 online shopping “sessions”</a:t>
-            </a:r>
-          </a:p>
-          <a:p>
-            <a:pPr lvl="1"/>
-            <a:r>
-              <a:rPr lang="en-US" b="1" dirty="0"/>
-              <a:t>Each session is unique, and data covers a 1 year period</a:t>
-            </a:r>
-          </a:p>
-          <a:p>
-            <a:pPr lvl="1"/>
-            <a:endParaRPr lang="en-US" b="1" dirty="0"/>
-          </a:p>
-          <a:p>
-            <a:r>
-              <a:rPr lang="en-US" b="1" dirty="0"/>
-              <a:t>Content</a:t>
-            </a:r>
-          </a:p>
-          <a:p>
-            <a:pPr lvl="1"/>
-            <a:r>
-              <a:rPr lang="en-US" b="1" dirty="0"/>
-              <a:t>Target = “Revenue”</a:t>
-            </a:r>
-          </a:p>
-          <a:p>
-            <a:pPr lvl="2"/>
-            <a:r>
-              <a:rPr lang="en-US" b="1" dirty="0"/>
-              <a:t>Did the session end in the customer purchasing something</a:t>
-            </a:r>
-          </a:p>
-          <a:p>
-            <a:pPr lvl="1"/>
-            <a:r>
-              <a:rPr lang="en-US" b="1" dirty="0"/>
-              <a:t>10 numerical, and 7 categorical features</a:t>
-            </a:r>
-          </a:p>
-          <a:p>
-            <a:pPr lvl="1"/>
-            <a:r>
-              <a:rPr lang="en-US" b="1" dirty="0"/>
-              <a:t>Visit information</a:t>
-            </a:r>
-          </a:p>
-          <a:p>
-            <a:pPr lvl="2"/>
-            <a:r>
-              <a:rPr lang="en-US" b="1" dirty="0"/>
-              <a:t>PC info</a:t>
-            </a:r>
-          </a:p>
-          <a:p>
-            <a:pPr lvl="2"/>
-            <a:r>
-              <a:rPr lang="en-US" b="1" dirty="0"/>
-              <a:t>Return/new customer</a:t>
-            </a:r>
-          </a:p>
-          <a:p>
-            <a:pPr lvl="2"/>
-            <a:r>
-              <a:rPr lang="en-US" b="1" dirty="0"/>
-              <a:t>Location</a:t>
-            </a:r>
-          </a:p>
-          <a:p>
-            <a:pPr lvl="1"/>
-            <a:r>
-              <a:rPr lang="en-US" b="1" dirty="0"/>
-              <a:t>Browsing History</a:t>
-            </a:r>
-          </a:p>
-          <a:p>
-            <a:pPr lvl="2"/>
-            <a:r>
-              <a:rPr lang="en-US" b="1" dirty="0"/>
-              <a:t>Types of web pages, and time spent</a:t>
-            </a:r>
-          </a:p>
-          <a:p>
-            <a:pPr lvl="2"/>
-            <a:r>
-              <a:rPr lang="en-US" b="1" dirty="0"/>
-              <a:t>Time of year accessed</a:t>
-            </a:r>
-          </a:p>
-          <a:p>
-            <a:pPr lvl="1"/>
-            <a:r>
-              <a:rPr lang="en-US" b="1" dirty="0"/>
-              <a:t>Google analytics</a:t>
-            </a:r>
-          </a:p>
-          <a:p>
-            <a:pPr lvl="1"/>
-            <a:endParaRPr lang="en-US" dirty="0"/>
-          </a:p>
-          <a:p>
-            <a:pPr lvl="2"/>
-            <a:endParaRPr lang="en-US" dirty="0"/>
-          </a:p>
-          <a:p>
-            <a:pPr lvl="1"/>
-            <a:endParaRPr lang="en-US" dirty="0"/>
-          </a:p>
-          <a:p>
-            <a:pPr lvl="2"/>
-            <a:endParaRPr lang="en-US" dirty="0"/>
-          </a:p>
-          <a:p>
-            <a:endParaRPr lang="en-US" dirty="0"/>
-          </a:p>
-        </p:txBody>
-      </p:sp>
-      <p:pic>
-        <p:nvPicPr>
-          <p:cNvPr id="5" name="Picture 4">
-            <a:extLst>
-              <a:ext uri="{FF2B5EF4-FFF2-40B4-BE49-F238E27FC236}">
-                <a16:creationId xmlns:a16="http://schemas.microsoft.com/office/drawing/2014/main" id="{227DE7C2-AB55-4F49-B5EC-83E6B1523EC9}"/>
-              </a:ext>
-            </a:extLst>
-          </p:cNvPr>
-          <p:cNvPicPr>
-            <a:picLocks noChangeAspect="1"/>
-          </p:cNvPicPr>
-          <p:nvPr/>
-        </p:nvPicPr>
-        <p:blipFill>
-          <a:blip r:embed="rId2"/>
-          <a:stretch>
-            <a:fillRect/>
-          </a:stretch>
-        </p:blipFill>
-        <p:spPr>
-          <a:xfrm>
-            <a:off x="7881715" y="640157"/>
-            <a:ext cx="3802284" cy="3022987"/>
-          </a:xfrm>
-          <a:prstGeom prst="rect">
-            <a:avLst/>
-          </a:prstGeom>
-        </p:spPr>
-      </p:pic>
-    </p:spTree>
-    <p:extLst>
-      <p:ext uri="{BB962C8B-B14F-4D97-AF65-F5344CB8AC3E}">
-        <p14:creationId xmlns:p14="http://schemas.microsoft.com/office/powerpoint/2010/main" val="1563109664"/>
-      </p:ext>
-    </p:extLst>
-  </p:cSld>
-  <p:clrMapOvr>
-    <a:masterClrMapping/>
-  </p:clrMapOvr>
-</p:sld>
-</file>
-
-<file path=ppt/slides/slide4.xml><?xml version="1.0" encoding="utf-8"?>
-<p:sld xmlns:a="http://schemas.openxmlformats.org/drawingml/2006/main" xmlns:r="http://schemas.openxmlformats.org/officeDocument/2006/relationships" xmlns:p="http://schemas.openxmlformats.org/presentationml/2006/main">
-  <p:cSld>
-    <p:spTree>
-      <p:nvGrpSpPr>
-        <p:cNvPr id="1" name=""/>
-        <p:cNvGrpSpPr/>
-        <p:nvPr/>
-      </p:nvGrpSpPr>
-      <p:grpSpPr>
-        <a:xfrm>
-          <a:off x="0" y="0"/>
-          <a:ext cx="0" cy="0"/>
-          <a:chOff x="0" y="0"/>
-          <a:chExt cx="0" cy="0"/>
-        </a:xfrm>
-      </p:grpSpPr>
-      <p:sp>
-        <p:nvSpPr>
-          <p:cNvPr id="2" name="Title 1">
-            <a:extLst>
-              <a:ext uri="{FF2B5EF4-FFF2-40B4-BE49-F238E27FC236}">
-                <a16:creationId xmlns:a16="http://schemas.microsoft.com/office/drawing/2014/main" id="{7703E13A-577C-443E-B879-477EB01C7C2B}"/>
-              </a:ext>
-            </a:extLst>
-          </p:cNvPr>
-          <p:cNvSpPr>
-            <a:spLocks noGrp="1"/>
-          </p:cNvSpPr>
-          <p:nvPr>
-            <p:ph type="title"/>
-          </p:nvPr>
-        </p:nvSpPr>
-        <p:spPr>
-          <a:xfrm>
-            <a:off x="677334" y="377688"/>
-            <a:ext cx="8596668" cy="896573"/>
-          </a:xfrm>
-        </p:spPr>
-        <p:txBody>
-          <a:bodyPr>
-            <a:normAutofit fontScale="90000"/>
-          </a:bodyPr>
-          <a:lstStyle/>
-          <a:p>
-            <a:r>
-              <a:rPr lang="en-US" sz="5400" dirty="0"/>
-              <a:t>Exploratory Analysis</a:t>
-            </a:r>
-          </a:p>
-        </p:txBody>
-      </p:sp>
-      <p:sp>
-        <p:nvSpPr>
-          <p:cNvPr id="7" name="Content Placeholder 2">
-            <a:extLst>
-              <a:ext uri="{FF2B5EF4-FFF2-40B4-BE49-F238E27FC236}">
-                <a16:creationId xmlns:a16="http://schemas.microsoft.com/office/drawing/2014/main" id="{21769EF2-EB22-412F-A3E3-ECD218656C61}"/>
-              </a:ext>
-            </a:extLst>
-          </p:cNvPr>
-          <p:cNvSpPr txBox="1">
-            <a:spLocks/>
-          </p:cNvSpPr>
-          <p:nvPr/>
-        </p:nvSpPr>
-        <p:spPr>
-          <a:xfrm>
-            <a:off x="677334" y="4673117"/>
-            <a:ext cx="3362622" cy="575315"/>
-          </a:xfrm>
-          <a:prstGeom prst="rect">
-            <a:avLst/>
-          </a:prstGeom>
-        </p:spPr>
-        <p:txBody>
-          <a:bodyPr vert="horz" lIns="91440" tIns="45720" rIns="91440" bIns="45720" rtlCol="0">
-            <a:normAutofit fontScale="92500" lnSpcReduction="10000"/>
-          </a:bodyPr>
-          <a:lstStyle>
-            <a:lvl1pPr marL="342900" indent="-342900" algn="l" defTabSz="457200" rtl="0" eaLnBrk="1" latinLnBrk="0" hangingPunct="1">
-              <a:spcBef>
-                <a:spcPts val="1000"/>
-              </a:spcBef>
-              <a:spcAft>
-                <a:spcPts val="0"/>
-              </a:spcAft>
-              <a:buClr>
-                <a:schemeClr val="accent1"/>
-              </a:buClr>
-              <a:buSzPct val="80000"/>
-              <a:buFont typeface="Wingdings 3" charset="2"/>
-              <a:buChar char=""/>
-              <a:defRPr sz="1800" kern="1200">
-                <a:solidFill>
-                  <a:schemeClr val="tx1">
-                    <a:lumMod val="75000"/>
-                    <a:lumOff val="25000"/>
-                  </a:schemeClr>
-                </a:solidFill>
-                <a:latin typeface="+mn-lt"/>
-                <a:ea typeface="+mn-ea"/>
-                <a:cs typeface="+mn-cs"/>
-              </a:defRPr>
-            </a:lvl1pPr>
-            <a:lvl2pPr marL="742950" indent="-285750" algn="l" defTabSz="457200" rtl="0" eaLnBrk="1" latinLnBrk="0" hangingPunct="1">
-              <a:spcBef>
-                <a:spcPts val="1000"/>
-              </a:spcBef>
-              <a:spcAft>
-                <a:spcPts val="0"/>
-              </a:spcAft>
-              <a:buClr>
-                <a:schemeClr val="accent1"/>
-              </a:buClr>
-              <a:buSzPct val="80000"/>
-              <a:buFont typeface="Wingdings 3" charset="2"/>
-              <a:buChar char=""/>
-              <a:defRPr sz="1600" kern="1200">
-                <a:solidFill>
-                  <a:schemeClr val="tx1">
-                    <a:lumMod val="75000"/>
-                    <a:lumOff val="25000"/>
-                  </a:schemeClr>
-                </a:solidFill>
-                <a:latin typeface="+mn-lt"/>
-                <a:ea typeface="+mn-ea"/>
-                <a:cs typeface="+mn-cs"/>
-              </a:defRPr>
-            </a:lvl2pPr>
-            <a:lvl3pPr marL="1143000" indent="-228600" algn="l" defTabSz="457200" rtl="0" eaLnBrk="1" latinLnBrk="0" hangingPunct="1">
-              <a:spcBef>
-                <a:spcPts val="1000"/>
-              </a:spcBef>
-              <a:spcAft>
-                <a:spcPts val="0"/>
-              </a:spcAft>
-              <a:buClr>
-                <a:schemeClr val="accent1"/>
-              </a:buClr>
-              <a:buSzPct val="80000"/>
-              <a:buFont typeface="Wingdings 3" charset="2"/>
-              <a:buChar char=""/>
-              <a:defRPr sz="1400" kern="1200">
-                <a:solidFill>
-                  <a:schemeClr val="tx1">
-                    <a:lumMod val="75000"/>
-                    <a:lumOff val="25000"/>
-                  </a:schemeClr>
-                </a:solidFill>
-                <a:latin typeface="+mn-lt"/>
-                <a:ea typeface="+mn-ea"/>
-                <a:cs typeface="+mn-cs"/>
-              </a:defRPr>
-            </a:lvl3pPr>
-            <a:lvl4pPr marL="1600200" indent="-228600" algn="l" defTabSz="457200" rtl="0" eaLnBrk="1" latinLnBrk="0" hangingPunct="1">
-              <a:spcBef>
-                <a:spcPts val="1000"/>
-              </a:spcBef>
-              <a:spcAft>
-                <a:spcPts val="0"/>
-              </a:spcAft>
-              <a:buClr>
-                <a:schemeClr val="accent1"/>
-              </a:buClr>
-              <a:buSzPct val="80000"/>
-              <a:buFont typeface="Wingdings 3" charset="2"/>
-              <a:buChar char=""/>
-              <a:defRPr sz="1200" kern="1200">
-                <a:solidFill>
-                  <a:schemeClr val="tx1">
-                    <a:lumMod val="75000"/>
-                    <a:lumOff val="25000"/>
-                  </a:schemeClr>
-                </a:solidFill>
-                <a:latin typeface="+mn-lt"/>
-                <a:ea typeface="+mn-ea"/>
-                <a:cs typeface="+mn-cs"/>
-              </a:defRPr>
-            </a:lvl4pPr>
-            <a:lvl5pPr marL="2057400" indent="-228600" algn="l" defTabSz="457200" rtl="0" eaLnBrk="1" latinLnBrk="0" hangingPunct="1">
-              <a:spcBef>
-                <a:spcPts val="1000"/>
-              </a:spcBef>
-              <a:spcAft>
-                <a:spcPts val="0"/>
-              </a:spcAft>
-              <a:buClr>
-                <a:schemeClr val="accent1"/>
-              </a:buClr>
-              <a:buSzPct val="80000"/>
-              <a:buFont typeface="Wingdings 3" charset="2"/>
-              <a:buChar char=""/>
-              <a:defRPr sz="1200" kern="1200">
-                <a:solidFill>
-                  <a:schemeClr val="tx1">
-                    <a:lumMod val="75000"/>
-                    <a:lumOff val="25000"/>
-                  </a:schemeClr>
-                </a:solidFill>
-                <a:latin typeface="+mn-lt"/>
-                <a:ea typeface="+mn-ea"/>
-                <a:cs typeface="+mn-cs"/>
-              </a:defRPr>
-            </a:lvl5pPr>
-            <a:lvl6pPr marL="2514600" indent="-228600" algn="l" defTabSz="457200" rtl="0" eaLnBrk="1" latinLnBrk="0" hangingPunct="1">
-              <a:spcBef>
-                <a:spcPts val="1000"/>
-              </a:spcBef>
-              <a:spcAft>
-                <a:spcPts val="0"/>
-              </a:spcAft>
-              <a:buClr>
-                <a:schemeClr val="accent1"/>
-              </a:buClr>
-              <a:buSzPct val="80000"/>
-              <a:buFont typeface="Wingdings 3" charset="2"/>
-              <a:buChar char=""/>
-              <a:defRPr sz="1200" kern="1200">
-                <a:solidFill>
-                  <a:schemeClr val="tx1">
-                    <a:lumMod val="75000"/>
-                    <a:lumOff val="25000"/>
-                  </a:schemeClr>
-                </a:solidFill>
-                <a:latin typeface="+mn-lt"/>
-                <a:ea typeface="+mn-ea"/>
-                <a:cs typeface="+mn-cs"/>
-              </a:defRPr>
-            </a:lvl6pPr>
-            <a:lvl7pPr marL="2971800" indent="-228600" algn="l" defTabSz="457200" rtl="0" eaLnBrk="1" latinLnBrk="0" hangingPunct="1">
-              <a:spcBef>
-                <a:spcPts val="1000"/>
-              </a:spcBef>
-              <a:spcAft>
-                <a:spcPts val="0"/>
-              </a:spcAft>
-              <a:buClr>
-                <a:schemeClr val="accent1"/>
-              </a:buClr>
-              <a:buSzPct val="80000"/>
-              <a:buFont typeface="Wingdings 3" charset="2"/>
-              <a:buChar char=""/>
-              <a:defRPr sz="1200" kern="1200">
-                <a:solidFill>
-                  <a:schemeClr val="tx1">
-                    <a:lumMod val="75000"/>
-                    <a:lumOff val="25000"/>
-                  </a:schemeClr>
-                </a:solidFill>
-                <a:latin typeface="+mn-lt"/>
-                <a:ea typeface="+mn-ea"/>
-                <a:cs typeface="+mn-cs"/>
-              </a:defRPr>
-            </a:lvl7pPr>
-            <a:lvl8pPr marL="3429000" indent="-228600" algn="l" defTabSz="457200" rtl="0" eaLnBrk="1" latinLnBrk="0" hangingPunct="1">
-              <a:spcBef>
-                <a:spcPts val="1000"/>
-              </a:spcBef>
-              <a:spcAft>
-                <a:spcPts val="0"/>
-              </a:spcAft>
-              <a:buClr>
-                <a:schemeClr val="accent1"/>
-              </a:buClr>
-              <a:buSzPct val="80000"/>
-              <a:buFont typeface="Wingdings 3" charset="2"/>
-              <a:buChar char=""/>
-              <a:defRPr sz="1200" kern="1200">
-                <a:solidFill>
-                  <a:schemeClr val="tx1">
-                    <a:lumMod val="75000"/>
-                    <a:lumOff val="25000"/>
-                  </a:schemeClr>
-                </a:solidFill>
-                <a:latin typeface="+mn-lt"/>
-                <a:ea typeface="+mn-ea"/>
-                <a:cs typeface="+mn-cs"/>
-              </a:defRPr>
-            </a:lvl8pPr>
-            <a:lvl9pPr marL="3886200" indent="-228600" algn="l" defTabSz="457200" rtl="0" eaLnBrk="1" latinLnBrk="0" hangingPunct="1">
-              <a:spcBef>
-                <a:spcPts val="1000"/>
-              </a:spcBef>
-              <a:spcAft>
-                <a:spcPts val="0"/>
-              </a:spcAft>
-              <a:buClr>
-                <a:schemeClr val="accent1"/>
-              </a:buClr>
-              <a:buSzPct val="80000"/>
-              <a:buFont typeface="Wingdings 3" charset="2"/>
-              <a:buChar char=""/>
-              <a:defRPr sz="1200" kern="1200">
-                <a:solidFill>
-                  <a:schemeClr val="tx1">
-                    <a:lumMod val="75000"/>
-                    <a:lumOff val="25000"/>
-                  </a:schemeClr>
-                </a:solidFill>
-                <a:latin typeface="+mn-lt"/>
-                <a:ea typeface="+mn-ea"/>
-                <a:cs typeface="+mn-cs"/>
-              </a:defRPr>
-            </a:lvl9pPr>
-          </a:lstStyle>
-          <a:p>
-            <a:r>
-              <a:rPr lang="en-US" b="1" dirty="0"/>
-              <a:t>Majority of sessions (85%) do not result in a purchase</a:t>
-            </a:r>
-          </a:p>
-          <a:p>
-            <a:endParaRPr lang="en-US" b="1" dirty="0"/>
-          </a:p>
-          <a:p>
-            <a:pPr marL="0" indent="0">
-              <a:buNone/>
-            </a:pPr>
-            <a:endParaRPr lang="en-US" b="1" dirty="0"/>
-          </a:p>
-          <a:p>
-            <a:endParaRPr lang="en-US" b="1" dirty="0"/>
-          </a:p>
-          <a:p>
-            <a:endParaRPr lang="en-US" b="1" dirty="0"/>
-          </a:p>
-          <a:p>
-            <a:pPr lvl="1"/>
-            <a:endParaRPr lang="en-US" dirty="0"/>
-          </a:p>
-          <a:p>
-            <a:pPr lvl="2"/>
-            <a:endParaRPr lang="en-US" dirty="0"/>
-          </a:p>
-          <a:p>
-            <a:pPr lvl="1"/>
-            <a:endParaRPr lang="en-US" dirty="0"/>
-          </a:p>
-          <a:p>
-            <a:pPr lvl="2"/>
-            <a:endParaRPr lang="en-US" dirty="0"/>
-          </a:p>
-          <a:p>
-            <a:endParaRPr lang="en-US" dirty="0"/>
-          </a:p>
-        </p:txBody>
-      </p:sp>
-      <p:pic>
-        <p:nvPicPr>
-          <p:cNvPr id="1028" name="Picture 4">
-            <a:extLst>
-              <a:ext uri="{FF2B5EF4-FFF2-40B4-BE49-F238E27FC236}">
-                <a16:creationId xmlns:a16="http://schemas.microsoft.com/office/drawing/2014/main" id="{FD69615B-02A2-4E8A-8B84-B1B1D5DBF8A7}"/>
-              </a:ext>
-            </a:extLst>
-          </p:cNvPr>
-          <p:cNvPicPr>
-            <a:picLocks noChangeAspect="1" noChangeArrowheads="1"/>
-          </p:cNvPicPr>
-          <p:nvPr/>
-        </p:nvPicPr>
-        <p:blipFill>
-          <a:blip r:embed="rId2">
-            <a:extLst>
-              <a:ext uri="{28A0092B-C50C-407E-A947-70E740481C1C}">
-                <a14:useLocalDpi xmlns:a14="http://schemas.microsoft.com/office/drawing/2010/main" val="0"/>
-              </a:ext>
-            </a:extLst>
-          </a:blip>
-          <a:srcRect/>
-          <a:stretch>
-            <a:fillRect/>
-          </a:stretch>
-        </p:blipFill>
-        <p:spPr bwMode="auto">
-          <a:xfrm>
-            <a:off x="5586759" y="1999292"/>
-            <a:ext cx="3939100" cy="2468662"/>
-          </a:xfrm>
-          <a:prstGeom prst="rect">
-            <a:avLst/>
-          </a:prstGeom>
-          <a:solidFill>
-            <a:schemeClr val="bg1"/>
-          </a:solidFill>
-          <a:ln>
-            <a:solidFill>
-              <a:schemeClr val="tx2"/>
-            </a:solidFill>
-          </a:ln>
-        </p:spPr>
-      </p:pic>
-      <p:sp>
-        <p:nvSpPr>
-          <p:cNvPr id="13" name="Content Placeholder 2">
-            <a:extLst>
-              <a:ext uri="{FF2B5EF4-FFF2-40B4-BE49-F238E27FC236}">
-                <a16:creationId xmlns:a16="http://schemas.microsoft.com/office/drawing/2014/main" id="{954CA082-2E4C-4258-B193-A16261BCE37B}"/>
-              </a:ext>
-            </a:extLst>
-          </p:cNvPr>
-          <p:cNvSpPr txBox="1">
-            <a:spLocks/>
-          </p:cNvSpPr>
-          <p:nvPr/>
-        </p:nvSpPr>
-        <p:spPr>
-          <a:xfrm>
-            <a:off x="5752916" y="4673117"/>
-            <a:ext cx="3362622" cy="575315"/>
-          </a:xfrm>
-          <a:prstGeom prst="rect">
-            <a:avLst/>
-          </a:prstGeom>
-        </p:spPr>
-        <p:txBody>
-          <a:bodyPr vert="horz" lIns="91440" tIns="45720" rIns="91440" bIns="45720" rtlCol="0">
-            <a:normAutofit fontScale="92500" lnSpcReduction="10000"/>
-          </a:bodyPr>
-          <a:lstStyle>
-            <a:lvl1pPr marL="342900" indent="-342900" algn="l" defTabSz="457200" rtl="0" eaLnBrk="1" latinLnBrk="0" hangingPunct="1">
-              <a:spcBef>
-                <a:spcPts val="1000"/>
-              </a:spcBef>
-              <a:spcAft>
-                <a:spcPts val="0"/>
-              </a:spcAft>
-              <a:buClr>
-                <a:schemeClr val="accent1"/>
-              </a:buClr>
-              <a:buSzPct val="80000"/>
-              <a:buFont typeface="Wingdings 3" charset="2"/>
-              <a:buChar char=""/>
-              <a:defRPr sz="1800" kern="1200">
-                <a:solidFill>
-                  <a:schemeClr val="tx1">
-                    <a:lumMod val="75000"/>
-                    <a:lumOff val="25000"/>
-                  </a:schemeClr>
-                </a:solidFill>
-                <a:latin typeface="+mn-lt"/>
-                <a:ea typeface="+mn-ea"/>
-                <a:cs typeface="+mn-cs"/>
-              </a:defRPr>
-            </a:lvl1pPr>
-            <a:lvl2pPr marL="742950" indent="-285750" algn="l" defTabSz="457200" rtl="0" eaLnBrk="1" latinLnBrk="0" hangingPunct="1">
-              <a:spcBef>
-                <a:spcPts val="1000"/>
-              </a:spcBef>
-              <a:spcAft>
-                <a:spcPts val="0"/>
-              </a:spcAft>
-              <a:buClr>
-                <a:schemeClr val="accent1"/>
-              </a:buClr>
-              <a:buSzPct val="80000"/>
-              <a:buFont typeface="Wingdings 3" charset="2"/>
-              <a:buChar char=""/>
-              <a:defRPr sz="1600" kern="1200">
-                <a:solidFill>
-                  <a:schemeClr val="tx1">
-                    <a:lumMod val="75000"/>
-                    <a:lumOff val="25000"/>
-                  </a:schemeClr>
-                </a:solidFill>
-                <a:latin typeface="+mn-lt"/>
-                <a:ea typeface="+mn-ea"/>
-                <a:cs typeface="+mn-cs"/>
-              </a:defRPr>
-            </a:lvl2pPr>
-            <a:lvl3pPr marL="1143000" indent="-228600" algn="l" defTabSz="457200" rtl="0" eaLnBrk="1" latinLnBrk="0" hangingPunct="1">
-              <a:spcBef>
-                <a:spcPts val="1000"/>
-              </a:spcBef>
-              <a:spcAft>
-                <a:spcPts val="0"/>
-              </a:spcAft>
-              <a:buClr>
-                <a:schemeClr val="accent1"/>
-              </a:buClr>
-              <a:buSzPct val="80000"/>
-              <a:buFont typeface="Wingdings 3" charset="2"/>
-              <a:buChar char=""/>
-              <a:defRPr sz="1400" kern="1200">
-                <a:solidFill>
-                  <a:schemeClr val="tx1">
-                    <a:lumMod val="75000"/>
-                    <a:lumOff val="25000"/>
-                  </a:schemeClr>
-                </a:solidFill>
-                <a:latin typeface="+mn-lt"/>
-                <a:ea typeface="+mn-ea"/>
-                <a:cs typeface="+mn-cs"/>
-              </a:defRPr>
-            </a:lvl3pPr>
-            <a:lvl4pPr marL="1600200" indent="-228600" algn="l" defTabSz="457200" rtl="0" eaLnBrk="1" latinLnBrk="0" hangingPunct="1">
-              <a:spcBef>
-                <a:spcPts val="1000"/>
-              </a:spcBef>
-              <a:spcAft>
-                <a:spcPts val="0"/>
-              </a:spcAft>
-              <a:buClr>
-                <a:schemeClr val="accent1"/>
-              </a:buClr>
-              <a:buSzPct val="80000"/>
-              <a:buFont typeface="Wingdings 3" charset="2"/>
-              <a:buChar char=""/>
-              <a:defRPr sz="1200" kern="1200">
-                <a:solidFill>
-                  <a:schemeClr val="tx1">
-                    <a:lumMod val="75000"/>
-                    <a:lumOff val="25000"/>
-                  </a:schemeClr>
-                </a:solidFill>
-                <a:latin typeface="+mn-lt"/>
-                <a:ea typeface="+mn-ea"/>
-                <a:cs typeface="+mn-cs"/>
-              </a:defRPr>
-            </a:lvl4pPr>
-            <a:lvl5pPr marL="2057400" indent="-228600" algn="l" defTabSz="457200" rtl="0" eaLnBrk="1" latinLnBrk="0" hangingPunct="1">
-              <a:spcBef>
-                <a:spcPts val="1000"/>
-              </a:spcBef>
-              <a:spcAft>
-                <a:spcPts val="0"/>
-              </a:spcAft>
-              <a:buClr>
-                <a:schemeClr val="accent1"/>
-              </a:buClr>
-              <a:buSzPct val="80000"/>
-              <a:buFont typeface="Wingdings 3" charset="2"/>
-              <a:buChar char=""/>
-              <a:defRPr sz="1200" kern="1200">
-                <a:solidFill>
-                  <a:schemeClr val="tx1">
-                    <a:lumMod val="75000"/>
-                    <a:lumOff val="25000"/>
-                  </a:schemeClr>
-                </a:solidFill>
-                <a:latin typeface="+mn-lt"/>
-                <a:ea typeface="+mn-ea"/>
-                <a:cs typeface="+mn-cs"/>
-              </a:defRPr>
-            </a:lvl5pPr>
-            <a:lvl6pPr marL="2514600" indent="-228600" algn="l" defTabSz="457200" rtl="0" eaLnBrk="1" latinLnBrk="0" hangingPunct="1">
-              <a:spcBef>
-                <a:spcPts val="1000"/>
-              </a:spcBef>
-              <a:spcAft>
-                <a:spcPts val="0"/>
-              </a:spcAft>
-              <a:buClr>
-                <a:schemeClr val="accent1"/>
-              </a:buClr>
-              <a:buSzPct val="80000"/>
-              <a:buFont typeface="Wingdings 3" charset="2"/>
-              <a:buChar char=""/>
-              <a:defRPr sz="1200" kern="1200">
-                <a:solidFill>
-                  <a:schemeClr val="tx1">
-                    <a:lumMod val="75000"/>
-                    <a:lumOff val="25000"/>
-                  </a:schemeClr>
-                </a:solidFill>
-                <a:latin typeface="+mn-lt"/>
-                <a:ea typeface="+mn-ea"/>
-                <a:cs typeface="+mn-cs"/>
-              </a:defRPr>
-            </a:lvl6pPr>
-            <a:lvl7pPr marL="2971800" indent="-228600" algn="l" defTabSz="457200" rtl="0" eaLnBrk="1" latinLnBrk="0" hangingPunct="1">
-              <a:spcBef>
-                <a:spcPts val="1000"/>
-              </a:spcBef>
-              <a:spcAft>
-                <a:spcPts val="0"/>
-              </a:spcAft>
-              <a:buClr>
-                <a:schemeClr val="accent1"/>
-              </a:buClr>
-              <a:buSzPct val="80000"/>
-              <a:buFont typeface="Wingdings 3" charset="2"/>
-              <a:buChar char=""/>
-              <a:defRPr sz="1200" kern="1200">
-                <a:solidFill>
-                  <a:schemeClr val="tx1">
-                    <a:lumMod val="75000"/>
-                    <a:lumOff val="25000"/>
-                  </a:schemeClr>
-                </a:solidFill>
-                <a:latin typeface="+mn-lt"/>
-                <a:ea typeface="+mn-ea"/>
-                <a:cs typeface="+mn-cs"/>
-              </a:defRPr>
-            </a:lvl7pPr>
-            <a:lvl8pPr marL="3429000" indent="-228600" algn="l" defTabSz="457200" rtl="0" eaLnBrk="1" latinLnBrk="0" hangingPunct="1">
-              <a:spcBef>
-                <a:spcPts val="1000"/>
-              </a:spcBef>
-              <a:spcAft>
-                <a:spcPts val="0"/>
-              </a:spcAft>
-              <a:buClr>
-                <a:schemeClr val="accent1"/>
-              </a:buClr>
-              <a:buSzPct val="80000"/>
-              <a:buFont typeface="Wingdings 3" charset="2"/>
-              <a:buChar char=""/>
-              <a:defRPr sz="1200" kern="1200">
-                <a:solidFill>
-                  <a:schemeClr val="tx1">
-                    <a:lumMod val="75000"/>
-                    <a:lumOff val="25000"/>
-                  </a:schemeClr>
-                </a:solidFill>
-                <a:latin typeface="+mn-lt"/>
-                <a:ea typeface="+mn-ea"/>
-                <a:cs typeface="+mn-cs"/>
-              </a:defRPr>
-            </a:lvl8pPr>
-            <a:lvl9pPr marL="3886200" indent="-228600" algn="l" defTabSz="457200" rtl="0" eaLnBrk="1" latinLnBrk="0" hangingPunct="1">
-              <a:spcBef>
-                <a:spcPts val="1000"/>
-              </a:spcBef>
-              <a:spcAft>
-                <a:spcPts val="0"/>
-              </a:spcAft>
-              <a:buClr>
-                <a:schemeClr val="accent1"/>
-              </a:buClr>
-              <a:buSzPct val="80000"/>
-              <a:buFont typeface="Wingdings 3" charset="2"/>
-              <a:buChar char=""/>
-              <a:defRPr sz="1200" kern="1200">
-                <a:solidFill>
-                  <a:schemeClr val="tx1">
-                    <a:lumMod val="75000"/>
-                    <a:lumOff val="25000"/>
-                  </a:schemeClr>
-                </a:solidFill>
-                <a:latin typeface="+mn-lt"/>
-                <a:ea typeface="+mn-ea"/>
-                <a:cs typeface="+mn-cs"/>
-              </a:defRPr>
-            </a:lvl9pPr>
-          </a:lstStyle>
-          <a:p>
-            <a:r>
-              <a:rPr lang="en-US" b="1" dirty="0"/>
-              <a:t>Majority of sessions (85%) are return customers</a:t>
-            </a:r>
-          </a:p>
-          <a:p>
-            <a:endParaRPr lang="en-US" b="1" dirty="0"/>
-          </a:p>
-          <a:p>
-            <a:pPr marL="0" indent="0">
-              <a:buNone/>
-            </a:pPr>
-            <a:endParaRPr lang="en-US" b="1" dirty="0"/>
-          </a:p>
-          <a:p>
-            <a:endParaRPr lang="en-US" b="1" dirty="0"/>
-          </a:p>
-          <a:p>
-            <a:endParaRPr lang="en-US" b="1" dirty="0"/>
-          </a:p>
-          <a:p>
-            <a:pPr lvl="1"/>
-            <a:endParaRPr lang="en-US" dirty="0"/>
-          </a:p>
-          <a:p>
-            <a:pPr lvl="2"/>
-            <a:endParaRPr lang="en-US" dirty="0"/>
-          </a:p>
-          <a:p>
-            <a:pPr lvl="1"/>
-            <a:endParaRPr lang="en-US" dirty="0"/>
-          </a:p>
-          <a:p>
-            <a:pPr lvl="2"/>
-            <a:endParaRPr lang="en-US" dirty="0"/>
-          </a:p>
-          <a:p>
-            <a:endParaRPr lang="en-US" dirty="0"/>
-          </a:p>
-        </p:txBody>
-      </p:sp>
-      <p:grpSp>
-        <p:nvGrpSpPr>
-          <p:cNvPr id="3" name="Group 2">
-            <a:extLst>
-              <a:ext uri="{FF2B5EF4-FFF2-40B4-BE49-F238E27FC236}">
-                <a16:creationId xmlns:a16="http://schemas.microsoft.com/office/drawing/2014/main" id="{1D2B3F58-663B-4DDE-B0A0-F4A48DEF8B91}"/>
-              </a:ext>
-            </a:extLst>
-          </p:cNvPr>
-          <p:cNvGrpSpPr/>
-          <p:nvPr/>
-        </p:nvGrpSpPr>
-        <p:grpSpPr>
-          <a:xfrm>
-            <a:off x="389096" y="1999293"/>
-            <a:ext cx="3939098" cy="2468661"/>
-            <a:chOff x="389096" y="1999293"/>
-            <a:chExt cx="3939098" cy="2468661"/>
-          </a:xfrm>
-        </p:grpSpPr>
-        <p:pic>
-          <p:nvPicPr>
-            <p:cNvPr id="1026" name="Picture 2">
-              <a:extLst>
-                <a:ext uri="{FF2B5EF4-FFF2-40B4-BE49-F238E27FC236}">
-                  <a16:creationId xmlns:a16="http://schemas.microsoft.com/office/drawing/2014/main" id="{2AA0F9E7-5E98-4565-897D-B6ED5E2E05ED}"/>
-                </a:ext>
-              </a:extLst>
-            </p:cNvPr>
-            <p:cNvPicPr>
-              <a:picLocks noChangeAspect="1" noChangeArrowheads="1"/>
-            </p:cNvPicPr>
-            <p:nvPr/>
-          </p:nvPicPr>
-          <p:blipFill>
-            <a:blip r:embed="rId3">
-              <a:extLst>
-                <a:ext uri="{28A0092B-C50C-407E-A947-70E740481C1C}">
-                  <a14:useLocalDpi xmlns:a14="http://schemas.microsoft.com/office/drawing/2010/main" val="0"/>
-                </a:ext>
-              </a:extLst>
-            </a:blip>
-            <a:srcRect/>
-            <a:stretch>
-              <a:fillRect/>
-            </a:stretch>
-          </p:blipFill>
-          <p:spPr bwMode="auto">
-            <a:xfrm>
-              <a:off x="389096" y="1999293"/>
-              <a:ext cx="3939098" cy="2468661"/>
-            </a:xfrm>
-            <a:prstGeom prst="rect">
-              <a:avLst/>
-            </a:prstGeom>
-            <a:solidFill>
-              <a:schemeClr val="bg1"/>
-            </a:solidFill>
-            <a:ln>
-              <a:solidFill>
-                <a:schemeClr val="tx2"/>
-              </a:solidFill>
-            </a:ln>
-          </p:spPr>
-        </p:pic>
-        <p:sp>
-          <p:nvSpPr>
-            <p:cNvPr id="8" name="Rectangle 7">
-              <a:extLst>
-                <a:ext uri="{FF2B5EF4-FFF2-40B4-BE49-F238E27FC236}">
-                  <a16:creationId xmlns:a16="http://schemas.microsoft.com/office/drawing/2014/main" id="{0AB7E556-0817-4A7C-909E-311EDCB6EF10}"/>
-                </a:ext>
-              </a:extLst>
-            </p:cNvPr>
-            <p:cNvSpPr/>
-            <p:nvPr/>
-          </p:nvSpPr>
-          <p:spPr>
-            <a:xfrm>
-              <a:off x="2949003" y="2014470"/>
-              <a:ext cx="918734" cy="125676"/>
-            </a:xfrm>
-            <a:prstGeom prst="rect">
-              <a:avLst/>
-            </a:prstGeom>
-            <a:solidFill>
-              <a:schemeClr val="bg1"/>
-            </a:solidFill>
-            <a:ln>
-              <a:noFill/>
-            </a:ln>
-          </p:spPr>
-          <p:style>
-            <a:lnRef idx="2">
-              <a:schemeClr val="accent1">
-                <a:shade val="50000"/>
-              </a:schemeClr>
-            </a:lnRef>
-            <a:fillRef idx="1">
-              <a:schemeClr val="accent1"/>
-            </a:fillRef>
-            <a:effectRef idx="0">
-              <a:schemeClr val="accent1"/>
-            </a:effectRef>
-            <a:fontRef idx="minor">
-              <a:schemeClr val="lt1"/>
-            </a:fontRef>
-          </p:style>
-          <p:txBody>
-            <a:bodyPr rtlCol="0" anchor="ctr"/>
-            <a:lstStyle/>
-            <a:p>
-              <a:pPr algn="ctr"/>
-              <a:endParaRPr lang="en-US"/>
-            </a:p>
-          </p:txBody>
-        </p:sp>
-      </p:grpSp>
-    </p:spTree>
-    <p:extLst>
-      <p:ext uri="{BB962C8B-B14F-4D97-AF65-F5344CB8AC3E}">
-        <p14:creationId xmlns:p14="http://schemas.microsoft.com/office/powerpoint/2010/main" val="2677809906"/>
-      </p:ext>
-    </p:extLst>
-  </p:cSld>
-  <p:clrMapOvr>
-    <a:masterClrMapping/>
-  </p:clrMapOvr>
-</p:sld>
-</file>
-
-<file path=ppt/slides/slide5.xml><?xml version="1.0" encoding="utf-8"?>
+<file path=ppt/slides/slide10.xml><?xml version="1.0" encoding="utf-8"?>
 <p:sld xmlns:a="http://schemas.openxmlformats.org/drawingml/2006/main" xmlns:r="http://schemas.openxmlformats.org/officeDocument/2006/relationships" xmlns:p="http://schemas.openxmlformats.org/presentationml/2006/main">
   <p:cSld>
     <p:spTree>
@@ -7825,7 +6643,7 @@
 </p:sld>
 </file>
 
-<file path=ppt/slides/slide6.xml><?xml version="1.0" encoding="utf-8"?>
+<file path=ppt/slides/slide11.xml><?xml version="1.0" encoding="utf-8"?>
 <p:sld xmlns:a="http://schemas.openxmlformats.org/drawingml/2006/main" xmlns:r="http://schemas.openxmlformats.org/officeDocument/2006/relationships" xmlns:p="http://schemas.openxmlformats.org/presentationml/2006/main">
   <p:cSld>
     <p:spTree>
@@ -8436,7 +7254,7 @@
 </p:sld>
 </file>
 
-<file path=ppt/slides/slide7.xml><?xml version="1.0" encoding="utf-8"?>
+<file path=ppt/slides/slide12.xml><?xml version="1.0" encoding="utf-8"?>
 <p:sld xmlns:a="http://schemas.openxmlformats.org/drawingml/2006/main" xmlns:r="http://schemas.openxmlformats.org/officeDocument/2006/relationships" xmlns:p="http://schemas.openxmlformats.org/presentationml/2006/main">
   <p:cSld>
     <p:spTree>
@@ -9202,7 +8020,7 @@
 </p:sld>
 </file>
 
-<file path=ppt/slides/slide8.xml><?xml version="1.0" encoding="utf-8"?>
+<file path=ppt/slides/slide13.xml><?xml version="1.0" encoding="utf-8"?>
 <p:sld xmlns:a="http://schemas.openxmlformats.org/drawingml/2006/main" xmlns:r="http://schemas.openxmlformats.org/officeDocument/2006/relationships" xmlns:p="http://schemas.openxmlformats.org/presentationml/2006/main">
   <p:cSld>
     <p:spTree>
@@ -9270,8 +8088,8 @@
         </p:nvSpPr>
         <p:spPr>
           <a:xfrm>
-            <a:off x="419879" y="1568741"/>
-            <a:ext cx="6236102" cy="4938385"/>
+            <a:off x="167953" y="1680709"/>
+            <a:ext cx="6242178" cy="4938385"/>
           </a:xfrm>
           <a:prstGeom prst="rect">
             <a:avLst/>
@@ -9647,10 +8465,10 @@
       </p:sp>
       <p:pic>
         <p:nvPicPr>
-          <p:cNvPr id="2050" name="Picture 2">
+          <p:cNvPr id="1026" name="Picture 2">
             <a:extLst>
               <a:ext uri="{FF2B5EF4-FFF2-40B4-BE49-F238E27FC236}">
-                <a16:creationId xmlns:a16="http://schemas.microsoft.com/office/drawing/2014/main" id="{69AF37D4-8024-42E2-8707-6513C5D59DDD}"/>
+                <a16:creationId xmlns:a16="http://schemas.microsoft.com/office/drawing/2014/main" id="{E00C8DDA-C850-4B7D-AFBB-76223747C6D3}"/>
               </a:ext>
             </a:extLst>
           </p:cNvPr>
@@ -9674,8 +8492,1143 @@
         </p:blipFill>
         <p:spPr bwMode="auto">
           <a:xfrm>
-            <a:off x="7809062" y="3321001"/>
-            <a:ext cx="3372392" cy="3186126"/>
+            <a:off x="6692727" y="142875"/>
+            <a:ext cx="5162550" cy="3286125"/>
+          </a:xfrm>
+          <a:prstGeom prst="rect">
+            <a:avLst/>
+          </a:prstGeom>
+          <a:solidFill>
+            <a:schemeClr val="bg1"/>
+          </a:solidFill>
+          <a:ln w="9525">
+            <a:solidFill>
+              <a:srgbClr val="000000"/>
+            </a:solidFill>
+            <a:miter lim="800000"/>
+            <a:headEnd/>
+            <a:tailEnd/>
+          </a:ln>
+        </p:spPr>
+      </p:pic>
+      <p:pic>
+        <p:nvPicPr>
+          <p:cNvPr id="1027" name="Picture 3">
+            <a:extLst>
+              <a:ext uri="{FF2B5EF4-FFF2-40B4-BE49-F238E27FC236}">
+                <a16:creationId xmlns:a16="http://schemas.microsoft.com/office/drawing/2014/main" id="{F4D7A4D1-5DD9-4D7F-9A33-80EB1925C0B6}"/>
+              </a:ext>
+            </a:extLst>
+          </p:cNvPr>
+          <p:cNvPicPr>
+            <a:picLocks noChangeAspect="1" noChangeArrowheads="1"/>
+          </p:cNvPicPr>
+          <p:nvPr/>
+        </p:nvPicPr>
+        <p:blipFill>
+          <a:blip r:embed="rId3">
+            <a:extLst>
+              <a:ext uri="{28A0092B-C50C-407E-A947-70E740481C1C}">
+                <a14:useLocalDpi xmlns:a14="http://schemas.microsoft.com/office/drawing/2010/main" val="0"/>
+              </a:ext>
+            </a:extLst>
+          </a:blip>
+          <a:srcRect/>
+          <a:stretch>
+            <a:fillRect/>
+          </a:stretch>
+        </p:blipFill>
+        <p:spPr bwMode="auto">
+          <a:xfrm>
+            <a:off x="6692727" y="3506561"/>
+            <a:ext cx="5162550" cy="3286125"/>
+          </a:xfrm>
+          <a:prstGeom prst="rect">
+            <a:avLst/>
+          </a:prstGeom>
+          <a:solidFill>
+            <a:schemeClr val="bg1"/>
+          </a:solidFill>
+          <a:ln w="9525">
+            <a:solidFill>
+              <a:srgbClr val="000000"/>
+            </a:solidFill>
+            <a:miter lim="800000"/>
+            <a:headEnd/>
+            <a:tailEnd/>
+          </a:ln>
+        </p:spPr>
+      </p:pic>
+    </p:spTree>
+    <p:extLst>
+      <p:ext uri="{BB962C8B-B14F-4D97-AF65-F5344CB8AC3E}">
+        <p14:creationId xmlns:p14="http://schemas.microsoft.com/office/powerpoint/2010/main" val="2368588781"/>
+      </p:ext>
+    </p:extLst>
+  </p:cSld>
+  <p:clrMapOvr>
+    <a:masterClrMapping/>
+  </p:clrMapOvr>
+</p:sld>
+</file>
+
+<file path=ppt/slides/slide14.xml><?xml version="1.0" encoding="utf-8"?>
+<p:sld xmlns:a="http://schemas.openxmlformats.org/drawingml/2006/main" xmlns:r="http://schemas.openxmlformats.org/officeDocument/2006/relationships" xmlns:p="http://schemas.openxmlformats.org/presentationml/2006/main">
+  <p:cSld>
+    <p:spTree>
+      <p:nvGrpSpPr>
+        <p:cNvPr id="1" name=""/>
+        <p:cNvGrpSpPr/>
+        <p:nvPr/>
+      </p:nvGrpSpPr>
+      <p:grpSpPr>
+        <a:xfrm>
+          <a:off x="0" y="0"/>
+          <a:ext cx="0" cy="0"/>
+          <a:chOff x="0" y="0"/>
+          <a:chExt cx="0" cy="0"/>
+        </a:xfrm>
+      </p:grpSpPr>
+      <p:sp>
+        <p:nvSpPr>
+          <p:cNvPr id="13" name="Title 12">
+            <a:extLst>
+              <a:ext uri="{FF2B5EF4-FFF2-40B4-BE49-F238E27FC236}">
+                <a16:creationId xmlns:a16="http://schemas.microsoft.com/office/drawing/2014/main" id="{668B4B78-1E51-4C63-BDD4-2B238AD4FDD6}"/>
+              </a:ext>
+            </a:extLst>
+          </p:cNvPr>
+          <p:cNvSpPr>
+            <a:spLocks noGrp="1"/>
+          </p:cNvSpPr>
+          <p:nvPr>
+            <p:ph type="ctrTitle"/>
+          </p:nvPr>
+        </p:nvSpPr>
+        <p:spPr>
+          <a:xfrm>
+            <a:off x="1177290" y="2404534"/>
+            <a:ext cx="8096713" cy="1646302"/>
+          </a:xfrm>
+        </p:spPr>
+        <p:txBody>
+          <a:bodyPr/>
+          <a:lstStyle/>
+          <a:p>
+            <a:pPr algn="l"/>
+            <a:r>
+              <a:rPr lang="en-US" sz="8800" dirty="0"/>
+              <a:t>Thank You!</a:t>
+            </a:r>
+          </a:p>
+        </p:txBody>
+      </p:sp>
+      <p:sp>
+        <p:nvSpPr>
+          <p:cNvPr id="14" name="Subtitle 13">
+            <a:extLst>
+              <a:ext uri="{FF2B5EF4-FFF2-40B4-BE49-F238E27FC236}">
+                <a16:creationId xmlns:a16="http://schemas.microsoft.com/office/drawing/2014/main" id="{B6F20E94-A949-4F72-AC5F-C6B383A91DE2}"/>
+              </a:ext>
+            </a:extLst>
+          </p:cNvPr>
+          <p:cNvSpPr>
+            <a:spLocks noGrp="1"/>
+          </p:cNvSpPr>
+          <p:nvPr>
+            <p:ph type="subTitle" idx="1"/>
+          </p:nvPr>
+        </p:nvSpPr>
+        <p:spPr>
+          <a:xfrm>
+            <a:off x="1507067" y="4309252"/>
+            <a:ext cx="7766936" cy="454906"/>
+          </a:xfrm>
+        </p:spPr>
+        <p:txBody>
+          <a:bodyPr/>
+          <a:lstStyle/>
+          <a:p>
+            <a:pPr algn="l"/>
+            <a:r>
+              <a:rPr lang="en-US" dirty="0"/>
+              <a:t>https://github.com/brock-ricker/Online-Shoppers-Purchasing-Intent</a:t>
+            </a:r>
+          </a:p>
+        </p:txBody>
+      </p:sp>
+    </p:spTree>
+    <p:extLst>
+      <p:ext uri="{BB962C8B-B14F-4D97-AF65-F5344CB8AC3E}">
+        <p14:creationId xmlns:p14="http://schemas.microsoft.com/office/powerpoint/2010/main" val="2691205063"/>
+      </p:ext>
+    </p:extLst>
+  </p:cSld>
+  <p:clrMapOvr>
+    <a:masterClrMapping/>
+  </p:clrMapOvr>
+</p:sld>
+</file>
+
+<file path=ppt/slides/slide2.xml><?xml version="1.0" encoding="utf-8"?>
+<p:sld xmlns:a="http://schemas.openxmlformats.org/drawingml/2006/main" xmlns:r="http://schemas.openxmlformats.org/officeDocument/2006/relationships" xmlns:p="http://schemas.openxmlformats.org/presentationml/2006/main">
+  <p:cSld>
+    <p:spTree>
+      <p:nvGrpSpPr>
+        <p:cNvPr id="1" name=""/>
+        <p:cNvGrpSpPr/>
+        <p:nvPr/>
+      </p:nvGrpSpPr>
+      <p:grpSpPr>
+        <a:xfrm>
+          <a:off x="0" y="0"/>
+          <a:ext cx="0" cy="0"/>
+          <a:chOff x="0" y="0"/>
+          <a:chExt cx="0" cy="0"/>
+        </a:xfrm>
+      </p:grpSpPr>
+      <p:sp>
+        <p:nvSpPr>
+          <p:cNvPr id="3" name="Content Placeholder 2">
+            <a:extLst>
+              <a:ext uri="{FF2B5EF4-FFF2-40B4-BE49-F238E27FC236}">
+                <a16:creationId xmlns:a16="http://schemas.microsoft.com/office/drawing/2014/main" id="{22F8FE9B-137C-41B5-9006-9B2FF497B05A}"/>
+              </a:ext>
+            </a:extLst>
+          </p:cNvPr>
+          <p:cNvSpPr>
+            <a:spLocks noGrp="1"/>
+          </p:cNvSpPr>
+          <p:nvPr>
+            <p:ph idx="1"/>
+          </p:nvPr>
+        </p:nvSpPr>
+        <p:spPr>
+          <a:xfrm>
+            <a:off x="918352" y="1676461"/>
+            <a:ext cx="8246958" cy="4172806"/>
+          </a:xfrm>
+        </p:spPr>
+        <p:txBody>
+          <a:bodyPr>
+            <a:normAutofit/>
+          </a:bodyPr>
+          <a:lstStyle/>
+          <a:p>
+            <a:r>
+              <a:rPr lang="en-US" sz="4800" dirty="0"/>
+              <a:t>About the Data</a:t>
+            </a:r>
+          </a:p>
+          <a:p>
+            <a:r>
+              <a:rPr lang="en-US" sz="4800" dirty="0"/>
+              <a:t>Exploratory Analysis</a:t>
+            </a:r>
+          </a:p>
+          <a:p>
+            <a:r>
+              <a:rPr lang="en-US" sz="4800" dirty="0"/>
+              <a:t>Customer Segmentation</a:t>
+            </a:r>
+          </a:p>
+          <a:p>
+            <a:r>
+              <a:rPr lang="en-US" sz="4800" dirty="0"/>
+              <a:t>Modeling</a:t>
+            </a:r>
+          </a:p>
+        </p:txBody>
+      </p:sp>
+    </p:spTree>
+    <p:extLst>
+      <p:ext uri="{BB962C8B-B14F-4D97-AF65-F5344CB8AC3E}">
+        <p14:creationId xmlns:p14="http://schemas.microsoft.com/office/powerpoint/2010/main" val="3589697247"/>
+      </p:ext>
+    </p:extLst>
+  </p:cSld>
+  <p:clrMapOvr>
+    <a:masterClrMapping/>
+  </p:clrMapOvr>
+</p:sld>
+</file>
+
+<file path=ppt/slides/slide3.xml><?xml version="1.0" encoding="utf-8"?>
+<p:sld xmlns:a="http://schemas.openxmlformats.org/drawingml/2006/main" xmlns:r="http://schemas.openxmlformats.org/officeDocument/2006/relationships" xmlns:p="http://schemas.openxmlformats.org/presentationml/2006/main">
+  <p:cSld>
+    <p:spTree>
+      <p:nvGrpSpPr>
+        <p:cNvPr id="1" name=""/>
+        <p:cNvGrpSpPr/>
+        <p:nvPr/>
+      </p:nvGrpSpPr>
+      <p:grpSpPr>
+        <a:xfrm>
+          <a:off x="0" y="0"/>
+          <a:ext cx="0" cy="0"/>
+          <a:chOff x="0" y="0"/>
+          <a:chExt cx="0" cy="0"/>
+        </a:xfrm>
+      </p:grpSpPr>
+      <p:sp>
+        <p:nvSpPr>
+          <p:cNvPr id="2" name="Title 1">
+            <a:extLst>
+              <a:ext uri="{FF2B5EF4-FFF2-40B4-BE49-F238E27FC236}">
+                <a16:creationId xmlns:a16="http://schemas.microsoft.com/office/drawing/2014/main" id="{50C7FB4E-3934-48B4-B9ED-8FC63598AC32}"/>
+              </a:ext>
+            </a:extLst>
+          </p:cNvPr>
+          <p:cNvSpPr>
+            <a:spLocks noGrp="1"/>
+          </p:cNvSpPr>
+          <p:nvPr>
+            <p:ph type="title"/>
+          </p:nvPr>
+        </p:nvSpPr>
+        <p:spPr>
+          <a:xfrm>
+            <a:off x="631678" y="179792"/>
+            <a:ext cx="8596668" cy="982980"/>
+          </a:xfrm>
+        </p:spPr>
+        <p:txBody>
+          <a:bodyPr>
+            <a:normAutofit/>
+          </a:bodyPr>
+          <a:lstStyle/>
+          <a:p>
+            <a:r>
+              <a:rPr lang="en-US" sz="5400" dirty="0"/>
+              <a:t>About the Data</a:t>
+            </a:r>
+          </a:p>
+        </p:txBody>
+      </p:sp>
+      <p:sp>
+        <p:nvSpPr>
+          <p:cNvPr id="3" name="Content Placeholder 2">
+            <a:extLst>
+              <a:ext uri="{FF2B5EF4-FFF2-40B4-BE49-F238E27FC236}">
+                <a16:creationId xmlns:a16="http://schemas.microsoft.com/office/drawing/2014/main" id="{CBBA2AA0-324C-4229-B225-3C9B0296D714}"/>
+              </a:ext>
+            </a:extLst>
+          </p:cNvPr>
+          <p:cNvSpPr>
+            <a:spLocks noGrp="1"/>
+          </p:cNvSpPr>
+          <p:nvPr>
+            <p:ph idx="1"/>
+          </p:nvPr>
+        </p:nvSpPr>
+        <p:spPr>
+          <a:xfrm>
+            <a:off x="508001" y="1162772"/>
+            <a:ext cx="9431129" cy="5515435"/>
+          </a:xfrm>
+        </p:spPr>
+        <p:txBody>
+          <a:bodyPr>
+            <a:normAutofit/>
+          </a:bodyPr>
+          <a:lstStyle/>
+          <a:p>
+            <a:r>
+              <a:rPr lang="en-US" b="1" dirty="0"/>
+              <a:t>Context</a:t>
+            </a:r>
+          </a:p>
+          <a:p>
+            <a:pPr lvl="1"/>
+            <a:r>
+              <a:rPr lang="en-US" b="1" dirty="0"/>
+              <a:t>Consists of 12,330 online shopping “sessions”</a:t>
+            </a:r>
+          </a:p>
+          <a:p>
+            <a:pPr lvl="1"/>
+            <a:r>
+              <a:rPr lang="en-US" b="1" dirty="0"/>
+              <a:t>Each session is unique, and data covers a 1 year period</a:t>
+            </a:r>
+          </a:p>
+          <a:p>
+            <a:pPr lvl="1"/>
+            <a:endParaRPr lang="en-US" b="1" dirty="0"/>
+          </a:p>
+          <a:p>
+            <a:r>
+              <a:rPr lang="en-US" b="1" dirty="0"/>
+              <a:t>Content</a:t>
+            </a:r>
+          </a:p>
+          <a:p>
+            <a:pPr lvl="1"/>
+            <a:r>
+              <a:rPr lang="en-US" b="1" dirty="0"/>
+              <a:t>Target = “Revenue”</a:t>
+            </a:r>
+          </a:p>
+          <a:p>
+            <a:pPr lvl="2"/>
+            <a:r>
+              <a:rPr lang="en-US" b="1" dirty="0"/>
+              <a:t>Did the session end in the customer purchasing something</a:t>
+            </a:r>
+          </a:p>
+          <a:p>
+            <a:pPr lvl="1"/>
+            <a:r>
+              <a:rPr lang="en-US" b="1" dirty="0"/>
+              <a:t>10 numerical, and 7 categorical features</a:t>
+            </a:r>
+          </a:p>
+          <a:p>
+            <a:pPr lvl="1"/>
+            <a:r>
+              <a:rPr lang="en-US" b="1" dirty="0"/>
+              <a:t>Three types of web pages: Administrative, Informational, Product</a:t>
+            </a:r>
+          </a:p>
+          <a:p>
+            <a:pPr lvl="2"/>
+            <a:r>
+              <a:rPr lang="en-US" b="1" dirty="0"/>
+              <a:t>2 features per page type, 1 for number of pages visited and 1 for duration spent on these pages</a:t>
+            </a:r>
+          </a:p>
+          <a:p>
+            <a:pPr lvl="2"/>
+            <a:r>
+              <a:rPr lang="en-US" b="1" dirty="0"/>
+              <a:t>i.e. “Administrative” and “Administrative Duration”</a:t>
+            </a:r>
+          </a:p>
+          <a:p>
+            <a:pPr lvl="1"/>
+            <a:r>
+              <a:rPr lang="en-US" b="1" dirty="0"/>
+              <a:t>Three features from google analytics</a:t>
+            </a:r>
+          </a:p>
+          <a:p>
+            <a:pPr lvl="2"/>
+            <a:r>
+              <a:rPr lang="en-US" b="1" dirty="0"/>
+              <a:t>Bounce Rate</a:t>
+            </a:r>
+          </a:p>
+          <a:p>
+            <a:pPr lvl="2"/>
+            <a:r>
+              <a:rPr lang="en-US" b="1" dirty="0"/>
+              <a:t>Exit Rate</a:t>
+            </a:r>
+          </a:p>
+          <a:p>
+            <a:pPr lvl="2"/>
+            <a:r>
+              <a:rPr lang="en-US" b="1" dirty="0"/>
+              <a:t>Page Value</a:t>
+            </a:r>
+          </a:p>
+          <a:p>
+            <a:pPr lvl="1"/>
+            <a:endParaRPr lang="en-US" dirty="0"/>
+          </a:p>
+          <a:p>
+            <a:pPr lvl="2"/>
+            <a:endParaRPr lang="en-US" dirty="0"/>
+          </a:p>
+          <a:p>
+            <a:pPr lvl="1"/>
+            <a:endParaRPr lang="en-US" dirty="0"/>
+          </a:p>
+          <a:p>
+            <a:pPr lvl="2"/>
+            <a:endParaRPr lang="en-US" dirty="0"/>
+          </a:p>
+          <a:p>
+            <a:endParaRPr lang="en-US" dirty="0"/>
+          </a:p>
+        </p:txBody>
+      </p:sp>
+      <p:pic>
+        <p:nvPicPr>
+          <p:cNvPr id="5" name="Picture 4">
+            <a:extLst>
+              <a:ext uri="{FF2B5EF4-FFF2-40B4-BE49-F238E27FC236}">
+                <a16:creationId xmlns:a16="http://schemas.microsoft.com/office/drawing/2014/main" id="{227DE7C2-AB55-4F49-B5EC-83E6B1523EC9}"/>
+              </a:ext>
+            </a:extLst>
+          </p:cNvPr>
+          <p:cNvPicPr>
+            <a:picLocks noChangeAspect="1"/>
+          </p:cNvPicPr>
+          <p:nvPr/>
+        </p:nvPicPr>
+        <p:blipFill>
+          <a:blip r:embed="rId2"/>
+          <a:stretch>
+            <a:fillRect/>
+          </a:stretch>
+        </p:blipFill>
+        <p:spPr>
+          <a:xfrm>
+            <a:off x="7881715" y="640157"/>
+            <a:ext cx="3802284" cy="3022987"/>
+          </a:xfrm>
+          <a:prstGeom prst="rect">
+            <a:avLst/>
+          </a:prstGeom>
+        </p:spPr>
+      </p:pic>
+    </p:spTree>
+    <p:extLst>
+      <p:ext uri="{BB962C8B-B14F-4D97-AF65-F5344CB8AC3E}">
+        <p14:creationId xmlns:p14="http://schemas.microsoft.com/office/powerpoint/2010/main" val="369154908"/>
+      </p:ext>
+    </p:extLst>
+  </p:cSld>
+  <p:clrMapOvr>
+    <a:masterClrMapping/>
+  </p:clrMapOvr>
+</p:sld>
+</file>
+
+<file path=ppt/slides/slide4.xml><?xml version="1.0" encoding="utf-8"?>
+<p:sld xmlns:a="http://schemas.openxmlformats.org/drawingml/2006/main" xmlns:r="http://schemas.openxmlformats.org/officeDocument/2006/relationships" xmlns:p="http://schemas.openxmlformats.org/presentationml/2006/main">
+  <p:cSld>
+    <p:spTree>
+      <p:nvGrpSpPr>
+        <p:cNvPr id="1" name=""/>
+        <p:cNvGrpSpPr/>
+        <p:nvPr/>
+      </p:nvGrpSpPr>
+      <p:grpSpPr>
+        <a:xfrm>
+          <a:off x="0" y="0"/>
+          <a:ext cx="0" cy="0"/>
+          <a:chOff x="0" y="0"/>
+          <a:chExt cx="0" cy="0"/>
+        </a:xfrm>
+      </p:grpSpPr>
+      <p:sp>
+        <p:nvSpPr>
+          <p:cNvPr id="2" name="Title 1">
+            <a:extLst>
+              <a:ext uri="{FF2B5EF4-FFF2-40B4-BE49-F238E27FC236}">
+                <a16:creationId xmlns:a16="http://schemas.microsoft.com/office/drawing/2014/main" id="{50C7FB4E-3934-48B4-B9ED-8FC63598AC32}"/>
+              </a:ext>
+            </a:extLst>
+          </p:cNvPr>
+          <p:cNvSpPr>
+            <a:spLocks noGrp="1"/>
+          </p:cNvSpPr>
+          <p:nvPr>
+            <p:ph type="title"/>
+          </p:nvPr>
+        </p:nvSpPr>
+        <p:spPr>
+          <a:xfrm>
+            <a:off x="631678" y="179792"/>
+            <a:ext cx="8596668" cy="982980"/>
+          </a:xfrm>
+        </p:spPr>
+        <p:txBody>
+          <a:bodyPr>
+            <a:normAutofit/>
+          </a:bodyPr>
+          <a:lstStyle/>
+          <a:p>
+            <a:r>
+              <a:rPr lang="en-US" sz="5400" dirty="0"/>
+              <a:t>About the Data cont..</a:t>
+            </a:r>
+          </a:p>
+        </p:txBody>
+      </p:sp>
+      <p:sp>
+        <p:nvSpPr>
+          <p:cNvPr id="3" name="Content Placeholder 2">
+            <a:extLst>
+              <a:ext uri="{FF2B5EF4-FFF2-40B4-BE49-F238E27FC236}">
+                <a16:creationId xmlns:a16="http://schemas.microsoft.com/office/drawing/2014/main" id="{CBBA2AA0-324C-4229-B225-3C9B0296D714}"/>
+              </a:ext>
+            </a:extLst>
+          </p:cNvPr>
+          <p:cNvSpPr>
+            <a:spLocks noGrp="1"/>
+          </p:cNvSpPr>
+          <p:nvPr>
+            <p:ph idx="1"/>
+          </p:nvPr>
+        </p:nvSpPr>
+        <p:spPr>
+          <a:xfrm>
+            <a:off x="508002" y="1162772"/>
+            <a:ext cx="8860174" cy="5515435"/>
+          </a:xfrm>
+        </p:spPr>
+        <p:txBody>
+          <a:bodyPr>
+            <a:normAutofit/>
+          </a:bodyPr>
+          <a:lstStyle/>
+          <a:p>
+            <a:r>
+              <a:rPr lang="en-US" b="1" dirty="0"/>
+              <a:t>Content </a:t>
+            </a:r>
+            <a:r>
+              <a:rPr lang="en-US" b="1" dirty="0" err="1"/>
+              <a:t>cont</a:t>
+            </a:r>
+            <a:r>
+              <a:rPr lang="en-US" b="1" dirty="0"/>
+              <a:t>…</a:t>
+            </a:r>
+          </a:p>
+          <a:p>
+            <a:pPr lvl="1"/>
+            <a:r>
+              <a:rPr lang="en-US" b="1" dirty="0"/>
+              <a:t>Three features based on time of session</a:t>
+            </a:r>
+          </a:p>
+          <a:p>
+            <a:pPr lvl="2"/>
+            <a:r>
+              <a:rPr lang="en-US" b="1" dirty="0"/>
+              <a:t>Special Day – closeness to a specific holiday (Xmas, mother’s day, etc..)</a:t>
+            </a:r>
+          </a:p>
+          <a:p>
+            <a:pPr lvl="2"/>
+            <a:r>
+              <a:rPr lang="en-US" b="1" dirty="0"/>
+              <a:t>Month – Month of the year</a:t>
+            </a:r>
+          </a:p>
+          <a:p>
+            <a:pPr lvl="2"/>
+            <a:r>
+              <a:rPr lang="en-US" b="1" dirty="0"/>
+              <a:t>Weekend – Weekend yes/no</a:t>
+            </a:r>
+          </a:p>
+          <a:p>
+            <a:pPr lvl="1"/>
+            <a:r>
+              <a:rPr lang="en-US" b="1" dirty="0"/>
+              <a:t>Two features based on the customer’s PC</a:t>
+            </a:r>
+          </a:p>
+          <a:p>
+            <a:pPr lvl="2"/>
+            <a:r>
+              <a:rPr lang="en-US" b="1" dirty="0"/>
+              <a:t>Operating System</a:t>
+            </a:r>
+          </a:p>
+          <a:p>
+            <a:pPr lvl="2"/>
+            <a:r>
+              <a:rPr lang="en-US" b="1" dirty="0"/>
+              <a:t>Browser</a:t>
+            </a:r>
+          </a:p>
+          <a:p>
+            <a:pPr lvl="1"/>
+            <a:r>
+              <a:rPr lang="en-US" b="1" dirty="0"/>
+              <a:t>Customer location (region)</a:t>
+            </a:r>
+          </a:p>
+          <a:p>
+            <a:pPr lvl="1"/>
+            <a:r>
+              <a:rPr lang="en-US" b="1" dirty="0"/>
+              <a:t>Traffic type</a:t>
+            </a:r>
+          </a:p>
+          <a:p>
+            <a:pPr lvl="1"/>
+            <a:r>
+              <a:rPr lang="en-US" b="1" dirty="0"/>
+              <a:t>Visitor type</a:t>
+            </a:r>
+          </a:p>
+          <a:p>
+            <a:pPr lvl="2"/>
+            <a:r>
+              <a:rPr lang="en-US" b="1" dirty="0"/>
+              <a:t>Returning visitor, new visitor, other</a:t>
+            </a:r>
+          </a:p>
+          <a:p>
+            <a:r>
+              <a:rPr lang="en-US" b="1" dirty="0"/>
+              <a:t>Data processing required</a:t>
+            </a:r>
+          </a:p>
+          <a:p>
+            <a:pPr lvl="1"/>
+            <a:r>
+              <a:rPr lang="en-US" b="1" dirty="0"/>
+              <a:t>Data was received clean and ready to use</a:t>
+            </a:r>
+          </a:p>
+          <a:p>
+            <a:pPr lvl="1"/>
+            <a:r>
+              <a:rPr lang="en-US" b="1" dirty="0"/>
+              <a:t>Boolean features converted to 1/0 integer columns for ease of use</a:t>
+            </a:r>
+          </a:p>
+          <a:p>
+            <a:pPr lvl="1"/>
+            <a:endParaRPr lang="en-US" dirty="0"/>
+          </a:p>
+          <a:p>
+            <a:pPr lvl="2"/>
+            <a:endParaRPr lang="en-US" dirty="0"/>
+          </a:p>
+          <a:p>
+            <a:pPr lvl="1"/>
+            <a:endParaRPr lang="en-US" dirty="0"/>
+          </a:p>
+          <a:p>
+            <a:pPr lvl="2"/>
+            <a:endParaRPr lang="en-US" dirty="0"/>
+          </a:p>
+          <a:p>
+            <a:endParaRPr lang="en-US" dirty="0"/>
+          </a:p>
+        </p:txBody>
+      </p:sp>
+      <p:pic>
+        <p:nvPicPr>
+          <p:cNvPr id="5" name="Picture 4">
+            <a:extLst>
+              <a:ext uri="{FF2B5EF4-FFF2-40B4-BE49-F238E27FC236}">
+                <a16:creationId xmlns:a16="http://schemas.microsoft.com/office/drawing/2014/main" id="{227DE7C2-AB55-4F49-B5EC-83E6B1523EC9}"/>
+              </a:ext>
+            </a:extLst>
+          </p:cNvPr>
+          <p:cNvPicPr>
+            <a:picLocks noChangeAspect="1"/>
+          </p:cNvPicPr>
+          <p:nvPr/>
+        </p:nvPicPr>
+        <p:blipFill>
+          <a:blip r:embed="rId2"/>
+          <a:stretch>
+            <a:fillRect/>
+          </a:stretch>
+        </p:blipFill>
+        <p:spPr>
+          <a:xfrm>
+            <a:off x="7881715" y="634258"/>
+            <a:ext cx="3802284" cy="3022987"/>
+          </a:xfrm>
+          <a:prstGeom prst="rect">
+            <a:avLst/>
+          </a:prstGeom>
+        </p:spPr>
+      </p:pic>
+    </p:spTree>
+    <p:extLst>
+      <p:ext uri="{BB962C8B-B14F-4D97-AF65-F5344CB8AC3E}">
+        <p14:creationId xmlns:p14="http://schemas.microsoft.com/office/powerpoint/2010/main" val="1172163643"/>
+      </p:ext>
+    </p:extLst>
+  </p:cSld>
+  <p:clrMapOvr>
+    <a:masterClrMapping/>
+  </p:clrMapOvr>
+</p:sld>
+</file>
+
+<file path=ppt/slides/slide5.xml><?xml version="1.0" encoding="utf-8"?>
+<p:sld xmlns:a="http://schemas.openxmlformats.org/drawingml/2006/main" xmlns:r="http://schemas.openxmlformats.org/officeDocument/2006/relationships" xmlns:p="http://schemas.openxmlformats.org/presentationml/2006/main">
+  <p:cSld>
+    <p:spTree>
+      <p:nvGrpSpPr>
+        <p:cNvPr id="1" name=""/>
+        <p:cNvGrpSpPr/>
+        <p:nvPr/>
+      </p:nvGrpSpPr>
+      <p:grpSpPr>
+        <a:xfrm>
+          <a:off x="0" y="0"/>
+          <a:ext cx="0" cy="0"/>
+          <a:chOff x="0" y="0"/>
+          <a:chExt cx="0" cy="0"/>
+        </a:xfrm>
+      </p:grpSpPr>
+      <p:sp>
+        <p:nvSpPr>
+          <p:cNvPr id="2" name="Title 1">
+            <a:extLst>
+              <a:ext uri="{FF2B5EF4-FFF2-40B4-BE49-F238E27FC236}">
+                <a16:creationId xmlns:a16="http://schemas.microsoft.com/office/drawing/2014/main" id="{7703E13A-577C-443E-B879-477EB01C7C2B}"/>
+              </a:ext>
+            </a:extLst>
+          </p:cNvPr>
+          <p:cNvSpPr>
+            <a:spLocks noGrp="1"/>
+          </p:cNvSpPr>
+          <p:nvPr>
+            <p:ph type="title"/>
+          </p:nvPr>
+        </p:nvSpPr>
+        <p:spPr>
+          <a:xfrm>
+            <a:off x="677334" y="377688"/>
+            <a:ext cx="8596668" cy="896573"/>
+          </a:xfrm>
+        </p:spPr>
+        <p:txBody>
+          <a:bodyPr>
+            <a:normAutofit fontScale="90000"/>
+          </a:bodyPr>
+          <a:lstStyle/>
+          <a:p>
+            <a:r>
+              <a:rPr lang="en-US" sz="5400" dirty="0"/>
+              <a:t>Exploratory Analysis</a:t>
+            </a:r>
+          </a:p>
+        </p:txBody>
+      </p:sp>
+      <p:sp>
+        <p:nvSpPr>
+          <p:cNvPr id="7" name="Content Placeholder 2">
+            <a:extLst>
+              <a:ext uri="{FF2B5EF4-FFF2-40B4-BE49-F238E27FC236}">
+                <a16:creationId xmlns:a16="http://schemas.microsoft.com/office/drawing/2014/main" id="{21769EF2-EB22-412F-A3E3-ECD218656C61}"/>
+              </a:ext>
+            </a:extLst>
+          </p:cNvPr>
+          <p:cNvSpPr txBox="1">
+            <a:spLocks/>
+          </p:cNvSpPr>
+          <p:nvPr/>
+        </p:nvSpPr>
+        <p:spPr>
+          <a:xfrm>
+            <a:off x="677334" y="4673117"/>
+            <a:ext cx="3362622" cy="575315"/>
+          </a:xfrm>
+          <a:prstGeom prst="rect">
+            <a:avLst/>
+          </a:prstGeom>
+        </p:spPr>
+        <p:txBody>
+          <a:bodyPr vert="horz" lIns="91440" tIns="45720" rIns="91440" bIns="45720" rtlCol="0">
+            <a:normAutofit fontScale="92500" lnSpcReduction="10000"/>
+          </a:bodyPr>
+          <a:lstStyle>
+            <a:lvl1pPr marL="342900" indent="-342900" algn="l" defTabSz="457200" rtl="0" eaLnBrk="1" latinLnBrk="0" hangingPunct="1">
+              <a:spcBef>
+                <a:spcPts val="1000"/>
+              </a:spcBef>
+              <a:spcAft>
+                <a:spcPts val="0"/>
+              </a:spcAft>
+              <a:buClr>
+                <a:schemeClr val="accent1"/>
+              </a:buClr>
+              <a:buSzPct val="80000"/>
+              <a:buFont typeface="Wingdings 3" charset="2"/>
+              <a:buChar char=""/>
+              <a:defRPr sz="1800" kern="1200">
+                <a:solidFill>
+                  <a:schemeClr val="tx1">
+                    <a:lumMod val="75000"/>
+                    <a:lumOff val="25000"/>
+                  </a:schemeClr>
+                </a:solidFill>
+                <a:latin typeface="+mn-lt"/>
+                <a:ea typeface="+mn-ea"/>
+                <a:cs typeface="+mn-cs"/>
+              </a:defRPr>
+            </a:lvl1pPr>
+            <a:lvl2pPr marL="742950" indent="-285750" algn="l" defTabSz="457200" rtl="0" eaLnBrk="1" latinLnBrk="0" hangingPunct="1">
+              <a:spcBef>
+                <a:spcPts val="1000"/>
+              </a:spcBef>
+              <a:spcAft>
+                <a:spcPts val="0"/>
+              </a:spcAft>
+              <a:buClr>
+                <a:schemeClr val="accent1"/>
+              </a:buClr>
+              <a:buSzPct val="80000"/>
+              <a:buFont typeface="Wingdings 3" charset="2"/>
+              <a:buChar char=""/>
+              <a:defRPr sz="1600" kern="1200">
+                <a:solidFill>
+                  <a:schemeClr val="tx1">
+                    <a:lumMod val="75000"/>
+                    <a:lumOff val="25000"/>
+                  </a:schemeClr>
+                </a:solidFill>
+                <a:latin typeface="+mn-lt"/>
+                <a:ea typeface="+mn-ea"/>
+                <a:cs typeface="+mn-cs"/>
+              </a:defRPr>
+            </a:lvl2pPr>
+            <a:lvl3pPr marL="1143000" indent="-228600" algn="l" defTabSz="457200" rtl="0" eaLnBrk="1" latinLnBrk="0" hangingPunct="1">
+              <a:spcBef>
+                <a:spcPts val="1000"/>
+              </a:spcBef>
+              <a:spcAft>
+                <a:spcPts val="0"/>
+              </a:spcAft>
+              <a:buClr>
+                <a:schemeClr val="accent1"/>
+              </a:buClr>
+              <a:buSzPct val="80000"/>
+              <a:buFont typeface="Wingdings 3" charset="2"/>
+              <a:buChar char=""/>
+              <a:defRPr sz="1400" kern="1200">
+                <a:solidFill>
+                  <a:schemeClr val="tx1">
+                    <a:lumMod val="75000"/>
+                    <a:lumOff val="25000"/>
+                  </a:schemeClr>
+                </a:solidFill>
+                <a:latin typeface="+mn-lt"/>
+                <a:ea typeface="+mn-ea"/>
+                <a:cs typeface="+mn-cs"/>
+              </a:defRPr>
+            </a:lvl3pPr>
+            <a:lvl4pPr marL="1600200" indent="-228600" algn="l" defTabSz="457200" rtl="0" eaLnBrk="1" latinLnBrk="0" hangingPunct="1">
+              <a:spcBef>
+                <a:spcPts val="1000"/>
+              </a:spcBef>
+              <a:spcAft>
+                <a:spcPts val="0"/>
+              </a:spcAft>
+              <a:buClr>
+                <a:schemeClr val="accent1"/>
+              </a:buClr>
+              <a:buSzPct val="80000"/>
+              <a:buFont typeface="Wingdings 3" charset="2"/>
+              <a:buChar char=""/>
+              <a:defRPr sz="1200" kern="1200">
+                <a:solidFill>
+                  <a:schemeClr val="tx1">
+                    <a:lumMod val="75000"/>
+                    <a:lumOff val="25000"/>
+                  </a:schemeClr>
+                </a:solidFill>
+                <a:latin typeface="+mn-lt"/>
+                <a:ea typeface="+mn-ea"/>
+                <a:cs typeface="+mn-cs"/>
+              </a:defRPr>
+            </a:lvl4pPr>
+            <a:lvl5pPr marL="2057400" indent="-228600" algn="l" defTabSz="457200" rtl="0" eaLnBrk="1" latinLnBrk="0" hangingPunct="1">
+              <a:spcBef>
+                <a:spcPts val="1000"/>
+              </a:spcBef>
+              <a:spcAft>
+                <a:spcPts val="0"/>
+              </a:spcAft>
+              <a:buClr>
+                <a:schemeClr val="accent1"/>
+              </a:buClr>
+              <a:buSzPct val="80000"/>
+              <a:buFont typeface="Wingdings 3" charset="2"/>
+              <a:buChar char=""/>
+              <a:defRPr sz="1200" kern="1200">
+                <a:solidFill>
+                  <a:schemeClr val="tx1">
+                    <a:lumMod val="75000"/>
+                    <a:lumOff val="25000"/>
+                  </a:schemeClr>
+                </a:solidFill>
+                <a:latin typeface="+mn-lt"/>
+                <a:ea typeface="+mn-ea"/>
+                <a:cs typeface="+mn-cs"/>
+              </a:defRPr>
+            </a:lvl5pPr>
+            <a:lvl6pPr marL="2514600" indent="-228600" algn="l" defTabSz="457200" rtl="0" eaLnBrk="1" latinLnBrk="0" hangingPunct="1">
+              <a:spcBef>
+                <a:spcPts val="1000"/>
+              </a:spcBef>
+              <a:spcAft>
+                <a:spcPts val="0"/>
+              </a:spcAft>
+              <a:buClr>
+                <a:schemeClr val="accent1"/>
+              </a:buClr>
+              <a:buSzPct val="80000"/>
+              <a:buFont typeface="Wingdings 3" charset="2"/>
+              <a:buChar char=""/>
+              <a:defRPr sz="1200" kern="1200">
+                <a:solidFill>
+                  <a:schemeClr val="tx1">
+                    <a:lumMod val="75000"/>
+                    <a:lumOff val="25000"/>
+                  </a:schemeClr>
+                </a:solidFill>
+                <a:latin typeface="+mn-lt"/>
+                <a:ea typeface="+mn-ea"/>
+                <a:cs typeface="+mn-cs"/>
+              </a:defRPr>
+            </a:lvl6pPr>
+            <a:lvl7pPr marL="2971800" indent="-228600" algn="l" defTabSz="457200" rtl="0" eaLnBrk="1" latinLnBrk="0" hangingPunct="1">
+              <a:spcBef>
+                <a:spcPts val="1000"/>
+              </a:spcBef>
+              <a:spcAft>
+                <a:spcPts val="0"/>
+              </a:spcAft>
+              <a:buClr>
+                <a:schemeClr val="accent1"/>
+              </a:buClr>
+              <a:buSzPct val="80000"/>
+              <a:buFont typeface="Wingdings 3" charset="2"/>
+              <a:buChar char=""/>
+              <a:defRPr sz="1200" kern="1200">
+                <a:solidFill>
+                  <a:schemeClr val="tx1">
+                    <a:lumMod val="75000"/>
+                    <a:lumOff val="25000"/>
+                  </a:schemeClr>
+                </a:solidFill>
+                <a:latin typeface="+mn-lt"/>
+                <a:ea typeface="+mn-ea"/>
+                <a:cs typeface="+mn-cs"/>
+              </a:defRPr>
+            </a:lvl7pPr>
+            <a:lvl8pPr marL="3429000" indent="-228600" algn="l" defTabSz="457200" rtl="0" eaLnBrk="1" latinLnBrk="0" hangingPunct="1">
+              <a:spcBef>
+                <a:spcPts val="1000"/>
+              </a:spcBef>
+              <a:spcAft>
+                <a:spcPts val="0"/>
+              </a:spcAft>
+              <a:buClr>
+                <a:schemeClr val="accent1"/>
+              </a:buClr>
+              <a:buSzPct val="80000"/>
+              <a:buFont typeface="Wingdings 3" charset="2"/>
+              <a:buChar char=""/>
+              <a:defRPr sz="1200" kern="1200">
+                <a:solidFill>
+                  <a:schemeClr val="tx1">
+                    <a:lumMod val="75000"/>
+                    <a:lumOff val="25000"/>
+                  </a:schemeClr>
+                </a:solidFill>
+                <a:latin typeface="+mn-lt"/>
+                <a:ea typeface="+mn-ea"/>
+                <a:cs typeface="+mn-cs"/>
+              </a:defRPr>
+            </a:lvl8pPr>
+            <a:lvl9pPr marL="3886200" indent="-228600" algn="l" defTabSz="457200" rtl="0" eaLnBrk="1" latinLnBrk="0" hangingPunct="1">
+              <a:spcBef>
+                <a:spcPts val="1000"/>
+              </a:spcBef>
+              <a:spcAft>
+                <a:spcPts val="0"/>
+              </a:spcAft>
+              <a:buClr>
+                <a:schemeClr val="accent1"/>
+              </a:buClr>
+              <a:buSzPct val="80000"/>
+              <a:buFont typeface="Wingdings 3" charset="2"/>
+              <a:buChar char=""/>
+              <a:defRPr sz="1200" kern="1200">
+                <a:solidFill>
+                  <a:schemeClr val="tx1">
+                    <a:lumMod val="75000"/>
+                    <a:lumOff val="25000"/>
+                  </a:schemeClr>
+                </a:solidFill>
+                <a:latin typeface="+mn-lt"/>
+                <a:ea typeface="+mn-ea"/>
+                <a:cs typeface="+mn-cs"/>
+              </a:defRPr>
+            </a:lvl9pPr>
+          </a:lstStyle>
+          <a:p>
+            <a:r>
+              <a:rPr lang="en-US" b="1" dirty="0"/>
+              <a:t>Majority of sessions (85%) do not result in a purchase</a:t>
+            </a:r>
+          </a:p>
+          <a:p>
+            <a:endParaRPr lang="en-US" b="1" dirty="0"/>
+          </a:p>
+          <a:p>
+            <a:pPr marL="0" indent="0">
+              <a:buNone/>
+            </a:pPr>
+            <a:endParaRPr lang="en-US" b="1" dirty="0"/>
+          </a:p>
+          <a:p>
+            <a:endParaRPr lang="en-US" b="1" dirty="0"/>
+          </a:p>
+          <a:p>
+            <a:endParaRPr lang="en-US" b="1" dirty="0"/>
+          </a:p>
+          <a:p>
+            <a:pPr lvl="1"/>
+            <a:endParaRPr lang="en-US" dirty="0"/>
+          </a:p>
+          <a:p>
+            <a:pPr lvl="2"/>
+            <a:endParaRPr lang="en-US" dirty="0"/>
+          </a:p>
+          <a:p>
+            <a:pPr lvl="1"/>
+            <a:endParaRPr lang="en-US" dirty="0"/>
+          </a:p>
+          <a:p>
+            <a:pPr lvl="2"/>
+            <a:endParaRPr lang="en-US" dirty="0"/>
+          </a:p>
+          <a:p>
+            <a:endParaRPr lang="en-US" dirty="0"/>
+          </a:p>
+        </p:txBody>
+      </p:sp>
+      <p:pic>
+        <p:nvPicPr>
+          <p:cNvPr id="1026" name="Picture 2">
+            <a:extLst>
+              <a:ext uri="{FF2B5EF4-FFF2-40B4-BE49-F238E27FC236}">
+                <a16:creationId xmlns:a16="http://schemas.microsoft.com/office/drawing/2014/main" id="{2AA0F9E7-5E98-4565-897D-B6ED5E2E05ED}"/>
+              </a:ext>
+            </a:extLst>
+          </p:cNvPr>
+          <p:cNvPicPr>
+            <a:picLocks noChangeAspect="1" noChangeArrowheads="1"/>
+          </p:cNvPicPr>
+          <p:nvPr/>
+        </p:nvPicPr>
+        <p:blipFill>
+          <a:blip r:embed="rId2">
+            <a:extLst>
+              <a:ext uri="{28A0092B-C50C-407E-A947-70E740481C1C}">
+                <a14:useLocalDpi xmlns:a14="http://schemas.microsoft.com/office/drawing/2010/main" val="0"/>
+              </a:ext>
+            </a:extLst>
+          </a:blip>
+          <a:srcRect/>
+          <a:stretch>
+            <a:fillRect/>
+          </a:stretch>
+        </p:blipFill>
+        <p:spPr bwMode="auto">
+          <a:xfrm>
+            <a:off x="389096" y="1999293"/>
+            <a:ext cx="3939098" cy="2468661"/>
           </a:xfrm>
           <a:prstGeom prst="rect">
             <a:avLst/>
@@ -9690,12 +9643,2841 @@
           </a:ln>
         </p:spPr>
       </p:pic>
+      <p:pic>
+        <p:nvPicPr>
+          <p:cNvPr id="1028" name="Picture 4">
+            <a:extLst>
+              <a:ext uri="{FF2B5EF4-FFF2-40B4-BE49-F238E27FC236}">
+                <a16:creationId xmlns:a16="http://schemas.microsoft.com/office/drawing/2014/main" id="{FD69615B-02A2-4E8A-8B84-B1B1D5DBF8A7}"/>
+              </a:ext>
+            </a:extLst>
+          </p:cNvPr>
+          <p:cNvPicPr>
+            <a:picLocks noChangeAspect="1" noChangeArrowheads="1"/>
+          </p:cNvPicPr>
+          <p:nvPr/>
+        </p:nvPicPr>
+        <p:blipFill>
+          <a:blip r:embed="rId3">
+            <a:extLst>
+              <a:ext uri="{28A0092B-C50C-407E-A947-70E740481C1C}">
+                <a14:useLocalDpi xmlns:a14="http://schemas.microsoft.com/office/drawing/2010/main" val="0"/>
+              </a:ext>
+            </a:extLst>
+          </a:blip>
+          <a:srcRect/>
+          <a:stretch>
+            <a:fillRect/>
+          </a:stretch>
+        </p:blipFill>
+        <p:spPr bwMode="auto">
+          <a:xfrm>
+            <a:off x="5586759" y="1999292"/>
+            <a:ext cx="3939100" cy="2468662"/>
+          </a:xfrm>
+          <a:prstGeom prst="rect">
+            <a:avLst/>
+          </a:prstGeom>
+          <a:solidFill>
+            <a:schemeClr val="bg1"/>
+          </a:solidFill>
+          <a:ln>
+            <a:solidFill>
+              <a:schemeClr val="tx2"/>
+            </a:solidFill>
+          </a:ln>
+        </p:spPr>
+      </p:pic>
+      <p:sp>
+        <p:nvSpPr>
+          <p:cNvPr id="13" name="Content Placeholder 2">
+            <a:extLst>
+              <a:ext uri="{FF2B5EF4-FFF2-40B4-BE49-F238E27FC236}">
+                <a16:creationId xmlns:a16="http://schemas.microsoft.com/office/drawing/2014/main" id="{954CA082-2E4C-4258-B193-A16261BCE37B}"/>
+              </a:ext>
+            </a:extLst>
+          </p:cNvPr>
+          <p:cNvSpPr txBox="1">
+            <a:spLocks/>
+          </p:cNvSpPr>
+          <p:nvPr/>
+        </p:nvSpPr>
+        <p:spPr>
+          <a:xfrm>
+            <a:off x="5752916" y="4673117"/>
+            <a:ext cx="3362622" cy="575315"/>
+          </a:xfrm>
+          <a:prstGeom prst="rect">
+            <a:avLst/>
+          </a:prstGeom>
+        </p:spPr>
+        <p:txBody>
+          <a:bodyPr vert="horz" lIns="91440" tIns="45720" rIns="91440" bIns="45720" rtlCol="0">
+            <a:normAutofit fontScale="92500" lnSpcReduction="10000"/>
+          </a:bodyPr>
+          <a:lstStyle>
+            <a:lvl1pPr marL="342900" indent="-342900" algn="l" defTabSz="457200" rtl="0" eaLnBrk="1" latinLnBrk="0" hangingPunct="1">
+              <a:spcBef>
+                <a:spcPts val="1000"/>
+              </a:spcBef>
+              <a:spcAft>
+                <a:spcPts val="0"/>
+              </a:spcAft>
+              <a:buClr>
+                <a:schemeClr val="accent1"/>
+              </a:buClr>
+              <a:buSzPct val="80000"/>
+              <a:buFont typeface="Wingdings 3" charset="2"/>
+              <a:buChar char=""/>
+              <a:defRPr sz="1800" kern="1200">
+                <a:solidFill>
+                  <a:schemeClr val="tx1">
+                    <a:lumMod val="75000"/>
+                    <a:lumOff val="25000"/>
+                  </a:schemeClr>
+                </a:solidFill>
+                <a:latin typeface="+mn-lt"/>
+                <a:ea typeface="+mn-ea"/>
+                <a:cs typeface="+mn-cs"/>
+              </a:defRPr>
+            </a:lvl1pPr>
+            <a:lvl2pPr marL="742950" indent="-285750" algn="l" defTabSz="457200" rtl="0" eaLnBrk="1" latinLnBrk="0" hangingPunct="1">
+              <a:spcBef>
+                <a:spcPts val="1000"/>
+              </a:spcBef>
+              <a:spcAft>
+                <a:spcPts val="0"/>
+              </a:spcAft>
+              <a:buClr>
+                <a:schemeClr val="accent1"/>
+              </a:buClr>
+              <a:buSzPct val="80000"/>
+              <a:buFont typeface="Wingdings 3" charset="2"/>
+              <a:buChar char=""/>
+              <a:defRPr sz="1600" kern="1200">
+                <a:solidFill>
+                  <a:schemeClr val="tx1">
+                    <a:lumMod val="75000"/>
+                    <a:lumOff val="25000"/>
+                  </a:schemeClr>
+                </a:solidFill>
+                <a:latin typeface="+mn-lt"/>
+                <a:ea typeface="+mn-ea"/>
+                <a:cs typeface="+mn-cs"/>
+              </a:defRPr>
+            </a:lvl2pPr>
+            <a:lvl3pPr marL="1143000" indent="-228600" algn="l" defTabSz="457200" rtl="0" eaLnBrk="1" latinLnBrk="0" hangingPunct="1">
+              <a:spcBef>
+                <a:spcPts val="1000"/>
+              </a:spcBef>
+              <a:spcAft>
+                <a:spcPts val="0"/>
+              </a:spcAft>
+              <a:buClr>
+                <a:schemeClr val="accent1"/>
+              </a:buClr>
+              <a:buSzPct val="80000"/>
+              <a:buFont typeface="Wingdings 3" charset="2"/>
+              <a:buChar char=""/>
+              <a:defRPr sz="1400" kern="1200">
+                <a:solidFill>
+                  <a:schemeClr val="tx1">
+                    <a:lumMod val="75000"/>
+                    <a:lumOff val="25000"/>
+                  </a:schemeClr>
+                </a:solidFill>
+                <a:latin typeface="+mn-lt"/>
+                <a:ea typeface="+mn-ea"/>
+                <a:cs typeface="+mn-cs"/>
+              </a:defRPr>
+            </a:lvl3pPr>
+            <a:lvl4pPr marL="1600200" indent="-228600" algn="l" defTabSz="457200" rtl="0" eaLnBrk="1" latinLnBrk="0" hangingPunct="1">
+              <a:spcBef>
+                <a:spcPts val="1000"/>
+              </a:spcBef>
+              <a:spcAft>
+                <a:spcPts val="0"/>
+              </a:spcAft>
+              <a:buClr>
+                <a:schemeClr val="accent1"/>
+              </a:buClr>
+              <a:buSzPct val="80000"/>
+              <a:buFont typeface="Wingdings 3" charset="2"/>
+              <a:buChar char=""/>
+              <a:defRPr sz="1200" kern="1200">
+                <a:solidFill>
+                  <a:schemeClr val="tx1">
+                    <a:lumMod val="75000"/>
+                    <a:lumOff val="25000"/>
+                  </a:schemeClr>
+                </a:solidFill>
+                <a:latin typeface="+mn-lt"/>
+                <a:ea typeface="+mn-ea"/>
+                <a:cs typeface="+mn-cs"/>
+              </a:defRPr>
+            </a:lvl4pPr>
+            <a:lvl5pPr marL="2057400" indent="-228600" algn="l" defTabSz="457200" rtl="0" eaLnBrk="1" latinLnBrk="0" hangingPunct="1">
+              <a:spcBef>
+                <a:spcPts val="1000"/>
+              </a:spcBef>
+              <a:spcAft>
+                <a:spcPts val="0"/>
+              </a:spcAft>
+              <a:buClr>
+                <a:schemeClr val="accent1"/>
+              </a:buClr>
+              <a:buSzPct val="80000"/>
+              <a:buFont typeface="Wingdings 3" charset="2"/>
+              <a:buChar char=""/>
+              <a:defRPr sz="1200" kern="1200">
+                <a:solidFill>
+                  <a:schemeClr val="tx1">
+                    <a:lumMod val="75000"/>
+                    <a:lumOff val="25000"/>
+                  </a:schemeClr>
+                </a:solidFill>
+                <a:latin typeface="+mn-lt"/>
+                <a:ea typeface="+mn-ea"/>
+                <a:cs typeface="+mn-cs"/>
+              </a:defRPr>
+            </a:lvl5pPr>
+            <a:lvl6pPr marL="2514600" indent="-228600" algn="l" defTabSz="457200" rtl="0" eaLnBrk="1" latinLnBrk="0" hangingPunct="1">
+              <a:spcBef>
+                <a:spcPts val="1000"/>
+              </a:spcBef>
+              <a:spcAft>
+                <a:spcPts val="0"/>
+              </a:spcAft>
+              <a:buClr>
+                <a:schemeClr val="accent1"/>
+              </a:buClr>
+              <a:buSzPct val="80000"/>
+              <a:buFont typeface="Wingdings 3" charset="2"/>
+              <a:buChar char=""/>
+              <a:defRPr sz="1200" kern="1200">
+                <a:solidFill>
+                  <a:schemeClr val="tx1">
+                    <a:lumMod val="75000"/>
+                    <a:lumOff val="25000"/>
+                  </a:schemeClr>
+                </a:solidFill>
+                <a:latin typeface="+mn-lt"/>
+                <a:ea typeface="+mn-ea"/>
+                <a:cs typeface="+mn-cs"/>
+              </a:defRPr>
+            </a:lvl6pPr>
+            <a:lvl7pPr marL="2971800" indent="-228600" algn="l" defTabSz="457200" rtl="0" eaLnBrk="1" latinLnBrk="0" hangingPunct="1">
+              <a:spcBef>
+                <a:spcPts val="1000"/>
+              </a:spcBef>
+              <a:spcAft>
+                <a:spcPts val="0"/>
+              </a:spcAft>
+              <a:buClr>
+                <a:schemeClr val="accent1"/>
+              </a:buClr>
+              <a:buSzPct val="80000"/>
+              <a:buFont typeface="Wingdings 3" charset="2"/>
+              <a:buChar char=""/>
+              <a:defRPr sz="1200" kern="1200">
+                <a:solidFill>
+                  <a:schemeClr val="tx1">
+                    <a:lumMod val="75000"/>
+                    <a:lumOff val="25000"/>
+                  </a:schemeClr>
+                </a:solidFill>
+                <a:latin typeface="+mn-lt"/>
+                <a:ea typeface="+mn-ea"/>
+                <a:cs typeface="+mn-cs"/>
+              </a:defRPr>
+            </a:lvl7pPr>
+            <a:lvl8pPr marL="3429000" indent="-228600" algn="l" defTabSz="457200" rtl="0" eaLnBrk="1" latinLnBrk="0" hangingPunct="1">
+              <a:spcBef>
+                <a:spcPts val="1000"/>
+              </a:spcBef>
+              <a:spcAft>
+                <a:spcPts val="0"/>
+              </a:spcAft>
+              <a:buClr>
+                <a:schemeClr val="accent1"/>
+              </a:buClr>
+              <a:buSzPct val="80000"/>
+              <a:buFont typeface="Wingdings 3" charset="2"/>
+              <a:buChar char=""/>
+              <a:defRPr sz="1200" kern="1200">
+                <a:solidFill>
+                  <a:schemeClr val="tx1">
+                    <a:lumMod val="75000"/>
+                    <a:lumOff val="25000"/>
+                  </a:schemeClr>
+                </a:solidFill>
+                <a:latin typeface="+mn-lt"/>
+                <a:ea typeface="+mn-ea"/>
+                <a:cs typeface="+mn-cs"/>
+              </a:defRPr>
+            </a:lvl8pPr>
+            <a:lvl9pPr marL="3886200" indent="-228600" algn="l" defTabSz="457200" rtl="0" eaLnBrk="1" latinLnBrk="0" hangingPunct="1">
+              <a:spcBef>
+                <a:spcPts val="1000"/>
+              </a:spcBef>
+              <a:spcAft>
+                <a:spcPts val="0"/>
+              </a:spcAft>
+              <a:buClr>
+                <a:schemeClr val="accent1"/>
+              </a:buClr>
+              <a:buSzPct val="80000"/>
+              <a:buFont typeface="Wingdings 3" charset="2"/>
+              <a:buChar char=""/>
+              <a:defRPr sz="1200" kern="1200">
+                <a:solidFill>
+                  <a:schemeClr val="tx1">
+                    <a:lumMod val="75000"/>
+                    <a:lumOff val="25000"/>
+                  </a:schemeClr>
+                </a:solidFill>
+                <a:latin typeface="+mn-lt"/>
+                <a:ea typeface="+mn-ea"/>
+                <a:cs typeface="+mn-cs"/>
+              </a:defRPr>
+            </a:lvl9pPr>
+          </a:lstStyle>
+          <a:p>
+            <a:r>
+              <a:rPr lang="en-US" b="1" dirty="0"/>
+              <a:t>Majority of sessions (85%) are return customers</a:t>
+            </a:r>
+          </a:p>
+          <a:p>
+            <a:endParaRPr lang="en-US" b="1" dirty="0"/>
+          </a:p>
+          <a:p>
+            <a:pPr marL="0" indent="0">
+              <a:buNone/>
+            </a:pPr>
+            <a:endParaRPr lang="en-US" b="1" dirty="0"/>
+          </a:p>
+          <a:p>
+            <a:endParaRPr lang="en-US" b="1" dirty="0"/>
+          </a:p>
+          <a:p>
+            <a:endParaRPr lang="en-US" b="1" dirty="0"/>
+          </a:p>
+          <a:p>
+            <a:pPr lvl="1"/>
+            <a:endParaRPr lang="en-US" dirty="0"/>
+          </a:p>
+          <a:p>
+            <a:pPr lvl="2"/>
+            <a:endParaRPr lang="en-US" dirty="0"/>
+          </a:p>
+          <a:p>
+            <a:pPr lvl="1"/>
+            <a:endParaRPr lang="en-US" dirty="0"/>
+          </a:p>
+          <a:p>
+            <a:pPr lvl="2"/>
+            <a:endParaRPr lang="en-US" dirty="0"/>
+          </a:p>
+          <a:p>
+            <a:endParaRPr lang="en-US" dirty="0"/>
+          </a:p>
+        </p:txBody>
+      </p:sp>
+    </p:spTree>
+    <p:extLst>
+      <p:ext uri="{BB962C8B-B14F-4D97-AF65-F5344CB8AC3E}">
+        <p14:creationId xmlns:p14="http://schemas.microsoft.com/office/powerpoint/2010/main" val="326003051"/>
+      </p:ext>
+    </p:extLst>
+  </p:cSld>
+  <p:clrMapOvr>
+    <a:masterClrMapping/>
+  </p:clrMapOvr>
+</p:sld>
+</file>
+
+<file path=ppt/slides/slide6.xml><?xml version="1.0" encoding="utf-8"?>
+<p:sld xmlns:a="http://schemas.openxmlformats.org/drawingml/2006/main" xmlns:r="http://schemas.openxmlformats.org/officeDocument/2006/relationships" xmlns:p="http://schemas.openxmlformats.org/presentationml/2006/main">
+  <p:cSld>
+    <p:spTree>
+      <p:nvGrpSpPr>
+        <p:cNvPr id="1" name=""/>
+        <p:cNvGrpSpPr/>
+        <p:nvPr/>
+      </p:nvGrpSpPr>
+      <p:grpSpPr>
+        <a:xfrm>
+          <a:off x="0" y="0"/>
+          <a:ext cx="0" cy="0"/>
+          <a:chOff x="0" y="0"/>
+          <a:chExt cx="0" cy="0"/>
+        </a:xfrm>
+      </p:grpSpPr>
+      <p:sp>
+        <p:nvSpPr>
+          <p:cNvPr id="2" name="Title 1">
+            <a:extLst>
+              <a:ext uri="{FF2B5EF4-FFF2-40B4-BE49-F238E27FC236}">
+                <a16:creationId xmlns:a16="http://schemas.microsoft.com/office/drawing/2014/main" id="{7703E13A-577C-443E-B879-477EB01C7C2B}"/>
+              </a:ext>
+            </a:extLst>
+          </p:cNvPr>
+          <p:cNvSpPr>
+            <a:spLocks noGrp="1"/>
+          </p:cNvSpPr>
+          <p:nvPr>
+            <p:ph type="title"/>
+          </p:nvPr>
+        </p:nvSpPr>
+        <p:spPr>
+          <a:xfrm>
+            <a:off x="677334" y="377688"/>
+            <a:ext cx="8596668" cy="896573"/>
+          </a:xfrm>
+        </p:spPr>
+        <p:txBody>
+          <a:bodyPr>
+            <a:normAutofit fontScale="90000"/>
+          </a:bodyPr>
+          <a:lstStyle/>
+          <a:p>
+            <a:r>
+              <a:rPr lang="en-US" sz="5400" dirty="0"/>
+              <a:t>Exploratory Analysis</a:t>
+            </a:r>
+          </a:p>
+        </p:txBody>
+      </p:sp>
+      <p:sp>
+        <p:nvSpPr>
+          <p:cNvPr id="7" name="Content Placeholder 2">
+            <a:extLst>
+              <a:ext uri="{FF2B5EF4-FFF2-40B4-BE49-F238E27FC236}">
+                <a16:creationId xmlns:a16="http://schemas.microsoft.com/office/drawing/2014/main" id="{21769EF2-EB22-412F-A3E3-ECD218656C61}"/>
+              </a:ext>
+            </a:extLst>
+          </p:cNvPr>
+          <p:cNvSpPr txBox="1">
+            <a:spLocks/>
+          </p:cNvSpPr>
+          <p:nvPr/>
+        </p:nvSpPr>
+        <p:spPr>
+          <a:xfrm>
+            <a:off x="677334" y="4673117"/>
+            <a:ext cx="3362622" cy="1906587"/>
+          </a:xfrm>
+          <a:prstGeom prst="rect">
+            <a:avLst/>
+          </a:prstGeom>
+        </p:spPr>
+        <p:txBody>
+          <a:bodyPr vert="horz" lIns="91440" tIns="45720" rIns="91440" bIns="45720" rtlCol="0">
+            <a:normAutofit/>
+          </a:bodyPr>
+          <a:lstStyle>
+            <a:lvl1pPr marL="342900" indent="-342900" algn="l" defTabSz="457200" rtl="0" eaLnBrk="1" latinLnBrk="0" hangingPunct="1">
+              <a:spcBef>
+                <a:spcPts val="1000"/>
+              </a:spcBef>
+              <a:spcAft>
+                <a:spcPts val="0"/>
+              </a:spcAft>
+              <a:buClr>
+                <a:schemeClr val="accent1"/>
+              </a:buClr>
+              <a:buSzPct val="80000"/>
+              <a:buFont typeface="Wingdings 3" charset="2"/>
+              <a:buChar char=""/>
+              <a:defRPr sz="1800" kern="1200">
+                <a:solidFill>
+                  <a:schemeClr val="tx1">
+                    <a:lumMod val="75000"/>
+                    <a:lumOff val="25000"/>
+                  </a:schemeClr>
+                </a:solidFill>
+                <a:latin typeface="+mn-lt"/>
+                <a:ea typeface="+mn-ea"/>
+                <a:cs typeface="+mn-cs"/>
+              </a:defRPr>
+            </a:lvl1pPr>
+            <a:lvl2pPr marL="742950" indent="-285750" algn="l" defTabSz="457200" rtl="0" eaLnBrk="1" latinLnBrk="0" hangingPunct="1">
+              <a:spcBef>
+                <a:spcPts val="1000"/>
+              </a:spcBef>
+              <a:spcAft>
+                <a:spcPts val="0"/>
+              </a:spcAft>
+              <a:buClr>
+                <a:schemeClr val="accent1"/>
+              </a:buClr>
+              <a:buSzPct val="80000"/>
+              <a:buFont typeface="Wingdings 3" charset="2"/>
+              <a:buChar char=""/>
+              <a:defRPr sz="1600" kern="1200">
+                <a:solidFill>
+                  <a:schemeClr val="tx1">
+                    <a:lumMod val="75000"/>
+                    <a:lumOff val="25000"/>
+                  </a:schemeClr>
+                </a:solidFill>
+                <a:latin typeface="+mn-lt"/>
+                <a:ea typeface="+mn-ea"/>
+                <a:cs typeface="+mn-cs"/>
+              </a:defRPr>
+            </a:lvl2pPr>
+            <a:lvl3pPr marL="1143000" indent="-228600" algn="l" defTabSz="457200" rtl="0" eaLnBrk="1" latinLnBrk="0" hangingPunct="1">
+              <a:spcBef>
+                <a:spcPts val="1000"/>
+              </a:spcBef>
+              <a:spcAft>
+                <a:spcPts val="0"/>
+              </a:spcAft>
+              <a:buClr>
+                <a:schemeClr val="accent1"/>
+              </a:buClr>
+              <a:buSzPct val="80000"/>
+              <a:buFont typeface="Wingdings 3" charset="2"/>
+              <a:buChar char=""/>
+              <a:defRPr sz="1400" kern="1200">
+                <a:solidFill>
+                  <a:schemeClr val="tx1">
+                    <a:lumMod val="75000"/>
+                    <a:lumOff val="25000"/>
+                  </a:schemeClr>
+                </a:solidFill>
+                <a:latin typeface="+mn-lt"/>
+                <a:ea typeface="+mn-ea"/>
+                <a:cs typeface="+mn-cs"/>
+              </a:defRPr>
+            </a:lvl3pPr>
+            <a:lvl4pPr marL="1600200" indent="-228600" algn="l" defTabSz="457200" rtl="0" eaLnBrk="1" latinLnBrk="0" hangingPunct="1">
+              <a:spcBef>
+                <a:spcPts val="1000"/>
+              </a:spcBef>
+              <a:spcAft>
+                <a:spcPts val="0"/>
+              </a:spcAft>
+              <a:buClr>
+                <a:schemeClr val="accent1"/>
+              </a:buClr>
+              <a:buSzPct val="80000"/>
+              <a:buFont typeface="Wingdings 3" charset="2"/>
+              <a:buChar char=""/>
+              <a:defRPr sz="1200" kern="1200">
+                <a:solidFill>
+                  <a:schemeClr val="tx1">
+                    <a:lumMod val="75000"/>
+                    <a:lumOff val="25000"/>
+                  </a:schemeClr>
+                </a:solidFill>
+                <a:latin typeface="+mn-lt"/>
+                <a:ea typeface="+mn-ea"/>
+                <a:cs typeface="+mn-cs"/>
+              </a:defRPr>
+            </a:lvl4pPr>
+            <a:lvl5pPr marL="2057400" indent="-228600" algn="l" defTabSz="457200" rtl="0" eaLnBrk="1" latinLnBrk="0" hangingPunct="1">
+              <a:spcBef>
+                <a:spcPts val="1000"/>
+              </a:spcBef>
+              <a:spcAft>
+                <a:spcPts val="0"/>
+              </a:spcAft>
+              <a:buClr>
+                <a:schemeClr val="accent1"/>
+              </a:buClr>
+              <a:buSzPct val="80000"/>
+              <a:buFont typeface="Wingdings 3" charset="2"/>
+              <a:buChar char=""/>
+              <a:defRPr sz="1200" kern="1200">
+                <a:solidFill>
+                  <a:schemeClr val="tx1">
+                    <a:lumMod val="75000"/>
+                    <a:lumOff val="25000"/>
+                  </a:schemeClr>
+                </a:solidFill>
+                <a:latin typeface="+mn-lt"/>
+                <a:ea typeface="+mn-ea"/>
+                <a:cs typeface="+mn-cs"/>
+              </a:defRPr>
+            </a:lvl5pPr>
+            <a:lvl6pPr marL="2514600" indent="-228600" algn="l" defTabSz="457200" rtl="0" eaLnBrk="1" latinLnBrk="0" hangingPunct="1">
+              <a:spcBef>
+                <a:spcPts val="1000"/>
+              </a:spcBef>
+              <a:spcAft>
+                <a:spcPts val="0"/>
+              </a:spcAft>
+              <a:buClr>
+                <a:schemeClr val="accent1"/>
+              </a:buClr>
+              <a:buSzPct val="80000"/>
+              <a:buFont typeface="Wingdings 3" charset="2"/>
+              <a:buChar char=""/>
+              <a:defRPr sz="1200" kern="1200">
+                <a:solidFill>
+                  <a:schemeClr val="tx1">
+                    <a:lumMod val="75000"/>
+                    <a:lumOff val="25000"/>
+                  </a:schemeClr>
+                </a:solidFill>
+                <a:latin typeface="+mn-lt"/>
+                <a:ea typeface="+mn-ea"/>
+                <a:cs typeface="+mn-cs"/>
+              </a:defRPr>
+            </a:lvl6pPr>
+            <a:lvl7pPr marL="2971800" indent="-228600" algn="l" defTabSz="457200" rtl="0" eaLnBrk="1" latinLnBrk="0" hangingPunct="1">
+              <a:spcBef>
+                <a:spcPts val="1000"/>
+              </a:spcBef>
+              <a:spcAft>
+                <a:spcPts val="0"/>
+              </a:spcAft>
+              <a:buClr>
+                <a:schemeClr val="accent1"/>
+              </a:buClr>
+              <a:buSzPct val="80000"/>
+              <a:buFont typeface="Wingdings 3" charset="2"/>
+              <a:buChar char=""/>
+              <a:defRPr sz="1200" kern="1200">
+                <a:solidFill>
+                  <a:schemeClr val="tx1">
+                    <a:lumMod val="75000"/>
+                    <a:lumOff val="25000"/>
+                  </a:schemeClr>
+                </a:solidFill>
+                <a:latin typeface="+mn-lt"/>
+                <a:ea typeface="+mn-ea"/>
+                <a:cs typeface="+mn-cs"/>
+              </a:defRPr>
+            </a:lvl7pPr>
+            <a:lvl8pPr marL="3429000" indent="-228600" algn="l" defTabSz="457200" rtl="0" eaLnBrk="1" latinLnBrk="0" hangingPunct="1">
+              <a:spcBef>
+                <a:spcPts val="1000"/>
+              </a:spcBef>
+              <a:spcAft>
+                <a:spcPts val="0"/>
+              </a:spcAft>
+              <a:buClr>
+                <a:schemeClr val="accent1"/>
+              </a:buClr>
+              <a:buSzPct val="80000"/>
+              <a:buFont typeface="Wingdings 3" charset="2"/>
+              <a:buChar char=""/>
+              <a:defRPr sz="1200" kern="1200">
+                <a:solidFill>
+                  <a:schemeClr val="tx1">
+                    <a:lumMod val="75000"/>
+                    <a:lumOff val="25000"/>
+                  </a:schemeClr>
+                </a:solidFill>
+                <a:latin typeface="+mn-lt"/>
+                <a:ea typeface="+mn-ea"/>
+                <a:cs typeface="+mn-cs"/>
+              </a:defRPr>
+            </a:lvl8pPr>
+            <a:lvl9pPr marL="3886200" indent="-228600" algn="l" defTabSz="457200" rtl="0" eaLnBrk="1" latinLnBrk="0" hangingPunct="1">
+              <a:spcBef>
+                <a:spcPts val="1000"/>
+              </a:spcBef>
+              <a:spcAft>
+                <a:spcPts val="0"/>
+              </a:spcAft>
+              <a:buClr>
+                <a:schemeClr val="accent1"/>
+              </a:buClr>
+              <a:buSzPct val="80000"/>
+              <a:buFont typeface="Wingdings 3" charset="2"/>
+              <a:buChar char=""/>
+              <a:defRPr sz="1200" kern="1200">
+                <a:solidFill>
+                  <a:schemeClr val="tx1">
+                    <a:lumMod val="75000"/>
+                    <a:lumOff val="25000"/>
+                  </a:schemeClr>
+                </a:solidFill>
+                <a:latin typeface="+mn-lt"/>
+                <a:ea typeface="+mn-ea"/>
+                <a:cs typeface="+mn-cs"/>
+              </a:defRPr>
+            </a:lvl9pPr>
+          </a:lstStyle>
+          <a:p>
+            <a:r>
+              <a:rPr lang="en-US" sz="1700" b="1" dirty="0"/>
+              <a:t>Peak months</a:t>
+            </a:r>
+          </a:p>
+          <a:p>
+            <a:pPr lvl="1"/>
+            <a:r>
+              <a:rPr lang="en-US" sz="1400" b="1" dirty="0"/>
+              <a:t>March</a:t>
+            </a:r>
+          </a:p>
+          <a:p>
+            <a:pPr lvl="1"/>
+            <a:r>
+              <a:rPr lang="en-US" sz="1400" b="1" dirty="0"/>
+              <a:t>May</a:t>
+            </a:r>
+          </a:p>
+          <a:p>
+            <a:pPr lvl="1"/>
+            <a:r>
+              <a:rPr lang="en-US" sz="1400" b="1" dirty="0"/>
+              <a:t>Nov</a:t>
+            </a:r>
+          </a:p>
+          <a:p>
+            <a:pPr lvl="1"/>
+            <a:r>
+              <a:rPr lang="en-US" sz="1400" b="1" dirty="0"/>
+              <a:t>Dec</a:t>
+            </a:r>
+          </a:p>
+          <a:p>
+            <a:pPr lvl="1"/>
+            <a:endParaRPr lang="en-US" b="1" dirty="0"/>
+          </a:p>
+          <a:p>
+            <a:endParaRPr lang="en-US" b="1" dirty="0"/>
+          </a:p>
+          <a:p>
+            <a:pPr marL="0" indent="0">
+              <a:buNone/>
+            </a:pPr>
+            <a:endParaRPr lang="en-US" b="1" dirty="0"/>
+          </a:p>
+          <a:p>
+            <a:endParaRPr lang="en-US" b="1" dirty="0"/>
+          </a:p>
+          <a:p>
+            <a:endParaRPr lang="en-US" b="1" dirty="0"/>
+          </a:p>
+          <a:p>
+            <a:pPr lvl="1"/>
+            <a:endParaRPr lang="en-US" dirty="0"/>
+          </a:p>
+          <a:p>
+            <a:pPr lvl="2"/>
+            <a:endParaRPr lang="en-US" dirty="0"/>
+          </a:p>
+          <a:p>
+            <a:pPr lvl="1"/>
+            <a:endParaRPr lang="en-US" dirty="0"/>
+          </a:p>
+          <a:p>
+            <a:pPr lvl="2"/>
+            <a:endParaRPr lang="en-US" dirty="0"/>
+          </a:p>
+          <a:p>
+            <a:endParaRPr lang="en-US" dirty="0"/>
+          </a:p>
+        </p:txBody>
+      </p:sp>
+      <p:sp>
+        <p:nvSpPr>
+          <p:cNvPr id="13" name="Content Placeholder 2">
+            <a:extLst>
+              <a:ext uri="{FF2B5EF4-FFF2-40B4-BE49-F238E27FC236}">
+                <a16:creationId xmlns:a16="http://schemas.microsoft.com/office/drawing/2014/main" id="{954CA082-2E4C-4258-B193-A16261BCE37B}"/>
+              </a:ext>
+            </a:extLst>
+          </p:cNvPr>
+          <p:cNvSpPr txBox="1">
+            <a:spLocks/>
+          </p:cNvSpPr>
+          <p:nvPr/>
+        </p:nvSpPr>
+        <p:spPr>
+          <a:xfrm>
+            <a:off x="5946469" y="5316929"/>
+            <a:ext cx="3362622" cy="575315"/>
+          </a:xfrm>
+          <a:prstGeom prst="rect">
+            <a:avLst/>
+          </a:prstGeom>
+        </p:spPr>
+        <p:txBody>
+          <a:bodyPr vert="horz" lIns="91440" tIns="45720" rIns="91440" bIns="45720" rtlCol="0">
+            <a:normAutofit fontScale="92500" lnSpcReduction="10000"/>
+          </a:bodyPr>
+          <a:lstStyle>
+            <a:lvl1pPr marL="342900" indent="-342900" algn="l" defTabSz="457200" rtl="0" eaLnBrk="1" latinLnBrk="0" hangingPunct="1">
+              <a:spcBef>
+                <a:spcPts val="1000"/>
+              </a:spcBef>
+              <a:spcAft>
+                <a:spcPts val="0"/>
+              </a:spcAft>
+              <a:buClr>
+                <a:schemeClr val="accent1"/>
+              </a:buClr>
+              <a:buSzPct val="80000"/>
+              <a:buFont typeface="Wingdings 3" charset="2"/>
+              <a:buChar char=""/>
+              <a:defRPr sz="1800" kern="1200">
+                <a:solidFill>
+                  <a:schemeClr val="tx1">
+                    <a:lumMod val="75000"/>
+                    <a:lumOff val="25000"/>
+                  </a:schemeClr>
+                </a:solidFill>
+                <a:latin typeface="+mn-lt"/>
+                <a:ea typeface="+mn-ea"/>
+                <a:cs typeface="+mn-cs"/>
+              </a:defRPr>
+            </a:lvl1pPr>
+            <a:lvl2pPr marL="742950" indent="-285750" algn="l" defTabSz="457200" rtl="0" eaLnBrk="1" latinLnBrk="0" hangingPunct="1">
+              <a:spcBef>
+                <a:spcPts val="1000"/>
+              </a:spcBef>
+              <a:spcAft>
+                <a:spcPts val="0"/>
+              </a:spcAft>
+              <a:buClr>
+                <a:schemeClr val="accent1"/>
+              </a:buClr>
+              <a:buSzPct val="80000"/>
+              <a:buFont typeface="Wingdings 3" charset="2"/>
+              <a:buChar char=""/>
+              <a:defRPr sz="1600" kern="1200">
+                <a:solidFill>
+                  <a:schemeClr val="tx1">
+                    <a:lumMod val="75000"/>
+                    <a:lumOff val="25000"/>
+                  </a:schemeClr>
+                </a:solidFill>
+                <a:latin typeface="+mn-lt"/>
+                <a:ea typeface="+mn-ea"/>
+                <a:cs typeface="+mn-cs"/>
+              </a:defRPr>
+            </a:lvl2pPr>
+            <a:lvl3pPr marL="1143000" indent="-228600" algn="l" defTabSz="457200" rtl="0" eaLnBrk="1" latinLnBrk="0" hangingPunct="1">
+              <a:spcBef>
+                <a:spcPts val="1000"/>
+              </a:spcBef>
+              <a:spcAft>
+                <a:spcPts val="0"/>
+              </a:spcAft>
+              <a:buClr>
+                <a:schemeClr val="accent1"/>
+              </a:buClr>
+              <a:buSzPct val="80000"/>
+              <a:buFont typeface="Wingdings 3" charset="2"/>
+              <a:buChar char=""/>
+              <a:defRPr sz="1400" kern="1200">
+                <a:solidFill>
+                  <a:schemeClr val="tx1">
+                    <a:lumMod val="75000"/>
+                    <a:lumOff val="25000"/>
+                  </a:schemeClr>
+                </a:solidFill>
+                <a:latin typeface="+mn-lt"/>
+                <a:ea typeface="+mn-ea"/>
+                <a:cs typeface="+mn-cs"/>
+              </a:defRPr>
+            </a:lvl3pPr>
+            <a:lvl4pPr marL="1600200" indent="-228600" algn="l" defTabSz="457200" rtl="0" eaLnBrk="1" latinLnBrk="0" hangingPunct="1">
+              <a:spcBef>
+                <a:spcPts val="1000"/>
+              </a:spcBef>
+              <a:spcAft>
+                <a:spcPts val="0"/>
+              </a:spcAft>
+              <a:buClr>
+                <a:schemeClr val="accent1"/>
+              </a:buClr>
+              <a:buSzPct val="80000"/>
+              <a:buFont typeface="Wingdings 3" charset="2"/>
+              <a:buChar char=""/>
+              <a:defRPr sz="1200" kern="1200">
+                <a:solidFill>
+                  <a:schemeClr val="tx1">
+                    <a:lumMod val="75000"/>
+                    <a:lumOff val="25000"/>
+                  </a:schemeClr>
+                </a:solidFill>
+                <a:latin typeface="+mn-lt"/>
+                <a:ea typeface="+mn-ea"/>
+                <a:cs typeface="+mn-cs"/>
+              </a:defRPr>
+            </a:lvl4pPr>
+            <a:lvl5pPr marL="2057400" indent="-228600" algn="l" defTabSz="457200" rtl="0" eaLnBrk="1" latinLnBrk="0" hangingPunct="1">
+              <a:spcBef>
+                <a:spcPts val="1000"/>
+              </a:spcBef>
+              <a:spcAft>
+                <a:spcPts val="0"/>
+              </a:spcAft>
+              <a:buClr>
+                <a:schemeClr val="accent1"/>
+              </a:buClr>
+              <a:buSzPct val="80000"/>
+              <a:buFont typeface="Wingdings 3" charset="2"/>
+              <a:buChar char=""/>
+              <a:defRPr sz="1200" kern="1200">
+                <a:solidFill>
+                  <a:schemeClr val="tx1">
+                    <a:lumMod val="75000"/>
+                    <a:lumOff val="25000"/>
+                  </a:schemeClr>
+                </a:solidFill>
+                <a:latin typeface="+mn-lt"/>
+                <a:ea typeface="+mn-ea"/>
+                <a:cs typeface="+mn-cs"/>
+              </a:defRPr>
+            </a:lvl5pPr>
+            <a:lvl6pPr marL="2514600" indent="-228600" algn="l" defTabSz="457200" rtl="0" eaLnBrk="1" latinLnBrk="0" hangingPunct="1">
+              <a:spcBef>
+                <a:spcPts val="1000"/>
+              </a:spcBef>
+              <a:spcAft>
+                <a:spcPts val="0"/>
+              </a:spcAft>
+              <a:buClr>
+                <a:schemeClr val="accent1"/>
+              </a:buClr>
+              <a:buSzPct val="80000"/>
+              <a:buFont typeface="Wingdings 3" charset="2"/>
+              <a:buChar char=""/>
+              <a:defRPr sz="1200" kern="1200">
+                <a:solidFill>
+                  <a:schemeClr val="tx1">
+                    <a:lumMod val="75000"/>
+                    <a:lumOff val="25000"/>
+                  </a:schemeClr>
+                </a:solidFill>
+                <a:latin typeface="+mn-lt"/>
+                <a:ea typeface="+mn-ea"/>
+                <a:cs typeface="+mn-cs"/>
+              </a:defRPr>
+            </a:lvl6pPr>
+            <a:lvl7pPr marL="2971800" indent="-228600" algn="l" defTabSz="457200" rtl="0" eaLnBrk="1" latinLnBrk="0" hangingPunct="1">
+              <a:spcBef>
+                <a:spcPts val="1000"/>
+              </a:spcBef>
+              <a:spcAft>
+                <a:spcPts val="0"/>
+              </a:spcAft>
+              <a:buClr>
+                <a:schemeClr val="accent1"/>
+              </a:buClr>
+              <a:buSzPct val="80000"/>
+              <a:buFont typeface="Wingdings 3" charset="2"/>
+              <a:buChar char=""/>
+              <a:defRPr sz="1200" kern="1200">
+                <a:solidFill>
+                  <a:schemeClr val="tx1">
+                    <a:lumMod val="75000"/>
+                    <a:lumOff val="25000"/>
+                  </a:schemeClr>
+                </a:solidFill>
+                <a:latin typeface="+mn-lt"/>
+                <a:ea typeface="+mn-ea"/>
+                <a:cs typeface="+mn-cs"/>
+              </a:defRPr>
+            </a:lvl7pPr>
+            <a:lvl8pPr marL="3429000" indent="-228600" algn="l" defTabSz="457200" rtl="0" eaLnBrk="1" latinLnBrk="0" hangingPunct="1">
+              <a:spcBef>
+                <a:spcPts val="1000"/>
+              </a:spcBef>
+              <a:spcAft>
+                <a:spcPts val="0"/>
+              </a:spcAft>
+              <a:buClr>
+                <a:schemeClr val="accent1"/>
+              </a:buClr>
+              <a:buSzPct val="80000"/>
+              <a:buFont typeface="Wingdings 3" charset="2"/>
+              <a:buChar char=""/>
+              <a:defRPr sz="1200" kern="1200">
+                <a:solidFill>
+                  <a:schemeClr val="tx1">
+                    <a:lumMod val="75000"/>
+                    <a:lumOff val="25000"/>
+                  </a:schemeClr>
+                </a:solidFill>
+                <a:latin typeface="+mn-lt"/>
+                <a:ea typeface="+mn-ea"/>
+                <a:cs typeface="+mn-cs"/>
+              </a:defRPr>
+            </a:lvl8pPr>
+            <a:lvl9pPr marL="3886200" indent="-228600" algn="l" defTabSz="457200" rtl="0" eaLnBrk="1" latinLnBrk="0" hangingPunct="1">
+              <a:spcBef>
+                <a:spcPts val="1000"/>
+              </a:spcBef>
+              <a:spcAft>
+                <a:spcPts val="0"/>
+              </a:spcAft>
+              <a:buClr>
+                <a:schemeClr val="accent1"/>
+              </a:buClr>
+              <a:buSzPct val="80000"/>
+              <a:buFont typeface="Wingdings 3" charset="2"/>
+              <a:buChar char=""/>
+              <a:defRPr sz="1200" kern="1200">
+                <a:solidFill>
+                  <a:schemeClr val="tx1">
+                    <a:lumMod val="75000"/>
+                    <a:lumOff val="25000"/>
+                  </a:schemeClr>
+                </a:solidFill>
+                <a:latin typeface="+mn-lt"/>
+                <a:ea typeface="+mn-ea"/>
+                <a:cs typeface="+mn-cs"/>
+              </a:defRPr>
+            </a:lvl9pPr>
+          </a:lstStyle>
+          <a:p>
+            <a:r>
+              <a:rPr lang="en-US" b="1" dirty="0"/>
+              <a:t>Large Majority of sessions occur near a “Special DAY”</a:t>
+            </a:r>
+          </a:p>
+          <a:p>
+            <a:endParaRPr lang="en-US" b="1" dirty="0"/>
+          </a:p>
+          <a:p>
+            <a:pPr marL="0" indent="0">
+              <a:buNone/>
+            </a:pPr>
+            <a:endParaRPr lang="en-US" b="1" dirty="0"/>
+          </a:p>
+          <a:p>
+            <a:endParaRPr lang="en-US" b="1" dirty="0"/>
+          </a:p>
+          <a:p>
+            <a:endParaRPr lang="en-US" b="1" dirty="0"/>
+          </a:p>
+          <a:p>
+            <a:pPr lvl="1"/>
+            <a:endParaRPr lang="en-US" dirty="0"/>
+          </a:p>
+          <a:p>
+            <a:pPr lvl="2"/>
+            <a:endParaRPr lang="en-US" dirty="0"/>
+          </a:p>
+          <a:p>
+            <a:pPr lvl="1"/>
+            <a:endParaRPr lang="en-US" dirty="0"/>
+          </a:p>
+          <a:p>
+            <a:pPr lvl="2"/>
+            <a:endParaRPr lang="en-US" dirty="0"/>
+          </a:p>
+          <a:p>
+            <a:endParaRPr lang="en-US" dirty="0"/>
+          </a:p>
+        </p:txBody>
+      </p:sp>
+      <p:pic>
+        <p:nvPicPr>
+          <p:cNvPr id="3074" name="Picture 2">
+            <a:extLst>
+              <a:ext uri="{FF2B5EF4-FFF2-40B4-BE49-F238E27FC236}">
+                <a16:creationId xmlns:a16="http://schemas.microsoft.com/office/drawing/2014/main" id="{526ECB5C-8E14-42A5-8186-2AAD6F54BB3C}"/>
+              </a:ext>
+            </a:extLst>
+          </p:cNvPr>
+          <p:cNvPicPr>
+            <a:picLocks noChangeAspect="1" noChangeArrowheads="1"/>
+          </p:cNvPicPr>
+          <p:nvPr/>
+        </p:nvPicPr>
+        <p:blipFill>
+          <a:blip r:embed="rId2">
+            <a:extLst>
+              <a:ext uri="{28A0092B-C50C-407E-A947-70E740481C1C}">
+                <a14:useLocalDpi xmlns:a14="http://schemas.microsoft.com/office/drawing/2010/main" val="0"/>
+              </a:ext>
+            </a:extLst>
+          </a:blip>
+          <a:srcRect/>
+          <a:stretch>
+            <a:fillRect/>
+          </a:stretch>
+        </p:blipFill>
+        <p:spPr bwMode="auto">
+          <a:xfrm>
+            <a:off x="611583" y="1999292"/>
+            <a:ext cx="3873349" cy="2468662"/>
+          </a:xfrm>
+          <a:prstGeom prst="rect">
+            <a:avLst/>
+          </a:prstGeom>
+          <a:solidFill>
+            <a:schemeClr val="bg1"/>
+          </a:solidFill>
+          <a:ln>
+            <a:solidFill>
+              <a:schemeClr val="tx2"/>
+            </a:solidFill>
+          </a:ln>
+        </p:spPr>
+      </p:pic>
+      <p:pic>
+        <p:nvPicPr>
+          <p:cNvPr id="3076" name="Picture 4">
+            <a:extLst>
+              <a:ext uri="{FF2B5EF4-FFF2-40B4-BE49-F238E27FC236}">
+                <a16:creationId xmlns:a16="http://schemas.microsoft.com/office/drawing/2014/main" id="{2EB6FFC4-A852-4AD7-987B-0B4F281D6491}"/>
+              </a:ext>
+            </a:extLst>
+          </p:cNvPr>
+          <p:cNvPicPr>
+            <a:picLocks noChangeAspect="1" noChangeArrowheads="1"/>
+          </p:cNvPicPr>
+          <p:nvPr/>
+        </p:nvPicPr>
+        <p:blipFill rotWithShape="1">
+          <a:blip r:embed="rId3">
+            <a:extLst>
+              <a:ext uri="{28A0092B-C50C-407E-A947-70E740481C1C}">
+                <a14:useLocalDpi xmlns:a14="http://schemas.microsoft.com/office/drawing/2010/main" val="0"/>
+              </a:ext>
+            </a:extLst>
+          </a:blip>
+          <a:srcRect r="46897"/>
+          <a:stretch/>
+        </p:blipFill>
+        <p:spPr bwMode="auto">
+          <a:xfrm>
+            <a:off x="5604416" y="1541071"/>
+            <a:ext cx="3669586" cy="3577253"/>
+          </a:xfrm>
+          <a:prstGeom prst="rect">
+            <a:avLst/>
+          </a:prstGeom>
+          <a:solidFill>
+            <a:schemeClr val="bg1"/>
+          </a:solidFill>
+          <a:ln>
+            <a:solidFill>
+              <a:schemeClr val="tx2"/>
+            </a:solidFill>
+          </a:ln>
+        </p:spPr>
+      </p:pic>
+    </p:spTree>
+    <p:extLst>
+      <p:ext uri="{BB962C8B-B14F-4D97-AF65-F5344CB8AC3E}">
+        <p14:creationId xmlns:p14="http://schemas.microsoft.com/office/powerpoint/2010/main" val="3953036241"/>
+      </p:ext>
+    </p:extLst>
+  </p:cSld>
+  <p:clrMapOvr>
+    <a:masterClrMapping/>
+  </p:clrMapOvr>
+</p:sld>
+</file>
+
+<file path=ppt/slides/slide7.xml><?xml version="1.0" encoding="utf-8"?>
+<p:sld xmlns:a="http://schemas.openxmlformats.org/drawingml/2006/main" xmlns:r="http://schemas.openxmlformats.org/officeDocument/2006/relationships" xmlns:p="http://schemas.openxmlformats.org/presentationml/2006/main">
+  <p:cSld>
+    <p:spTree>
+      <p:nvGrpSpPr>
+        <p:cNvPr id="1" name=""/>
+        <p:cNvGrpSpPr/>
+        <p:nvPr/>
+      </p:nvGrpSpPr>
+      <p:grpSpPr>
+        <a:xfrm>
+          <a:off x="0" y="0"/>
+          <a:ext cx="0" cy="0"/>
+          <a:chOff x="0" y="0"/>
+          <a:chExt cx="0" cy="0"/>
+        </a:xfrm>
+      </p:grpSpPr>
+      <p:sp>
+        <p:nvSpPr>
+          <p:cNvPr id="2" name="Title 1">
+            <a:extLst>
+              <a:ext uri="{FF2B5EF4-FFF2-40B4-BE49-F238E27FC236}">
+                <a16:creationId xmlns:a16="http://schemas.microsoft.com/office/drawing/2014/main" id="{7703E13A-577C-443E-B879-477EB01C7C2B}"/>
+              </a:ext>
+            </a:extLst>
+          </p:cNvPr>
+          <p:cNvSpPr>
+            <a:spLocks noGrp="1"/>
+          </p:cNvSpPr>
+          <p:nvPr>
+            <p:ph type="title"/>
+          </p:nvPr>
+        </p:nvSpPr>
+        <p:spPr>
+          <a:xfrm>
+            <a:off x="677334" y="377688"/>
+            <a:ext cx="8596668" cy="896573"/>
+          </a:xfrm>
+        </p:spPr>
+        <p:txBody>
+          <a:bodyPr>
+            <a:normAutofit fontScale="90000"/>
+          </a:bodyPr>
+          <a:lstStyle/>
+          <a:p>
+            <a:r>
+              <a:rPr lang="en-US" sz="5400" dirty="0"/>
+              <a:t>Exploratory Analysis</a:t>
+            </a:r>
+          </a:p>
+        </p:txBody>
+      </p:sp>
+      <p:sp>
+        <p:nvSpPr>
+          <p:cNvPr id="7" name="Content Placeholder 2">
+            <a:extLst>
+              <a:ext uri="{FF2B5EF4-FFF2-40B4-BE49-F238E27FC236}">
+                <a16:creationId xmlns:a16="http://schemas.microsoft.com/office/drawing/2014/main" id="{21769EF2-EB22-412F-A3E3-ECD218656C61}"/>
+              </a:ext>
+            </a:extLst>
+          </p:cNvPr>
+          <p:cNvSpPr txBox="1">
+            <a:spLocks/>
+          </p:cNvSpPr>
+          <p:nvPr/>
+        </p:nvSpPr>
+        <p:spPr>
+          <a:xfrm>
+            <a:off x="299647" y="1649897"/>
+            <a:ext cx="5140370" cy="1391478"/>
+          </a:xfrm>
+          <a:prstGeom prst="rect">
+            <a:avLst/>
+          </a:prstGeom>
+        </p:spPr>
+        <p:txBody>
+          <a:bodyPr vert="horz" lIns="91440" tIns="45720" rIns="91440" bIns="45720" rtlCol="0">
+            <a:normAutofit fontScale="92500" lnSpcReduction="20000"/>
+          </a:bodyPr>
+          <a:lstStyle>
+            <a:lvl1pPr marL="342900" indent="-342900" algn="l" defTabSz="457200" rtl="0" eaLnBrk="1" latinLnBrk="0" hangingPunct="1">
+              <a:spcBef>
+                <a:spcPts val="1000"/>
+              </a:spcBef>
+              <a:spcAft>
+                <a:spcPts val="0"/>
+              </a:spcAft>
+              <a:buClr>
+                <a:schemeClr val="accent1"/>
+              </a:buClr>
+              <a:buSzPct val="80000"/>
+              <a:buFont typeface="Wingdings 3" charset="2"/>
+              <a:buChar char=""/>
+              <a:defRPr sz="1800" kern="1200">
+                <a:solidFill>
+                  <a:schemeClr val="tx1">
+                    <a:lumMod val="75000"/>
+                    <a:lumOff val="25000"/>
+                  </a:schemeClr>
+                </a:solidFill>
+                <a:latin typeface="+mn-lt"/>
+                <a:ea typeface="+mn-ea"/>
+                <a:cs typeface="+mn-cs"/>
+              </a:defRPr>
+            </a:lvl1pPr>
+            <a:lvl2pPr marL="742950" indent="-285750" algn="l" defTabSz="457200" rtl="0" eaLnBrk="1" latinLnBrk="0" hangingPunct="1">
+              <a:spcBef>
+                <a:spcPts val="1000"/>
+              </a:spcBef>
+              <a:spcAft>
+                <a:spcPts val="0"/>
+              </a:spcAft>
+              <a:buClr>
+                <a:schemeClr val="accent1"/>
+              </a:buClr>
+              <a:buSzPct val="80000"/>
+              <a:buFont typeface="Wingdings 3" charset="2"/>
+              <a:buChar char=""/>
+              <a:defRPr sz="1600" kern="1200">
+                <a:solidFill>
+                  <a:schemeClr val="tx1">
+                    <a:lumMod val="75000"/>
+                    <a:lumOff val="25000"/>
+                  </a:schemeClr>
+                </a:solidFill>
+                <a:latin typeface="+mn-lt"/>
+                <a:ea typeface="+mn-ea"/>
+                <a:cs typeface="+mn-cs"/>
+              </a:defRPr>
+            </a:lvl2pPr>
+            <a:lvl3pPr marL="1143000" indent="-228600" algn="l" defTabSz="457200" rtl="0" eaLnBrk="1" latinLnBrk="0" hangingPunct="1">
+              <a:spcBef>
+                <a:spcPts val="1000"/>
+              </a:spcBef>
+              <a:spcAft>
+                <a:spcPts val="0"/>
+              </a:spcAft>
+              <a:buClr>
+                <a:schemeClr val="accent1"/>
+              </a:buClr>
+              <a:buSzPct val="80000"/>
+              <a:buFont typeface="Wingdings 3" charset="2"/>
+              <a:buChar char=""/>
+              <a:defRPr sz="1400" kern="1200">
+                <a:solidFill>
+                  <a:schemeClr val="tx1">
+                    <a:lumMod val="75000"/>
+                    <a:lumOff val="25000"/>
+                  </a:schemeClr>
+                </a:solidFill>
+                <a:latin typeface="+mn-lt"/>
+                <a:ea typeface="+mn-ea"/>
+                <a:cs typeface="+mn-cs"/>
+              </a:defRPr>
+            </a:lvl3pPr>
+            <a:lvl4pPr marL="1600200" indent="-228600" algn="l" defTabSz="457200" rtl="0" eaLnBrk="1" latinLnBrk="0" hangingPunct="1">
+              <a:spcBef>
+                <a:spcPts val="1000"/>
+              </a:spcBef>
+              <a:spcAft>
+                <a:spcPts val="0"/>
+              </a:spcAft>
+              <a:buClr>
+                <a:schemeClr val="accent1"/>
+              </a:buClr>
+              <a:buSzPct val="80000"/>
+              <a:buFont typeface="Wingdings 3" charset="2"/>
+              <a:buChar char=""/>
+              <a:defRPr sz="1200" kern="1200">
+                <a:solidFill>
+                  <a:schemeClr val="tx1">
+                    <a:lumMod val="75000"/>
+                    <a:lumOff val="25000"/>
+                  </a:schemeClr>
+                </a:solidFill>
+                <a:latin typeface="+mn-lt"/>
+                <a:ea typeface="+mn-ea"/>
+                <a:cs typeface="+mn-cs"/>
+              </a:defRPr>
+            </a:lvl4pPr>
+            <a:lvl5pPr marL="2057400" indent="-228600" algn="l" defTabSz="457200" rtl="0" eaLnBrk="1" latinLnBrk="0" hangingPunct="1">
+              <a:spcBef>
+                <a:spcPts val="1000"/>
+              </a:spcBef>
+              <a:spcAft>
+                <a:spcPts val="0"/>
+              </a:spcAft>
+              <a:buClr>
+                <a:schemeClr val="accent1"/>
+              </a:buClr>
+              <a:buSzPct val="80000"/>
+              <a:buFont typeface="Wingdings 3" charset="2"/>
+              <a:buChar char=""/>
+              <a:defRPr sz="1200" kern="1200">
+                <a:solidFill>
+                  <a:schemeClr val="tx1">
+                    <a:lumMod val="75000"/>
+                    <a:lumOff val="25000"/>
+                  </a:schemeClr>
+                </a:solidFill>
+                <a:latin typeface="+mn-lt"/>
+                <a:ea typeface="+mn-ea"/>
+                <a:cs typeface="+mn-cs"/>
+              </a:defRPr>
+            </a:lvl5pPr>
+            <a:lvl6pPr marL="2514600" indent="-228600" algn="l" defTabSz="457200" rtl="0" eaLnBrk="1" latinLnBrk="0" hangingPunct="1">
+              <a:spcBef>
+                <a:spcPts val="1000"/>
+              </a:spcBef>
+              <a:spcAft>
+                <a:spcPts val="0"/>
+              </a:spcAft>
+              <a:buClr>
+                <a:schemeClr val="accent1"/>
+              </a:buClr>
+              <a:buSzPct val="80000"/>
+              <a:buFont typeface="Wingdings 3" charset="2"/>
+              <a:buChar char=""/>
+              <a:defRPr sz="1200" kern="1200">
+                <a:solidFill>
+                  <a:schemeClr val="tx1">
+                    <a:lumMod val="75000"/>
+                    <a:lumOff val="25000"/>
+                  </a:schemeClr>
+                </a:solidFill>
+                <a:latin typeface="+mn-lt"/>
+                <a:ea typeface="+mn-ea"/>
+                <a:cs typeface="+mn-cs"/>
+              </a:defRPr>
+            </a:lvl6pPr>
+            <a:lvl7pPr marL="2971800" indent="-228600" algn="l" defTabSz="457200" rtl="0" eaLnBrk="1" latinLnBrk="0" hangingPunct="1">
+              <a:spcBef>
+                <a:spcPts val="1000"/>
+              </a:spcBef>
+              <a:spcAft>
+                <a:spcPts val="0"/>
+              </a:spcAft>
+              <a:buClr>
+                <a:schemeClr val="accent1"/>
+              </a:buClr>
+              <a:buSzPct val="80000"/>
+              <a:buFont typeface="Wingdings 3" charset="2"/>
+              <a:buChar char=""/>
+              <a:defRPr sz="1200" kern="1200">
+                <a:solidFill>
+                  <a:schemeClr val="tx1">
+                    <a:lumMod val="75000"/>
+                    <a:lumOff val="25000"/>
+                  </a:schemeClr>
+                </a:solidFill>
+                <a:latin typeface="+mn-lt"/>
+                <a:ea typeface="+mn-ea"/>
+                <a:cs typeface="+mn-cs"/>
+              </a:defRPr>
+            </a:lvl7pPr>
+            <a:lvl8pPr marL="3429000" indent="-228600" algn="l" defTabSz="457200" rtl="0" eaLnBrk="1" latinLnBrk="0" hangingPunct="1">
+              <a:spcBef>
+                <a:spcPts val="1000"/>
+              </a:spcBef>
+              <a:spcAft>
+                <a:spcPts val="0"/>
+              </a:spcAft>
+              <a:buClr>
+                <a:schemeClr val="accent1"/>
+              </a:buClr>
+              <a:buSzPct val="80000"/>
+              <a:buFont typeface="Wingdings 3" charset="2"/>
+              <a:buChar char=""/>
+              <a:defRPr sz="1200" kern="1200">
+                <a:solidFill>
+                  <a:schemeClr val="tx1">
+                    <a:lumMod val="75000"/>
+                    <a:lumOff val="25000"/>
+                  </a:schemeClr>
+                </a:solidFill>
+                <a:latin typeface="+mn-lt"/>
+                <a:ea typeface="+mn-ea"/>
+                <a:cs typeface="+mn-cs"/>
+              </a:defRPr>
+            </a:lvl8pPr>
+            <a:lvl9pPr marL="3886200" indent="-228600" algn="l" defTabSz="457200" rtl="0" eaLnBrk="1" latinLnBrk="0" hangingPunct="1">
+              <a:spcBef>
+                <a:spcPts val="1000"/>
+              </a:spcBef>
+              <a:spcAft>
+                <a:spcPts val="0"/>
+              </a:spcAft>
+              <a:buClr>
+                <a:schemeClr val="accent1"/>
+              </a:buClr>
+              <a:buSzPct val="80000"/>
+              <a:buFont typeface="Wingdings 3" charset="2"/>
+              <a:buChar char=""/>
+              <a:defRPr sz="1200" kern="1200">
+                <a:solidFill>
+                  <a:schemeClr val="tx1">
+                    <a:lumMod val="75000"/>
+                    <a:lumOff val="25000"/>
+                  </a:schemeClr>
+                </a:solidFill>
+                <a:latin typeface="+mn-lt"/>
+                <a:ea typeface="+mn-ea"/>
+                <a:cs typeface="+mn-cs"/>
+              </a:defRPr>
+            </a:lvl9pPr>
+          </a:lstStyle>
+          <a:p>
+            <a:r>
+              <a:rPr lang="en-US" sz="1700" b="1" dirty="0"/>
+              <a:t>Google analytics features appear to have largest correlation with outcome of sessions</a:t>
+            </a:r>
+          </a:p>
+          <a:p>
+            <a:pPr lvl="1"/>
+            <a:r>
+              <a:rPr lang="en-US" sz="1500" b="1" dirty="0">
+                <a:solidFill>
+                  <a:schemeClr val="tx1"/>
+                </a:solidFill>
+                <a:effectLst/>
+              </a:rPr>
+              <a:t>Page Values (positive/moderate)</a:t>
+            </a:r>
+          </a:p>
+          <a:p>
+            <a:pPr lvl="1"/>
+            <a:r>
+              <a:rPr lang="en-US" sz="1500" b="1" dirty="0">
+                <a:solidFill>
+                  <a:schemeClr val="tx1"/>
+                </a:solidFill>
+                <a:effectLst/>
+              </a:rPr>
+              <a:t>Exit Rate (negative/weak)</a:t>
+            </a:r>
+          </a:p>
+          <a:p>
+            <a:pPr lvl="1"/>
+            <a:r>
+              <a:rPr lang="en-US" sz="1500" b="1" dirty="0">
+                <a:solidFill>
+                  <a:schemeClr val="tx1"/>
+                </a:solidFill>
+                <a:effectLst/>
+              </a:rPr>
+              <a:t>Bounce Rates (negative/weak)</a:t>
+            </a:r>
+          </a:p>
+          <a:p>
+            <a:pPr lvl="1"/>
+            <a:endParaRPr lang="en-US" sz="1200" b="1" dirty="0"/>
+          </a:p>
+          <a:p>
+            <a:pPr lvl="1"/>
+            <a:endParaRPr lang="en-US" b="1" dirty="0"/>
+          </a:p>
+          <a:p>
+            <a:endParaRPr lang="en-US" b="1" dirty="0"/>
+          </a:p>
+          <a:p>
+            <a:pPr marL="0" indent="0">
+              <a:buNone/>
+            </a:pPr>
+            <a:endParaRPr lang="en-US" b="1" dirty="0"/>
+          </a:p>
+          <a:p>
+            <a:endParaRPr lang="en-US" b="1" dirty="0"/>
+          </a:p>
+          <a:p>
+            <a:endParaRPr lang="en-US" b="1" dirty="0"/>
+          </a:p>
+          <a:p>
+            <a:pPr lvl="1"/>
+            <a:endParaRPr lang="en-US" dirty="0"/>
+          </a:p>
+          <a:p>
+            <a:pPr lvl="2"/>
+            <a:endParaRPr lang="en-US" dirty="0"/>
+          </a:p>
+          <a:p>
+            <a:pPr lvl="1"/>
+            <a:endParaRPr lang="en-US" dirty="0"/>
+          </a:p>
+          <a:p>
+            <a:pPr lvl="2"/>
+            <a:endParaRPr lang="en-US" dirty="0"/>
+          </a:p>
+          <a:p>
+            <a:endParaRPr lang="en-US" dirty="0"/>
+          </a:p>
+        </p:txBody>
+      </p:sp>
+      <p:pic>
+        <p:nvPicPr>
+          <p:cNvPr id="5122" name="Picture 2">
+            <a:extLst>
+              <a:ext uri="{FF2B5EF4-FFF2-40B4-BE49-F238E27FC236}">
+                <a16:creationId xmlns:a16="http://schemas.microsoft.com/office/drawing/2014/main" id="{0F2887E4-13B9-4CF9-827B-6C3DD69BCEC7}"/>
+              </a:ext>
+            </a:extLst>
+          </p:cNvPr>
+          <p:cNvPicPr>
+            <a:picLocks noChangeAspect="1" noChangeArrowheads="1"/>
+          </p:cNvPicPr>
+          <p:nvPr/>
+        </p:nvPicPr>
+        <p:blipFill>
+          <a:blip r:embed="rId2">
+            <a:extLst>
+              <a:ext uri="{28A0092B-C50C-407E-A947-70E740481C1C}">
+                <a14:useLocalDpi xmlns:a14="http://schemas.microsoft.com/office/drawing/2010/main" val="0"/>
+              </a:ext>
+            </a:extLst>
+          </a:blip>
+          <a:srcRect/>
+          <a:stretch>
+            <a:fillRect/>
+          </a:stretch>
+        </p:blipFill>
+        <p:spPr bwMode="auto">
+          <a:xfrm>
+            <a:off x="6459840" y="1038009"/>
+            <a:ext cx="5432513" cy="5597056"/>
+          </a:xfrm>
+          <a:prstGeom prst="rect">
+            <a:avLst/>
+          </a:prstGeom>
+          <a:solidFill>
+            <a:schemeClr val="bg1"/>
+          </a:solidFill>
+          <a:ln>
+            <a:solidFill>
+              <a:schemeClr val="tx2"/>
+            </a:solidFill>
+          </a:ln>
+        </p:spPr>
+      </p:pic>
+      <p:sp>
+        <p:nvSpPr>
+          <p:cNvPr id="3" name="Rectangle 2">
+            <a:extLst>
+              <a:ext uri="{FF2B5EF4-FFF2-40B4-BE49-F238E27FC236}">
+                <a16:creationId xmlns:a16="http://schemas.microsoft.com/office/drawing/2014/main" id="{3C8D3DA1-3F7D-4C15-A6A5-5285304732E8}"/>
+              </a:ext>
+            </a:extLst>
+          </p:cNvPr>
+          <p:cNvSpPr/>
+          <p:nvPr/>
+        </p:nvSpPr>
+        <p:spPr>
+          <a:xfrm>
+            <a:off x="6917635" y="5334000"/>
+            <a:ext cx="4287078" cy="384313"/>
+          </a:xfrm>
+          <a:prstGeom prst="rect">
+            <a:avLst/>
+          </a:prstGeom>
+          <a:noFill/>
+          <a:ln w="31750"/>
+        </p:spPr>
+        <p:style>
+          <a:lnRef idx="2">
+            <a:schemeClr val="accent1">
+              <a:shade val="50000"/>
+            </a:schemeClr>
+          </a:lnRef>
+          <a:fillRef idx="1">
+            <a:schemeClr val="accent1"/>
+          </a:fillRef>
+          <a:effectRef idx="0">
+            <a:schemeClr val="accent1"/>
+          </a:effectRef>
+          <a:fontRef idx="minor">
+            <a:schemeClr val="lt1"/>
+          </a:fontRef>
+        </p:style>
+        <p:txBody>
+          <a:bodyPr rtlCol="0" anchor="ctr"/>
+          <a:lstStyle/>
+          <a:p>
+            <a:pPr algn="ctr"/>
+            <a:endParaRPr lang="en-US"/>
+          </a:p>
+        </p:txBody>
+      </p:sp>
+      <p:sp>
+        <p:nvSpPr>
+          <p:cNvPr id="9" name="Rectangle 8">
+            <a:extLst>
+              <a:ext uri="{FF2B5EF4-FFF2-40B4-BE49-F238E27FC236}">
+                <a16:creationId xmlns:a16="http://schemas.microsoft.com/office/drawing/2014/main" id="{0E477F72-E8C5-4293-8A0A-8DE30A5FF377}"/>
+              </a:ext>
+            </a:extLst>
+          </p:cNvPr>
+          <p:cNvSpPr/>
+          <p:nvPr/>
+        </p:nvSpPr>
+        <p:spPr>
+          <a:xfrm>
+            <a:off x="8825947" y="5334000"/>
+            <a:ext cx="715617" cy="896573"/>
+          </a:xfrm>
+          <a:prstGeom prst="rect">
+            <a:avLst/>
+          </a:prstGeom>
+          <a:noFill/>
+          <a:ln w="31750">
+            <a:solidFill>
+              <a:srgbClr val="C00000"/>
+            </a:solidFill>
+          </a:ln>
+        </p:spPr>
+        <p:style>
+          <a:lnRef idx="2">
+            <a:schemeClr val="accent1">
+              <a:shade val="50000"/>
+            </a:schemeClr>
+          </a:lnRef>
+          <a:fillRef idx="1">
+            <a:schemeClr val="accent1"/>
+          </a:fillRef>
+          <a:effectRef idx="0">
+            <a:schemeClr val="accent1"/>
+          </a:effectRef>
+          <a:fontRef idx="minor">
+            <a:schemeClr val="lt1"/>
+          </a:fontRef>
+        </p:style>
+        <p:txBody>
+          <a:bodyPr rtlCol="0" anchor="ctr"/>
+          <a:lstStyle/>
+          <a:p>
+            <a:pPr algn="ctr"/>
+            <a:endParaRPr lang="en-US"/>
+          </a:p>
+        </p:txBody>
+      </p:sp>
+    </p:spTree>
+    <p:extLst>
+      <p:ext uri="{BB962C8B-B14F-4D97-AF65-F5344CB8AC3E}">
+        <p14:creationId xmlns:p14="http://schemas.microsoft.com/office/powerpoint/2010/main" val="3385417349"/>
+      </p:ext>
+    </p:extLst>
+  </p:cSld>
+  <p:clrMapOvr>
+    <a:masterClrMapping/>
+  </p:clrMapOvr>
+</p:sld>
+</file>
+
+<file path=ppt/slides/slide8.xml><?xml version="1.0" encoding="utf-8"?>
+<p:sld xmlns:a="http://schemas.openxmlformats.org/drawingml/2006/main" xmlns:r="http://schemas.openxmlformats.org/officeDocument/2006/relationships" xmlns:p="http://schemas.openxmlformats.org/presentationml/2006/main">
+  <p:cSld>
+    <p:spTree>
+      <p:nvGrpSpPr>
+        <p:cNvPr id="1" name=""/>
+        <p:cNvGrpSpPr/>
+        <p:nvPr/>
+      </p:nvGrpSpPr>
+      <p:grpSpPr>
+        <a:xfrm>
+          <a:off x="0" y="0"/>
+          <a:ext cx="0" cy="0"/>
+          <a:chOff x="0" y="0"/>
+          <a:chExt cx="0" cy="0"/>
+        </a:xfrm>
+      </p:grpSpPr>
+      <p:sp>
+        <p:nvSpPr>
+          <p:cNvPr id="2" name="Title 1">
+            <a:extLst>
+              <a:ext uri="{FF2B5EF4-FFF2-40B4-BE49-F238E27FC236}">
+                <a16:creationId xmlns:a16="http://schemas.microsoft.com/office/drawing/2014/main" id="{7703E13A-577C-443E-B879-477EB01C7C2B}"/>
+              </a:ext>
+            </a:extLst>
+          </p:cNvPr>
+          <p:cNvSpPr>
+            <a:spLocks noGrp="1"/>
+          </p:cNvSpPr>
+          <p:nvPr>
+            <p:ph type="title"/>
+          </p:nvPr>
+        </p:nvSpPr>
+        <p:spPr>
+          <a:xfrm>
+            <a:off x="677334" y="377688"/>
+            <a:ext cx="8596668" cy="896573"/>
+          </a:xfrm>
+        </p:spPr>
+        <p:txBody>
+          <a:bodyPr>
+            <a:normAutofit fontScale="90000"/>
+          </a:bodyPr>
+          <a:lstStyle/>
+          <a:p>
+            <a:r>
+              <a:rPr lang="en-US" sz="5400" dirty="0"/>
+              <a:t>Customer Segmentation</a:t>
+            </a:r>
+          </a:p>
+        </p:txBody>
+      </p:sp>
+      <p:sp>
+        <p:nvSpPr>
+          <p:cNvPr id="7" name="Content Placeholder 2">
+            <a:extLst>
+              <a:ext uri="{FF2B5EF4-FFF2-40B4-BE49-F238E27FC236}">
+                <a16:creationId xmlns:a16="http://schemas.microsoft.com/office/drawing/2014/main" id="{21769EF2-EB22-412F-A3E3-ECD218656C61}"/>
+              </a:ext>
+            </a:extLst>
+          </p:cNvPr>
+          <p:cNvSpPr txBox="1">
+            <a:spLocks/>
+          </p:cNvSpPr>
+          <p:nvPr/>
+        </p:nvSpPr>
+        <p:spPr>
+          <a:xfrm>
+            <a:off x="556591" y="1417983"/>
+            <a:ext cx="8980917" cy="3858087"/>
+          </a:xfrm>
+          <a:prstGeom prst="rect">
+            <a:avLst/>
+          </a:prstGeom>
+        </p:spPr>
+        <p:txBody>
+          <a:bodyPr vert="horz" lIns="91440" tIns="45720" rIns="91440" bIns="45720" rtlCol="0">
+            <a:normAutofit/>
+          </a:bodyPr>
+          <a:lstStyle>
+            <a:lvl1pPr marL="342900" indent="-342900" algn="l" defTabSz="457200" rtl="0" eaLnBrk="1" latinLnBrk="0" hangingPunct="1">
+              <a:spcBef>
+                <a:spcPts val="1000"/>
+              </a:spcBef>
+              <a:spcAft>
+                <a:spcPts val="0"/>
+              </a:spcAft>
+              <a:buClr>
+                <a:schemeClr val="accent1"/>
+              </a:buClr>
+              <a:buSzPct val="80000"/>
+              <a:buFont typeface="Wingdings 3" charset="2"/>
+              <a:buChar char=""/>
+              <a:defRPr sz="1800" kern="1200">
+                <a:solidFill>
+                  <a:schemeClr val="tx1">
+                    <a:lumMod val="75000"/>
+                    <a:lumOff val="25000"/>
+                  </a:schemeClr>
+                </a:solidFill>
+                <a:latin typeface="+mn-lt"/>
+                <a:ea typeface="+mn-ea"/>
+                <a:cs typeface="+mn-cs"/>
+              </a:defRPr>
+            </a:lvl1pPr>
+            <a:lvl2pPr marL="742950" indent="-285750" algn="l" defTabSz="457200" rtl="0" eaLnBrk="1" latinLnBrk="0" hangingPunct="1">
+              <a:spcBef>
+                <a:spcPts val="1000"/>
+              </a:spcBef>
+              <a:spcAft>
+                <a:spcPts val="0"/>
+              </a:spcAft>
+              <a:buClr>
+                <a:schemeClr val="accent1"/>
+              </a:buClr>
+              <a:buSzPct val="80000"/>
+              <a:buFont typeface="Wingdings 3" charset="2"/>
+              <a:buChar char=""/>
+              <a:defRPr sz="1600" kern="1200">
+                <a:solidFill>
+                  <a:schemeClr val="tx1">
+                    <a:lumMod val="75000"/>
+                    <a:lumOff val="25000"/>
+                  </a:schemeClr>
+                </a:solidFill>
+                <a:latin typeface="+mn-lt"/>
+                <a:ea typeface="+mn-ea"/>
+                <a:cs typeface="+mn-cs"/>
+              </a:defRPr>
+            </a:lvl2pPr>
+            <a:lvl3pPr marL="1143000" indent="-228600" algn="l" defTabSz="457200" rtl="0" eaLnBrk="1" latinLnBrk="0" hangingPunct="1">
+              <a:spcBef>
+                <a:spcPts val="1000"/>
+              </a:spcBef>
+              <a:spcAft>
+                <a:spcPts val="0"/>
+              </a:spcAft>
+              <a:buClr>
+                <a:schemeClr val="accent1"/>
+              </a:buClr>
+              <a:buSzPct val="80000"/>
+              <a:buFont typeface="Wingdings 3" charset="2"/>
+              <a:buChar char=""/>
+              <a:defRPr sz="1400" kern="1200">
+                <a:solidFill>
+                  <a:schemeClr val="tx1">
+                    <a:lumMod val="75000"/>
+                    <a:lumOff val="25000"/>
+                  </a:schemeClr>
+                </a:solidFill>
+                <a:latin typeface="+mn-lt"/>
+                <a:ea typeface="+mn-ea"/>
+                <a:cs typeface="+mn-cs"/>
+              </a:defRPr>
+            </a:lvl3pPr>
+            <a:lvl4pPr marL="1600200" indent="-228600" algn="l" defTabSz="457200" rtl="0" eaLnBrk="1" latinLnBrk="0" hangingPunct="1">
+              <a:spcBef>
+                <a:spcPts val="1000"/>
+              </a:spcBef>
+              <a:spcAft>
+                <a:spcPts val="0"/>
+              </a:spcAft>
+              <a:buClr>
+                <a:schemeClr val="accent1"/>
+              </a:buClr>
+              <a:buSzPct val="80000"/>
+              <a:buFont typeface="Wingdings 3" charset="2"/>
+              <a:buChar char=""/>
+              <a:defRPr sz="1200" kern="1200">
+                <a:solidFill>
+                  <a:schemeClr val="tx1">
+                    <a:lumMod val="75000"/>
+                    <a:lumOff val="25000"/>
+                  </a:schemeClr>
+                </a:solidFill>
+                <a:latin typeface="+mn-lt"/>
+                <a:ea typeface="+mn-ea"/>
+                <a:cs typeface="+mn-cs"/>
+              </a:defRPr>
+            </a:lvl4pPr>
+            <a:lvl5pPr marL="2057400" indent="-228600" algn="l" defTabSz="457200" rtl="0" eaLnBrk="1" latinLnBrk="0" hangingPunct="1">
+              <a:spcBef>
+                <a:spcPts val="1000"/>
+              </a:spcBef>
+              <a:spcAft>
+                <a:spcPts val="0"/>
+              </a:spcAft>
+              <a:buClr>
+                <a:schemeClr val="accent1"/>
+              </a:buClr>
+              <a:buSzPct val="80000"/>
+              <a:buFont typeface="Wingdings 3" charset="2"/>
+              <a:buChar char=""/>
+              <a:defRPr sz="1200" kern="1200">
+                <a:solidFill>
+                  <a:schemeClr val="tx1">
+                    <a:lumMod val="75000"/>
+                    <a:lumOff val="25000"/>
+                  </a:schemeClr>
+                </a:solidFill>
+                <a:latin typeface="+mn-lt"/>
+                <a:ea typeface="+mn-ea"/>
+                <a:cs typeface="+mn-cs"/>
+              </a:defRPr>
+            </a:lvl5pPr>
+            <a:lvl6pPr marL="2514600" indent="-228600" algn="l" defTabSz="457200" rtl="0" eaLnBrk="1" latinLnBrk="0" hangingPunct="1">
+              <a:spcBef>
+                <a:spcPts val="1000"/>
+              </a:spcBef>
+              <a:spcAft>
+                <a:spcPts val="0"/>
+              </a:spcAft>
+              <a:buClr>
+                <a:schemeClr val="accent1"/>
+              </a:buClr>
+              <a:buSzPct val="80000"/>
+              <a:buFont typeface="Wingdings 3" charset="2"/>
+              <a:buChar char=""/>
+              <a:defRPr sz="1200" kern="1200">
+                <a:solidFill>
+                  <a:schemeClr val="tx1">
+                    <a:lumMod val="75000"/>
+                    <a:lumOff val="25000"/>
+                  </a:schemeClr>
+                </a:solidFill>
+                <a:latin typeface="+mn-lt"/>
+                <a:ea typeface="+mn-ea"/>
+                <a:cs typeface="+mn-cs"/>
+              </a:defRPr>
+            </a:lvl6pPr>
+            <a:lvl7pPr marL="2971800" indent="-228600" algn="l" defTabSz="457200" rtl="0" eaLnBrk="1" latinLnBrk="0" hangingPunct="1">
+              <a:spcBef>
+                <a:spcPts val="1000"/>
+              </a:spcBef>
+              <a:spcAft>
+                <a:spcPts val="0"/>
+              </a:spcAft>
+              <a:buClr>
+                <a:schemeClr val="accent1"/>
+              </a:buClr>
+              <a:buSzPct val="80000"/>
+              <a:buFont typeface="Wingdings 3" charset="2"/>
+              <a:buChar char=""/>
+              <a:defRPr sz="1200" kern="1200">
+                <a:solidFill>
+                  <a:schemeClr val="tx1">
+                    <a:lumMod val="75000"/>
+                    <a:lumOff val="25000"/>
+                  </a:schemeClr>
+                </a:solidFill>
+                <a:latin typeface="+mn-lt"/>
+                <a:ea typeface="+mn-ea"/>
+                <a:cs typeface="+mn-cs"/>
+              </a:defRPr>
+            </a:lvl7pPr>
+            <a:lvl8pPr marL="3429000" indent="-228600" algn="l" defTabSz="457200" rtl="0" eaLnBrk="1" latinLnBrk="0" hangingPunct="1">
+              <a:spcBef>
+                <a:spcPts val="1000"/>
+              </a:spcBef>
+              <a:spcAft>
+                <a:spcPts val="0"/>
+              </a:spcAft>
+              <a:buClr>
+                <a:schemeClr val="accent1"/>
+              </a:buClr>
+              <a:buSzPct val="80000"/>
+              <a:buFont typeface="Wingdings 3" charset="2"/>
+              <a:buChar char=""/>
+              <a:defRPr sz="1200" kern="1200">
+                <a:solidFill>
+                  <a:schemeClr val="tx1">
+                    <a:lumMod val="75000"/>
+                    <a:lumOff val="25000"/>
+                  </a:schemeClr>
+                </a:solidFill>
+                <a:latin typeface="+mn-lt"/>
+                <a:ea typeface="+mn-ea"/>
+                <a:cs typeface="+mn-cs"/>
+              </a:defRPr>
+            </a:lvl8pPr>
+            <a:lvl9pPr marL="3886200" indent="-228600" algn="l" defTabSz="457200" rtl="0" eaLnBrk="1" latinLnBrk="0" hangingPunct="1">
+              <a:spcBef>
+                <a:spcPts val="1000"/>
+              </a:spcBef>
+              <a:spcAft>
+                <a:spcPts val="0"/>
+              </a:spcAft>
+              <a:buClr>
+                <a:schemeClr val="accent1"/>
+              </a:buClr>
+              <a:buSzPct val="80000"/>
+              <a:buFont typeface="Wingdings 3" charset="2"/>
+              <a:buChar char=""/>
+              <a:defRPr sz="1200" kern="1200">
+                <a:solidFill>
+                  <a:schemeClr val="tx1">
+                    <a:lumMod val="75000"/>
+                    <a:lumOff val="25000"/>
+                  </a:schemeClr>
+                </a:solidFill>
+                <a:latin typeface="+mn-lt"/>
+                <a:ea typeface="+mn-ea"/>
+                <a:cs typeface="+mn-cs"/>
+              </a:defRPr>
+            </a:lvl9pPr>
+          </a:lstStyle>
+          <a:p>
+            <a:r>
+              <a:rPr lang="en-US" b="1" dirty="0"/>
+              <a:t>Method</a:t>
+            </a:r>
+          </a:p>
+          <a:p>
+            <a:pPr lvl="1"/>
+            <a:r>
+              <a:rPr lang="en-US" b="1" dirty="0"/>
+              <a:t>All columns scaled and encoded</a:t>
+            </a:r>
+          </a:p>
+          <a:p>
+            <a:pPr lvl="1"/>
+            <a:r>
+              <a:rPr lang="en-US" b="1" dirty="0" err="1"/>
+              <a:t>Kmeans</a:t>
+            </a:r>
+            <a:r>
+              <a:rPr lang="en-US" b="1" dirty="0"/>
+              <a:t> cluster method used</a:t>
+            </a:r>
+          </a:p>
+          <a:p>
+            <a:pPr lvl="1"/>
+            <a:r>
+              <a:rPr lang="en-US" b="1" dirty="0"/>
+              <a:t>5 clusters chosen</a:t>
+            </a:r>
+          </a:p>
+          <a:p>
+            <a:pPr lvl="1"/>
+            <a:r>
+              <a:rPr lang="en-US" b="1" dirty="0"/>
+              <a:t>Number of clusters chosen based on </a:t>
+            </a:r>
+          </a:p>
+          <a:p>
+            <a:pPr lvl="2"/>
+            <a:r>
+              <a:rPr lang="en-US" b="1" dirty="0"/>
+              <a:t>inertia </a:t>
+            </a:r>
+          </a:p>
+          <a:p>
+            <a:pPr lvl="2"/>
+            <a:r>
+              <a:rPr lang="en-US" b="1" dirty="0"/>
+              <a:t>silhouette score</a:t>
+            </a:r>
+          </a:p>
+          <a:p>
+            <a:pPr marL="457200" lvl="1" indent="0">
+              <a:buNone/>
+            </a:pPr>
+            <a:endParaRPr lang="en-US" b="1" dirty="0"/>
+          </a:p>
+          <a:p>
+            <a:pPr lvl="1"/>
+            <a:endParaRPr lang="en-US" b="1" dirty="0"/>
+          </a:p>
+          <a:p>
+            <a:pPr marL="0" indent="0">
+              <a:buNone/>
+            </a:pPr>
+            <a:endParaRPr lang="en-US" b="1" dirty="0"/>
+          </a:p>
+          <a:p>
+            <a:endParaRPr lang="en-US" b="1" dirty="0"/>
+          </a:p>
+          <a:p>
+            <a:endParaRPr lang="en-US" b="1" dirty="0"/>
+          </a:p>
+          <a:p>
+            <a:pPr lvl="1"/>
+            <a:endParaRPr lang="en-US" dirty="0"/>
+          </a:p>
+          <a:p>
+            <a:pPr lvl="2"/>
+            <a:endParaRPr lang="en-US" dirty="0"/>
+          </a:p>
+          <a:p>
+            <a:pPr lvl="1"/>
+            <a:endParaRPr lang="en-US" dirty="0"/>
+          </a:p>
+          <a:p>
+            <a:pPr lvl="2"/>
+            <a:endParaRPr lang="en-US" dirty="0"/>
+          </a:p>
+          <a:p>
+            <a:endParaRPr lang="en-US" dirty="0"/>
+          </a:p>
+        </p:txBody>
+      </p:sp>
+      <p:pic>
+        <p:nvPicPr>
+          <p:cNvPr id="2050" name="Picture 2">
+            <a:extLst>
+              <a:ext uri="{FF2B5EF4-FFF2-40B4-BE49-F238E27FC236}">
+                <a16:creationId xmlns:a16="http://schemas.microsoft.com/office/drawing/2014/main" id="{7CD752FD-E79D-4F5B-8610-6F7FA75F1690}"/>
+              </a:ext>
+            </a:extLst>
+          </p:cNvPr>
+          <p:cNvPicPr>
+            <a:picLocks noChangeAspect="1" noChangeArrowheads="1"/>
+          </p:cNvPicPr>
+          <p:nvPr/>
+        </p:nvPicPr>
+        <p:blipFill>
+          <a:blip r:embed="rId2">
+            <a:extLst>
+              <a:ext uri="{28A0092B-C50C-407E-A947-70E740481C1C}">
+                <a14:useLocalDpi xmlns:a14="http://schemas.microsoft.com/office/drawing/2010/main" val="0"/>
+              </a:ext>
+            </a:extLst>
+          </a:blip>
+          <a:srcRect/>
+          <a:stretch>
+            <a:fillRect/>
+          </a:stretch>
+        </p:blipFill>
+        <p:spPr bwMode="auto">
+          <a:xfrm>
+            <a:off x="5417861" y="1664598"/>
+            <a:ext cx="6524625" cy="4257675"/>
+          </a:xfrm>
+          <a:prstGeom prst="rect">
+            <a:avLst/>
+          </a:prstGeom>
+          <a:solidFill>
+            <a:schemeClr val="bg1"/>
+          </a:solidFill>
+          <a:ln>
+            <a:solidFill>
+              <a:schemeClr val="tx1"/>
+            </a:solidFill>
+          </a:ln>
+        </p:spPr>
+      </p:pic>
+    </p:spTree>
+    <p:extLst>
+      <p:ext uri="{BB962C8B-B14F-4D97-AF65-F5344CB8AC3E}">
+        <p14:creationId xmlns:p14="http://schemas.microsoft.com/office/powerpoint/2010/main" val="2058425403"/>
+      </p:ext>
+    </p:extLst>
+  </p:cSld>
+  <p:clrMapOvr>
+    <a:masterClrMapping/>
+  </p:clrMapOvr>
+</p:sld>
+</file>
+
+<file path=ppt/slides/slide9.xml><?xml version="1.0" encoding="utf-8"?>
+<p:sld xmlns:a="http://schemas.openxmlformats.org/drawingml/2006/main" xmlns:r="http://schemas.openxmlformats.org/officeDocument/2006/relationships" xmlns:p="http://schemas.openxmlformats.org/presentationml/2006/main">
+  <p:cSld>
+    <p:spTree>
+      <p:nvGrpSpPr>
+        <p:cNvPr id="1" name=""/>
+        <p:cNvGrpSpPr/>
+        <p:nvPr/>
+      </p:nvGrpSpPr>
+      <p:grpSpPr>
+        <a:xfrm>
+          <a:off x="0" y="0"/>
+          <a:ext cx="0" cy="0"/>
+          <a:chOff x="0" y="0"/>
+          <a:chExt cx="0" cy="0"/>
+        </a:xfrm>
+      </p:grpSpPr>
+      <p:sp>
+        <p:nvSpPr>
+          <p:cNvPr id="2" name="Title 1">
+            <a:extLst>
+              <a:ext uri="{FF2B5EF4-FFF2-40B4-BE49-F238E27FC236}">
+                <a16:creationId xmlns:a16="http://schemas.microsoft.com/office/drawing/2014/main" id="{7703E13A-577C-443E-B879-477EB01C7C2B}"/>
+              </a:ext>
+            </a:extLst>
+          </p:cNvPr>
+          <p:cNvSpPr>
+            <a:spLocks noGrp="1"/>
+          </p:cNvSpPr>
+          <p:nvPr>
+            <p:ph type="title"/>
+          </p:nvPr>
+        </p:nvSpPr>
+        <p:spPr>
+          <a:xfrm>
+            <a:off x="677334" y="377688"/>
+            <a:ext cx="8596668" cy="896573"/>
+          </a:xfrm>
+        </p:spPr>
+        <p:txBody>
+          <a:bodyPr>
+            <a:normAutofit fontScale="90000"/>
+          </a:bodyPr>
+          <a:lstStyle/>
+          <a:p>
+            <a:r>
+              <a:rPr lang="en-US" sz="5400" dirty="0"/>
+              <a:t>Data Summary</a:t>
+            </a:r>
+          </a:p>
+        </p:txBody>
+      </p:sp>
+      <p:sp>
+        <p:nvSpPr>
+          <p:cNvPr id="7" name="Content Placeholder 2">
+            <a:extLst>
+              <a:ext uri="{FF2B5EF4-FFF2-40B4-BE49-F238E27FC236}">
+                <a16:creationId xmlns:a16="http://schemas.microsoft.com/office/drawing/2014/main" id="{21769EF2-EB22-412F-A3E3-ECD218656C61}"/>
+              </a:ext>
+            </a:extLst>
+          </p:cNvPr>
+          <p:cNvSpPr txBox="1">
+            <a:spLocks/>
+          </p:cNvSpPr>
+          <p:nvPr/>
+        </p:nvSpPr>
+        <p:spPr>
+          <a:xfrm>
+            <a:off x="677334" y="4673117"/>
+            <a:ext cx="3362622" cy="575315"/>
+          </a:xfrm>
+          <a:prstGeom prst="rect">
+            <a:avLst/>
+          </a:prstGeom>
+        </p:spPr>
+        <p:txBody>
+          <a:bodyPr vert="horz" lIns="91440" tIns="45720" rIns="91440" bIns="45720" rtlCol="0">
+            <a:normAutofit fontScale="92500" lnSpcReduction="10000"/>
+          </a:bodyPr>
+          <a:lstStyle>
+            <a:lvl1pPr marL="342900" indent="-342900" algn="l" defTabSz="457200" rtl="0" eaLnBrk="1" latinLnBrk="0" hangingPunct="1">
+              <a:spcBef>
+                <a:spcPts val="1000"/>
+              </a:spcBef>
+              <a:spcAft>
+                <a:spcPts val="0"/>
+              </a:spcAft>
+              <a:buClr>
+                <a:schemeClr val="accent1"/>
+              </a:buClr>
+              <a:buSzPct val="80000"/>
+              <a:buFont typeface="Wingdings 3" charset="2"/>
+              <a:buChar char=""/>
+              <a:defRPr sz="1800" kern="1200">
+                <a:solidFill>
+                  <a:schemeClr val="tx1">
+                    <a:lumMod val="75000"/>
+                    <a:lumOff val="25000"/>
+                  </a:schemeClr>
+                </a:solidFill>
+                <a:latin typeface="+mn-lt"/>
+                <a:ea typeface="+mn-ea"/>
+                <a:cs typeface="+mn-cs"/>
+              </a:defRPr>
+            </a:lvl1pPr>
+            <a:lvl2pPr marL="742950" indent="-285750" algn="l" defTabSz="457200" rtl="0" eaLnBrk="1" latinLnBrk="0" hangingPunct="1">
+              <a:spcBef>
+                <a:spcPts val="1000"/>
+              </a:spcBef>
+              <a:spcAft>
+                <a:spcPts val="0"/>
+              </a:spcAft>
+              <a:buClr>
+                <a:schemeClr val="accent1"/>
+              </a:buClr>
+              <a:buSzPct val="80000"/>
+              <a:buFont typeface="Wingdings 3" charset="2"/>
+              <a:buChar char=""/>
+              <a:defRPr sz="1600" kern="1200">
+                <a:solidFill>
+                  <a:schemeClr val="tx1">
+                    <a:lumMod val="75000"/>
+                    <a:lumOff val="25000"/>
+                  </a:schemeClr>
+                </a:solidFill>
+                <a:latin typeface="+mn-lt"/>
+                <a:ea typeface="+mn-ea"/>
+                <a:cs typeface="+mn-cs"/>
+              </a:defRPr>
+            </a:lvl2pPr>
+            <a:lvl3pPr marL="1143000" indent="-228600" algn="l" defTabSz="457200" rtl="0" eaLnBrk="1" latinLnBrk="0" hangingPunct="1">
+              <a:spcBef>
+                <a:spcPts val="1000"/>
+              </a:spcBef>
+              <a:spcAft>
+                <a:spcPts val="0"/>
+              </a:spcAft>
+              <a:buClr>
+                <a:schemeClr val="accent1"/>
+              </a:buClr>
+              <a:buSzPct val="80000"/>
+              <a:buFont typeface="Wingdings 3" charset="2"/>
+              <a:buChar char=""/>
+              <a:defRPr sz="1400" kern="1200">
+                <a:solidFill>
+                  <a:schemeClr val="tx1">
+                    <a:lumMod val="75000"/>
+                    <a:lumOff val="25000"/>
+                  </a:schemeClr>
+                </a:solidFill>
+                <a:latin typeface="+mn-lt"/>
+                <a:ea typeface="+mn-ea"/>
+                <a:cs typeface="+mn-cs"/>
+              </a:defRPr>
+            </a:lvl3pPr>
+            <a:lvl4pPr marL="1600200" indent="-228600" algn="l" defTabSz="457200" rtl="0" eaLnBrk="1" latinLnBrk="0" hangingPunct="1">
+              <a:spcBef>
+                <a:spcPts val="1000"/>
+              </a:spcBef>
+              <a:spcAft>
+                <a:spcPts val="0"/>
+              </a:spcAft>
+              <a:buClr>
+                <a:schemeClr val="accent1"/>
+              </a:buClr>
+              <a:buSzPct val="80000"/>
+              <a:buFont typeface="Wingdings 3" charset="2"/>
+              <a:buChar char=""/>
+              <a:defRPr sz="1200" kern="1200">
+                <a:solidFill>
+                  <a:schemeClr val="tx1">
+                    <a:lumMod val="75000"/>
+                    <a:lumOff val="25000"/>
+                  </a:schemeClr>
+                </a:solidFill>
+                <a:latin typeface="+mn-lt"/>
+                <a:ea typeface="+mn-ea"/>
+                <a:cs typeface="+mn-cs"/>
+              </a:defRPr>
+            </a:lvl4pPr>
+            <a:lvl5pPr marL="2057400" indent="-228600" algn="l" defTabSz="457200" rtl="0" eaLnBrk="1" latinLnBrk="0" hangingPunct="1">
+              <a:spcBef>
+                <a:spcPts val="1000"/>
+              </a:spcBef>
+              <a:spcAft>
+                <a:spcPts val="0"/>
+              </a:spcAft>
+              <a:buClr>
+                <a:schemeClr val="accent1"/>
+              </a:buClr>
+              <a:buSzPct val="80000"/>
+              <a:buFont typeface="Wingdings 3" charset="2"/>
+              <a:buChar char=""/>
+              <a:defRPr sz="1200" kern="1200">
+                <a:solidFill>
+                  <a:schemeClr val="tx1">
+                    <a:lumMod val="75000"/>
+                    <a:lumOff val="25000"/>
+                  </a:schemeClr>
+                </a:solidFill>
+                <a:latin typeface="+mn-lt"/>
+                <a:ea typeface="+mn-ea"/>
+                <a:cs typeface="+mn-cs"/>
+              </a:defRPr>
+            </a:lvl5pPr>
+            <a:lvl6pPr marL="2514600" indent="-228600" algn="l" defTabSz="457200" rtl="0" eaLnBrk="1" latinLnBrk="0" hangingPunct="1">
+              <a:spcBef>
+                <a:spcPts val="1000"/>
+              </a:spcBef>
+              <a:spcAft>
+                <a:spcPts val="0"/>
+              </a:spcAft>
+              <a:buClr>
+                <a:schemeClr val="accent1"/>
+              </a:buClr>
+              <a:buSzPct val="80000"/>
+              <a:buFont typeface="Wingdings 3" charset="2"/>
+              <a:buChar char=""/>
+              <a:defRPr sz="1200" kern="1200">
+                <a:solidFill>
+                  <a:schemeClr val="tx1">
+                    <a:lumMod val="75000"/>
+                    <a:lumOff val="25000"/>
+                  </a:schemeClr>
+                </a:solidFill>
+                <a:latin typeface="+mn-lt"/>
+                <a:ea typeface="+mn-ea"/>
+                <a:cs typeface="+mn-cs"/>
+              </a:defRPr>
+            </a:lvl6pPr>
+            <a:lvl7pPr marL="2971800" indent="-228600" algn="l" defTabSz="457200" rtl="0" eaLnBrk="1" latinLnBrk="0" hangingPunct="1">
+              <a:spcBef>
+                <a:spcPts val="1000"/>
+              </a:spcBef>
+              <a:spcAft>
+                <a:spcPts val="0"/>
+              </a:spcAft>
+              <a:buClr>
+                <a:schemeClr val="accent1"/>
+              </a:buClr>
+              <a:buSzPct val="80000"/>
+              <a:buFont typeface="Wingdings 3" charset="2"/>
+              <a:buChar char=""/>
+              <a:defRPr sz="1200" kern="1200">
+                <a:solidFill>
+                  <a:schemeClr val="tx1">
+                    <a:lumMod val="75000"/>
+                    <a:lumOff val="25000"/>
+                  </a:schemeClr>
+                </a:solidFill>
+                <a:latin typeface="+mn-lt"/>
+                <a:ea typeface="+mn-ea"/>
+                <a:cs typeface="+mn-cs"/>
+              </a:defRPr>
+            </a:lvl7pPr>
+            <a:lvl8pPr marL="3429000" indent="-228600" algn="l" defTabSz="457200" rtl="0" eaLnBrk="1" latinLnBrk="0" hangingPunct="1">
+              <a:spcBef>
+                <a:spcPts val="1000"/>
+              </a:spcBef>
+              <a:spcAft>
+                <a:spcPts val="0"/>
+              </a:spcAft>
+              <a:buClr>
+                <a:schemeClr val="accent1"/>
+              </a:buClr>
+              <a:buSzPct val="80000"/>
+              <a:buFont typeface="Wingdings 3" charset="2"/>
+              <a:buChar char=""/>
+              <a:defRPr sz="1200" kern="1200">
+                <a:solidFill>
+                  <a:schemeClr val="tx1">
+                    <a:lumMod val="75000"/>
+                    <a:lumOff val="25000"/>
+                  </a:schemeClr>
+                </a:solidFill>
+                <a:latin typeface="+mn-lt"/>
+                <a:ea typeface="+mn-ea"/>
+                <a:cs typeface="+mn-cs"/>
+              </a:defRPr>
+            </a:lvl8pPr>
+            <a:lvl9pPr marL="3886200" indent="-228600" algn="l" defTabSz="457200" rtl="0" eaLnBrk="1" latinLnBrk="0" hangingPunct="1">
+              <a:spcBef>
+                <a:spcPts val="1000"/>
+              </a:spcBef>
+              <a:spcAft>
+                <a:spcPts val="0"/>
+              </a:spcAft>
+              <a:buClr>
+                <a:schemeClr val="accent1"/>
+              </a:buClr>
+              <a:buSzPct val="80000"/>
+              <a:buFont typeface="Wingdings 3" charset="2"/>
+              <a:buChar char=""/>
+              <a:defRPr sz="1200" kern="1200">
+                <a:solidFill>
+                  <a:schemeClr val="tx1">
+                    <a:lumMod val="75000"/>
+                    <a:lumOff val="25000"/>
+                  </a:schemeClr>
+                </a:solidFill>
+                <a:latin typeface="+mn-lt"/>
+                <a:ea typeface="+mn-ea"/>
+                <a:cs typeface="+mn-cs"/>
+              </a:defRPr>
+            </a:lvl9pPr>
+          </a:lstStyle>
+          <a:p>
+            <a:r>
+              <a:rPr lang="en-US" b="1" dirty="0"/>
+              <a:t>Majority of sessions (85%) do not result in a purchase</a:t>
+            </a:r>
+          </a:p>
+          <a:p>
+            <a:endParaRPr lang="en-US" b="1" dirty="0"/>
+          </a:p>
+          <a:p>
+            <a:pPr marL="0" indent="0">
+              <a:buNone/>
+            </a:pPr>
+            <a:endParaRPr lang="en-US" b="1" dirty="0"/>
+          </a:p>
+          <a:p>
+            <a:endParaRPr lang="en-US" b="1" dirty="0"/>
+          </a:p>
+          <a:p>
+            <a:endParaRPr lang="en-US" b="1" dirty="0"/>
+          </a:p>
+          <a:p>
+            <a:pPr lvl="1"/>
+            <a:endParaRPr lang="en-US" dirty="0"/>
+          </a:p>
+          <a:p>
+            <a:pPr lvl="2"/>
+            <a:endParaRPr lang="en-US" dirty="0"/>
+          </a:p>
+          <a:p>
+            <a:pPr lvl="1"/>
+            <a:endParaRPr lang="en-US" dirty="0"/>
+          </a:p>
+          <a:p>
+            <a:pPr lvl="2"/>
+            <a:endParaRPr lang="en-US" dirty="0"/>
+          </a:p>
+          <a:p>
+            <a:endParaRPr lang="en-US" dirty="0"/>
+          </a:p>
+        </p:txBody>
+      </p:sp>
+      <p:pic>
+        <p:nvPicPr>
+          <p:cNvPr id="1028" name="Picture 4">
+            <a:extLst>
+              <a:ext uri="{FF2B5EF4-FFF2-40B4-BE49-F238E27FC236}">
+                <a16:creationId xmlns:a16="http://schemas.microsoft.com/office/drawing/2014/main" id="{FD69615B-02A2-4E8A-8B84-B1B1D5DBF8A7}"/>
+              </a:ext>
+            </a:extLst>
+          </p:cNvPr>
+          <p:cNvPicPr>
+            <a:picLocks noChangeAspect="1" noChangeArrowheads="1"/>
+          </p:cNvPicPr>
+          <p:nvPr/>
+        </p:nvPicPr>
+        <p:blipFill>
+          <a:blip r:embed="rId2">
+            <a:extLst>
+              <a:ext uri="{28A0092B-C50C-407E-A947-70E740481C1C}">
+                <a14:useLocalDpi xmlns:a14="http://schemas.microsoft.com/office/drawing/2010/main" val="0"/>
+              </a:ext>
+            </a:extLst>
+          </a:blip>
+          <a:srcRect/>
+          <a:stretch>
+            <a:fillRect/>
+          </a:stretch>
+        </p:blipFill>
+        <p:spPr bwMode="auto">
+          <a:xfrm>
+            <a:off x="5586759" y="1999292"/>
+            <a:ext cx="3939100" cy="2468662"/>
+          </a:xfrm>
+          <a:prstGeom prst="rect">
+            <a:avLst/>
+          </a:prstGeom>
+          <a:solidFill>
+            <a:schemeClr val="bg1"/>
+          </a:solidFill>
+          <a:ln>
+            <a:solidFill>
+              <a:schemeClr val="tx2"/>
+            </a:solidFill>
+          </a:ln>
+        </p:spPr>
+      </p:pic>
+      <p:sp>
+        <p:nvSpPr>
+          <p:cNvPr id="13" name="Content Placeholder 2">
+            <a:extLst>
+              <a:ext uri="{FF2B5EF4-FFF2-40B4-BE49-F238E27FC236}">
+                <a16:creationId xmlns:a16="http://schemas.microsoft.com/office/drawing/2014/main" id="{954CA082-2E4C-4258-B193-A16261BCE37B}"/>
+              </a:ext>
+            </a:extLst>
+          </p:cNvPr>
+          <p:cNvSpPr txBox="1">
+            <a:spLocks/>
+          </p:cNvSpPr>
+          <p:nvPr/>
+        </p:nvSpPr>
+        <p:spPr>
+          <a:xfrm>
+            <a:off x="5752916" y="4673117"/>
+            <a:ext cx="3362622" cy="575315"/>
+          </a:xfrm>
+          <a:prstGeom prst="rect">
+            <a:avLst/>
+          </a:prstGeom>
+        </p:spPr>
+        <p:txBody>
+          <a:bodyPr vert="horz" lIns="91440" tIns="45720" rIns="91440" bIns="45720" rtlCol="0">
+            <a:normAutofit fontScale="92500" lnSpcReduction="10000"/>
+          </a:bodyPr>
+          <a:lstStyle>
+            <a:lvl1pPr marL="342900" indent="-342900" algn="l" defTabSz="457200" rtl="0" eaLnBrk="1" latinLnBrk="0" hangingPunct="1">
+              <a:spcBef>
+                <a:spcPts val="1000"/>
+              </a:spcBef>
+              <a:spcAft>
+                <a:spcPts val="0"/>
+              </a:spcAft>
+              <a:buClr>
+                <a:schemeClr val="accent1"/>
+              </a:buClr>
+              <a:buSzPct val="80000"/>
+              <a:buFont typeface="Wingdings 3" charset="2"/>
+              <a:buChar char=""/>
+              <a:defRPr sz="1800" kern="1200">
+                <a:solidFill>
+                  <a:schemeClr val="tx1">
+                    <a:lumMod val="75000"/>
+                    <a:lumOff val="25000"/>
+                  </a:schemeClr>
+                </a:solidFill>
+                <a:latin typeface="+mn-lt"/>
+                <a:ea typeface="+mn-ea"/>
+                <a:cs typeface="+mn-cs"/>
+              </a:defRPr>
+            </a:lvl1pPr>
+            <a:lvl2pPr marL="742950" indent="-285750" algn="l" defTabSz="457200" rtl="0" eaLnBrk="1" latinLnBrk="0" hangingPunct="1">
+              <a:spcBef>
+                <a:spcPts val="1000"/>
+              </a:spcBef>
+              <a:spcAft>
+                <a:spcPts val="0"/>
+              </a:spcAft>
+              <a:buClr>
+                <a:schemeClr val="accent1"/>
+              </a:buClr>
+              <a:buSzPct val="80000"/>
+              <a:buFont typeface="Wingdings 3" charset="2"/>
+              <a:buChar char=""/>
+              <a:defRPr sz="1600" kern="1200">
+                <a:solidFill>
+                  <a:schemeClr val="tx1">
+                    <a:lumMod val="75000"/>
+                    <a:lumOff val="25000"/>
+                  </a:schemeClr>
+                </a:solidFill>
+                <a:latin typeface="+mn-lt"/>
+                <a:ea typeface="+mn-ea"/>
+                <a:cs typeface="+mn-cs"/>
+              </a:defRPr>
+            </a:lvl2pPr>
+            <a:lvl3pPr marL="1143000" indent="-228600" algn="l" defTabSz="457200" rtl="0" eaLnBrk="1" latinLnBrk="0" hangingPunct="1">
+              <a:spcBef>
+                <a:spcPts val="1000"/>
+              </a:spcBef>
+              <a:spcAft>
+                <a:spcPts val="0"/>
+              </a:spcAft>
+              <a:buClr>
+                <a:schemeClr val="accent1"/>
+              </a:buClr>
+              <a:buSzPct val="80000"/>
+              <a:buFont typeface="Wingdings 3" charset="2"/>
+              <a:buChar char=""/>
+              <a:defRPr sz="1400" kern="1200">
+                <a:solidFill>
+                  <a:schemeClr val="tx1">
+                    <a:lumMod val="75000"/>
+                    <a:lumOff val="25000"/>
+                  </a:schemeClr>
+                </a:solidFill>
+                <a:latin typeface="+mn-lt"/>
+                <a:ea typeface="+mn-ea"/>
+                <a:cs typeface="+mn-cs"/>
+              </a:defRPr>
+            </a:lvl3pPr>
+            <a:lvl4pPr marL="1600200" indent="-228600" algn="l" defTabSz="457200" rtl="0" eaLnBrk="1" latinLnBrk="0" hangingPunct="1">
+              <a:spcBef>
+                <a:spcPts val="1000"/>
+              </a:spcBef>
+              <a:spcAft>
+                <a:spcPts val="0"/>
+              </a:spcAft>
+              <a:buClr>
+                <a:schemeClr val="accent1"/>
+              </a:buClr>
+              <a:buSzPct val="80000"/>
+              <a:buFont typeface="Wingdings 3" charset="2"/>
+              <a:buChar char=""/>
+              <a:defRPr sz="1200" kern="1200">
+                <a:solidFill>
+                  <a:schemeClr val="tx1">
+                    <a:lumMod val="75000"/>
+                    <a:lumOff val="25000"/>
+                  </a:schemeClr>
+                </a:solidFill>
+                <a:latin typeface="+mn-lt"/>
+                <a:ea typeface="+mn-ea"/>
+                <a:cs typeface="+mn-cs"/>
+              </a:defRPr>
+            </a:lvl4pPr>
+            <a:lvl5pPr marL="2057400" indent="-228600" algn="l" defTabSz="457200" rtl="0" eaLnBrk="1" latinLnBrk="0" hangingPunct="1">
+              <a:spcBef>
+                <a:spcPts val="1000"/>
+              </a:spcBef>
+              <a:spcAft>
+                <a:spcPts val="0"/>
+              </a:spcAft>
+              <a:buClr>
+                <a:schemeClr val="accent1"/>
+              </a:buClr>
+              <a:buSzPct val="80000"/>
+              <a:buFont typeface="Wingdings 3" charset="2"/>
+              <a:buChar char=""/>
+              <a:defRPr sz="1200" kern="1200">
+                <a:solidFill>
+                  <a:schemeClr val="tx1">
+                    <a:lumMod val="75000"/>
+                    <a:lumOff val="25000"/>
+                  </a:schemeClr>
+                </a:solidFill>
+                <a:latin typeface="+mn-lt"/>
+                <a:ea typeface="+mn-ea"/>
+                <a:cs typeface="+mn-cs"/>
+              </a:defRPr>
+            </a:lvl5pPr>
+            <a:lvl6pPr marL="2514600" indent="-228600" algn="l" defTabSz="457200" rtl="0" eaLnBrk="1" latinLnBrk="0" hangingPunct="1">
+              <a:spcBef>
+                <a:spcPts val="1000"/>
+              </a:spcBef>
+              <a:spcAft>
+                <a:spcPts val="0"/>
+              </a:spcAft>
+              <a:buClr>
+                <a:schemeClr val="accent1"/>
+              </a:buClr>
+              <a:buSzPct val="80000"/>
+              <a:buFont typeface="Wingdings 3" charset="2"/>
+              <a:buChar char=""/>
+              <a:defRPr sz="1200" kern="1200">
+                <a:solidFill>
+                  <a:schemeClr val="tx1">
+                    <a:lumMod val="75000"/>
+                    <a:lumOff val="25000"/>
+                  </a:schemeClr>
+                </a:solidFill>
+                <a:latin typeface="+mn-lt"/>
+                <a:ea typeface="+mn-ea"/>
+                <a:cs typeface="+mn-cs"/>
+              </a:defRPr>
+            </a:lvl6pPr>
+            <a:lvl7pPr marL="2971800" indent="-228600" algn="l" defTabSz="457200" rtl="0" eaLnBrk="1" latinLnBrk="0" hangingPunct="1">
+              <a:spcBef>
+                <a:spcPts val="1000"/>
+              </a:spcBef>
+              <a:spcAft>
+                <a:spcPts val="0"/>
+              </a:spcAft>
+              <a:buClr>
+                <a:schemeClr val="accent1"/>
+              </a:buClr>
+              <a:buSzPct val="80000"/>
+              <a:buFont typeface="Wingdings 3" charset="2"/>
+              <a:buChar char=""/>
+              <a:defRPr sz="1200" kern="1200">
+                <a:solidFill>
+                  <a:schemeClr val="tx1">
+                    <a:lumMod val="75000"/>
+                    <a:lumOff val="25000"/>
+                  </a:schemeClr>
+                </a:solidFill>
+                <a:latin typeface="+mn-lt"/>
+                <a:ea typeface="+mn-ea"/>
+                <a:cs typeface="+mn-cs"/>
+              </a:defRPr>
+            </a:lvl7pPr>
+            <a:lvl8pPr marL="3429000" indent="-228600" algn="l" defTabSz="457200" rtl="0" eaLnBrk="1" latinLnBrk="0" hangingPunct="1">
+              <a:spcBef>
+                <a:spcPts val="1000"/>
+              </a:spcBef>
+              <a:spcAft>
+                <a:spcPts val="0"/>
+              </a:spcAft>
+              <a:buClr>
+                <a:schemeClr val="accent1"/>
+              </a:buClr>
+              <a:buSzPct val="80000"/>
+              <a:buFont typeface="Wingdings 3" charset="2"/>
+              <a:buChar char=""/>
+              <a:defRPr sz="1200" kern="1200">
+                <a:solidFill>
+                  <a:schemeClr val="tx1">
+                    <a:lumMod val="75000"/>
+                    <a:lumOff val="25000"/>
+                  </a:schemeClr>
+                </a:solidFill>
+                <a:latin typeface="+mn-lt"/>
+                <a:ea typeface="+mn-ea"/>
+                <a:cs typeface="+mn-cs"/>
+              </a:defRPr>
+            </a:lvl8pPr>
+            <a:lvl9pPr marL="3886200" indent="-228600" algn="l" defTabSz="457200" rtl="0" eaLnBrk="1" latinLnBrk="0" hangingPunct="1">
+              <a:spcBef>
+                <a:spcPts val="1000"/>
+              </a:spcBef>
+              <a:spcAft>
+                <a:spcPts val="0"/>
+              </a:spcAft>
+              <a:buClr>
+                <a:schemeClr val="accent1"/>
+              </a:buClr>
+              <a:buSzPct val="80000"/>
+              <a:buFont typeface="Wingdings 3" charset="2"/>
+              <a:buChar char=""/>
+              <a:defRPr sz="1200" kern="1200">
+                <a:solidFill>
+                  <a:schemeClr val="tx1">
+                    <a:lumMod val="75000"/>
+                    <a:lumOff val="25000"/>
+                  </a:schemeClr>
+                </a:solidFill>
+                <a:latin typeface="+mn-lt"/>
+                <a:ea typeface="+mn-ea"/>
+                <a:cs typeface="+mn-cs"/>
+              </a:defRPr>
+            </a:lvl9pPr>
+          </a:lstStyle>
+          <a:p>
+            <a:r>
+              <a:rPr lang="en-US" b="1" dirty="0"/>
+              <a:t>Majority of sessions (85%) are return customers</a:t>
+            </a:r>
+          </a:p>
+          <a:p>
+            <a:endParaRPr lang="en-US" b="1" dirty="0"/>
+          </a:p>
+          <a:p>
+            <a:pPr marL="0" indent="0">
+              <a:buNone/>
+            </a:pPr>
+            <a:endParaRPr lang="en-US" b="1" dirty="0"/>
+          </a:p>
+          <a:p>
+            <a:endParaRPr lang="en-US" b="1" dirty="0"/>
+          </a:p>
+          <a:p>
+            <a:endParaRPr lang="en-US" b="1" dirty="0"/>
+          </a:p>
+          <a:p>
+            <a:pPr lvl="1"/>
+            <a:endParaRPr lang="en-US" dirty="0"/>
+          </a:p>
+          <a:p>
+            <a:pPr lvl="2"/>
+            <a:endParaRPr lang="en-US" dirty="0"/>
+          </a:p>
+          <a:p>
+            <a:pPr lvl="1"/>
+            <a:endParaRPr lang="en-US" dirty="0"/>
+          </a:p>
+          <a:p>
+            <a:pPr lvl="2"/>
+            <a:endParaRPr lang="en-US" dirty="0"/>
+          </a:p>
+          <a:p>
+            <a:endParaRPr lang="en-US" dirty="0"/>
+          </a:p>
+        </p:txBody>
+      </p:sp>
       <p:grpSp>
         <p:nvGrpSpPr>
-          <p:cNvPr id="4" name="Group 3">
+          <p:cNvPr id="3" name="Group 2">
             <a:extLst>
               <a:ext uri="{FF2B5EF4-FFF2-40B4-BE49-F238E27FC236}">
-                <a16:creationId xmlns:a16="http://schemas.microsoft.com/office/drawing/2014/main" id="{5337554E-305E-45DB-ACDD-B38CCBD6680C}"/>
+                <a16:creationId xmlns:a16="http://schemas.microsoft.com/office/drawing/2014/main" id="{1D2B3F58-663B-4DDE-B0A0-F4A48DEF8B91}"/>
               </a:ext>
             </a:extLst>
           </p:cNvPr>
@@ -9704,18 +12486,18 @@
         </p:nvGrpSpPr>
         <p:grpSpPr>
           <a:xfrm>
-            <a:off x="6981283" y="365880"/>
-            <a:ext cx="4204168" cy="2634782"/>
-            <a:chOff x="6981283" y="365880"/>
-            <a:chExt cx="4204168" cy="2634782"/>
+            <a:off x="389096" y="1999293"/>
+            <a:ext cx="3939098" cy="2468661"/>
+            <a:chOff x="389096" y="1999293"/>
+            <a:chExt cx="3939098" cy="2468661"/>
           </a:xfrm>
         </p:grpSpPr>
         <p:pic>
           <p:nvPicPr>
-            <p:cNvPr id="9" name="Picture 2">
+            <p:cNvPr id="1026" name="Picture 2">
               <a:extLst>
                 <a:ext uri="{FF2B5EF4-FFF2-40B4-BE49-F238E27FC236}">
-                  <a16:creationId xmlns:a16="http://schemas.microsoft.com/office/drawing/2014/main" id="{48CCF35E-2C25-4450-9B86-57EC1B6A3B5B}"/>
+                  <a16:creationId xmlns:a16="http://schemas.microsoft.com/office/drawing/2014/main" id="{2AA0F9E7-5E98-4565-897D-B6ED5E2E05ED}"/>
                 </a:ext>
               </a:extLst>
             </p:cNvPr>
@@ -9739,8 +12521,8 @@
           </p:blipFill>
           <p:spPr bwMode="auto">
             <a:xfrm>
-              <a:off x="6981283" y="365880"/>
-              <a:ext cx="4204168" cy="2634782"/>
+              <a:off x="389096" y="1999293"/>
+              <a:ext cx="3939098" cy="2468661"/>
             </a:xfrm>
             <a:prstGeom prst="rect">
               <a:avLst/>
@@ -9757,10 +12539,10 @@
         </p:pic>
         <p:sp>
           <p:nvSpPr>
-            <p:cNvPr id="3" name="Rectangle 2">
+            <p:cNvPr id="8" name="Rectangle 7">
               <a:extLst>
                 <a:ext uri="{FF2B5EF4-FFF2-40B4-BE49-F238E27FC236}">
-                  <a16:creationId xmlns:a16="http://schemas.microsoft.com/office/drawing/2014/main" id="{7B1E0563-DC7F-413C-90BD-625CFB09BC94}"/>
+                  <a16:creationId xmlns:a16="http://schemas.microsoft.com/office/drawing/2014/main" id="{0AB7E556-0817-4A7C-909E-311EDCB6EF10}"/>
                 </a:ext>
               </a:extLst>
             </p:cNvPr>
@@ -9769,8 +12551,8 @@
           </p:nvSpPr>
           <p:spPr>
             <a:xfrm>
-              <a:off x="9753600" y="414270"/>
-              <a:ext cx="924512" cy="109605"/>
+              <a:off x="2949003" y="2014470"/>
+              <a:ext cx="918734" cy="125676"/>
             </a:xfrm>
             <a:prstGeom prst="rect">
               <a:avLst/>
@@ -9811,105 +12593,7 @@
     </p:spTree>
     <p:extLst>
       <p:ext uri="{BB962C8B-B14F-4D97-AF65-F5344CB8AC3E}">
-        <p14:creationId xmlns:p14="http://schemas.microsoft.com/office/powerpoint/2010/main" val="2368588781"/>
-      </p:ext>
-    </p:extLst>
-  </p:cSld>
-  <p:clrMapOvr>
-    <a:masterClrMapping/>
-  </p:clrMapOvr>
-</p:sld>
-</file>
-
-<file path=ppt/slides/slide9.xml><?xml version="1.0" encoding="utf-8"?>
-<p:sld xmlns:a="http://schemas.openxmlformats.org/drawingml/2006/main" xmlns:r="http://schemas.openxmlformats.org/officeDocument/2006/relationships" xmlns:p="http://schemas.openxmlformats.org/presentationml/2006/main">
-  <p:cSld>
-    <p:spTree>
-      <p:nvGrpSpPr>
-        <p:cNvPr id="1" name=""/>
-        <p:cNvGrpSpPr/>
-        <p:nvPr/>
-      </p:nvGrpSpPr>
-      <p:grpSpPr>
-        <a:xfrm>
-          <a:off x="0" y="0"/>
-          <a:ext cx="0" cy="0"/>
-          <a:chOff x="0" y="0"/>
-          <a:chExt cx="0" cy="0"/>
-        </a:xfrm>
-      </p:grpSpPr>
-      <p:sp>
-        <p:nvSpPr>
-          <p:cNvPr id="13" name="Title 12">
-            <a:extLst>
-              <a:ext uri="{FF2B5EF4-FFF2-40B4-BE49-F238E27FC236}">
-                <a16:creationId xmlns:a16="http://schemas.microsoft.com/office/drawing/2014/main" id="{668B4B78-1E51-4C63-BDD4-2B238AD4FDD6}"/>
-              </a:ext>
-            </a:extLst>
-          </p:cNvPr>
-          <p:cNvSpPr>
-            <a:spLocks noGrp="1"/>
-          </p:cNvSpPr>
-          <p:nvPr>
-            <p:ph type="ctrTitle"/>
-          </p:nvPr>
-        </p:nvSpPr>
-        <p:spPr>
-          <a:xfrm>
-            <a:off x="1177290" y="2404534"/>
-            <a:ext cx="8096713" cy="1646302"/>
-          </a:xfrm>
-        </p:spPr>
-        <p:txBody>
-          <a:bodyPr/>
-          <a:lstStyle/>
-          <a:p>
-            <a:pPr algn="l"/>
-            <a:r>
-              <a:rPr lang="en-US" sz="8800" dirty="0"/>
-              <a:t>Thank You!</a:t>
-            </a:r>
-          </a:p>
-        </p:txBody>
-      </p:sp>
-      <p:sp>
-        <p:nvSpPr>
-          <p:cNvPr id="14" name="Subtitle 13">
-            <a:extLst>
-              <a:ext uri="{FF2B5EF4-FFF2-40B4-BE49-F238E27FC236}">
-                <a16:creationId xmlns:a16="http://schemas.microsoft.com/office/drawing/2014/main" id="{B6F20E94-A949-4F72-AC5F-C6B383A91DE2}"/>
-              </a:ext>
-            </a:extLst>
-          </p:cNvPr>
-          <p:cNvSpPr>
-            <a:spLocks noGrp="1"/>
-          </p:cNvSpPr>
-          <p:nvPr>
-            <p:ph type="subTitle" idx="1"/>
-          </p:nvPr>
-        </p:nvSpPr>
-        <p:spPr>
-          <a:xfrm>
-            <a:off x="1507067" y="4309252"/>
-            <a:ext cx="7766936" cy="454906"/>
-          </a:xfrm>
-        </p:spPr>
-        <p:txBody>
-          <a:bodyPr/>
-          <a:lstStyle/>
-          <a:p>
-            <a:pPr algn="l"/>
-            <a:r>
-              <a:rPr lang="en-US" dirty="0"/>
-              <a:t>https://github.com/brock-ricker/Online-Shoppers-Purchasing-Intent</a:t>
-            </a:r>
-          </a:p>
-        </p:txBody>
-      </p:sp>
-    </p:spTree>
-    <p:extLst>
-      <p:ext uri="{BB962C8B-B14F-4D97-AF65-F5344CB8AC3E}">
-        <p14:creationId xmlns:p14="http://schemas.microsoft.com/office/powerpoint/2010/main" val="2691205063"/>
+        <p14:creationId xmlns:p14="http://schemas.microsoft.com/office/powerpoint/2010/main" val="2677809906"/>
       </p:ext>
     </p:extLst>
   </p:cSld>
